--- a/articles/evg_example.pptx
+++ b/articles/evg_example.pptx
@@ -5,7 +5,7 @@
     <p:sldMasterId id="2147483648" r:id="rId1"/>
   </p:sldMasterIdLst>
   <p:sldIdLst>
-    <p:sldId id="326631874" r:id="rId6"/>
+    <p:sldId id="2039672696" r:id="rId6"/>
   </p:sldIdLst>
   <p:sldSz cx="12192000" cy="6858000"/>
   <p:notesSz cx="6858000" cy="9144000"/>

--- a/articles/evg_example.pptx
+++ b/articles/evg_example.pptx
@@ -1,11 +1,11 @@
 
 <file path=ppt/presentation.xml><?xml version="1.0" encoding="utf-8"?>
-<p:presentation xmlns:p="http://schemas.openxmlformats.org/presentationml/2006/main" xmlns:a="http://schemas.openxmlformats.org/drawingml/2006/main" xmlns:r="http://schemas.openxmlformats.org/officeDocument/2006/relationships" xmlns:mc="http://schemas.openxmlformats.org/markup-compatibility/2006" xmlns:c="http://schemas.openxmlformats.org/drawingml/2006/chart" xmlns:ns6="http://schemas.openxmlformats.org/drawingml/2006/chartDrawing" xmlns:dgm="http://schemas.openxmlformats.org/drawingml/2006/diagram" xmlns:pic="http://schemas.openxmlformats.org/drawingml/2006/picture" xmlns:wp="http://schemas.openxmlformats.org/drawingml/2006/wordprocessingDrawing" xmlns:xdr="http://schemas.openxmlformats.org/drawingml/2006/spreadsheetDrawing" xmlns:ns11="http://schemas.openxmlformats.org/drawingml/2006/compatibility" xmlns:ns12="http://schemas.openxmlformats.org/drawingml/2006/lockedCanvas" saveSubsetFonts="true">
+<p:presentation xmlns:p="http://schemas.openxmlformats.org/presentationml/2006/main" xmlns:r="http://schemas.openxmlformats.org/officeDocument/2006/relationships" xmlns:a="http://schemas.openxmlformats.org/drawingml/2006/main" xmlns:mc="http://schemas.openxmlformats.org/markup-compatibility/2006" xmlns:c="http://schemas.openxmlformats.org/drawingml/2006/chart" xmlns:ns6="http://schemas.openxmlformats.org/drawingml/2006/chartDrawing" xmlns:dgm="http://schemas.openxmlformats.org/drawingml/2006/diagram" xmlns:pic="http://schemas.openxmlformats.org/drawingml/2006/picture" xmlns:wp="http://schemas.openxmlformats.org/drawingml/2006/wordprocessingDrawing" xmlns:xdr="http://schemas.openxmlformats.org/drawingml/2006/spreadsheetDrawing" xmlns:ns11="http://schemas.openxmlformats.org/drawingml/2006/compatibility" xmlns:ns12="http://schemas.openxmlformats.org/drawingml/2006/lockedCanvas" saveSubsetFonts="true">
   <p:sldMasterIdLst>
     <p:sldMasterId id="2147483648" r:id="rId1"/>
   </p:sldMasterIdLst>
   <p:sldIdLst>
-    <p:sldId id="2039672696" r:id="rId6"/>
+    <p:sldId id="720988210" r:id="rId6"/>
   </p:sldIdLst>
   <p:sldSz cx="12192000" cy="6858000"/>
   <p:notesSz cx="6858000" cy="9144000"/>
@@ -113,7 +113,7 @@
 </file>
 
 <file path=ppt/slideLayouts/slideLayout1.xml><?xml version="1.0" encoding="utf-8"?>
-<p:sldLayout xmlns:p="http://schemas.openxmlformats.org/presentationml/2006/main" xmlns:a="http://schemas.openxmlformats.org/drawingml/2006/main" xmlns:r="http://schemas.openxmlformats.org/officeDocument/2006/relationships" xmlns:mc="http://schemas.openxmlformats.org/markup-compatibility/2006" xmlns:c="http://schemas.openxmlformats.org/drawingml/2006/chart" xmlns:ns6="http://schemas.openxmlformats.org/drawingml/2006/chartDrawing" xmlns:dgm="http://schemas.openxmlformats.org/drawingml/2006/diagram" xmlns:pic="http://schemas.openxmlformats.org/drawingml/2006/picture" xmlns:wp="http://schemas.openxmlformats.org/drawingml/2006/wordprocessingDrawing" xmlns:xdr="http://schemas.openxmlformats.org/drawingml/2006/spreadsheetDrawing" xmlns:ns11="http://schemas.openxmlformats.org/drawingml/2006/compatibility" xmlns:ns12="http://schemas.openxmlformats.org/drawingml/2006/lockedCanvas" type="title" preserve="true">
+<p:sldLayout xmlns:p="http://schemas.openxmlformats.org/presentationml/2006/main" xmlns:r="http://schemas.openxmlformats.org/officeDocument/2006/relationships" xmlns:a="http://schemas.openxmlformats.org/drawingml/2006/main" xmlns:mc="http://schemas.openxmlformats.org/markup-compatibility/2006" xmlns:c="http://schemas.openxmlformats.org/drawingml/2006/chart" xmlns:ns6="http://schemas.openxmlformats.org/drawingml/2006/chartDrawing" xmlns:dgm="http://schemas.openxmlformats.org/drawingml/2006/diagram" xmlns:pic="http://schemas.openxmlformats.org/drawingml/2006/picture" xmlns:wp="http://schemas.openxmlformats.org/drawingml/2006/wordprocessingDrawing" xmlns:xdr="http://schemas.openxmlformats.org/drawingml/2006/spreadsheetDrawing" xmlns:ns11="http://schemas.openxmlformats.org/drawingml/2006/compatibility" xmlns:ns12="http://schemas.openxmlformats.org/drawingml/2006/lockedCanvas" type="title" preserve="true">
   <p:cSld name="Title Slide">
     <p:spTree>
       <p:nvGrpSpPr>
@@ -312,7 +312,7 @@
 </file>
 
 <file path=ppt/slideLayouts/slideLayout10.xml><?xml version="1.0" encoding="utf-8"?>
-<p:sldLayout xmlns:p="http://schemas.openxmlformats.org/presentationml/2006/main" xmlns:a="http://schemas.openxmlformats.org/drawingml/2006/main" xmlns:r="http://schemas.openxmlformats.org/officeDocument/2006/relationships" xmlns:mc="http://schemas.openxmlformats.org/markup-compatibility/2006" xmlns:c="http://schemas.openxmlformats.org/drawingml/2006/chart" xmlns:ns6="http://schemas.openxmlformats.org/drawingml/2006/chartDrawing" xmlns:dgm="http://schemas.openxmlformats.org/drawingml/2006/diagram" xmlns:pic="http://schemas.openxmlformats.org/drawingml/2006/picture" xmlns:wp="http://schemas.openxmlformats.org/drawingml/2006/wordprocessingDrawing" xmlns:xdr="http://schemas.openxmlformats.org/drawingml/2006/spreadsheetDrawing" xmlns:ns11="http://schemas.openxmlformats.org/drawingml/2006/compatibility" xmlns:ns12="http://schemas.openxmlformats.org/drawingml/2006/lockedCanvas" type="vertTitleAndTx" preserve="true">
+<p:sldLayout xmlns:p="http://schemas.openxmlformats.org/presentationml/2006/main" xmlns:r="http://schemas.openxmlformats.org/officeDocument/2006/relationships" xmlns:a="http://schemas.openxmlformats.org/drawingml/2006/main" xmlns:mc="http://schemas.openxmlformats.org/markup-compatibility/2006" xmlns:c="http://schemas.openxmlformats.org/drawingml/2006/chart" xmlns:ns6="http://schemas.openxmlformats.org/drawingml/2006/chartDrawing" xmlns:dgm="http://schemas.openxmlformats.org/drawingml/2006/diagram" xmlns:pic="http://schemas.openxmlformats.org/drawingml/2006/picture" xmlns:wp="http://schemas.openxmlformats.org/drawingml/2006/wordprocessingDrawing" xmlns:xdr="http://schemas.openxmlformats.org/drawingml/2006/spreadsheetDrawing" xmlns:ns11="http://schemas.openxmlformats.org/drawingml/2006/compatibility" xmlns:ns12="http://schemas.openxmlformats.org/drawingml/2006/lockedCanvas" type="vertTitleAndTx" preserve="true">
   <p:cSld name="Vertical Title and Text">
     <p:spTree>
       <p:nvGrpSpPr>
@@ -499,7 +499,7 @@
 </file>
 
 <file path=ppt/slideLayouts/slideLayout2.xml><?xml version="1.0" encoding="utf-8"?>
-<p:sldLayout xmlns:p="http://schemas.openxmlformats.org/presentationml/2006/main" xmlns:a="http://schemas.openxmlformats.org/drawingml/2006/main" xmlns:r="http://schemas.openxmlformats.org/officeDocument/2006/relationships" xmlns:mc="http://schemas.openxmlformats.org/markup-compatibility/2006" xmlns:c="http://schemas.openxmlformats.org/drawingml/2006/chart" xmlns:ns6="http://schemas.openxmlformats.org/drawingml/2006/chartDrawing" xmlns:dgm="http://schemas.openxmlformats.org/drawingml/2006/diagram" xmlns:pic="http://schemas.openxmlformats.org/drawingml/2006/picture" xmlns:wp="http://schemas.openxmlformats.org/drawingml/2006/wordprocessingDrawing" xmlns:xdr="http://schemas.openxmlformats.org/drawingml/2006/spreadsheetDrawing" xmlns:ns11="http://schemas.openxmlformats.org/drawingml/2006/compatibility" xmlns:ns12="http://schemas.openxmlformats.org/drawingml/2006/lockedCanvas" type="obj" preserve="true">
+<p:sldLayout xmlns:p="http://schemas.openxmlformats.org/presentationml/2006/main" xmlns:r="http://schemas.openxmlformats.org/officeDocument/2006/relationships" xmlns:a="http://schemas.openxmlformats.org/drawingml/2006/main" xmlns:mc="http://schemas.openxmlformats.org/markup-compatibility/2006" xmlns:c="http://schemas.openxmlformats.org/drawingml/2006/chart" xmlns:ns6="http://schemas.openxmlformats.org/drawingml/2006/chartDrawing" xmlns:dgm="http://schemas.openxmlformats.org/drawingml/2006/diagram" xmlns:pic="http://schemas.openxmlformats.org/drawingml/2006/picture" xmlns:wp="http://schemas.openxmlformats.org/drawingml/2006/wordprocessingDrawing" xmlns:xdr="http://schemas.openxmlformats.org/drawingml/2006/spreadsheetDrawing" xmlns:ns11="http://schemas.openxmlformats.org/drawingml/2006/compatibility" xmlns:ns12="http://schemas.openxmlformats.org/drawingml/2006/lockedCanvas" type="obj" preserve="true">
   <p:cSld name="Title and Content">
     <p:spTree>
       <p:nvGrpSpPr>
@@ -681,7 +681,7 @@
 </file>
 
 <file path=ppt/slideLayouts/slideLayout3.xml><?xml version="1.0" encoding="utf-8"?>
-<p:sldLayout xmlns:p="http://schemas.openxmlformats.org/presentationml/2006/main" xmlns:a="http://schemas.openxmlformats.org/drawingml/2006/main" xmlns:r="http://schemas.openxmlformats.org/officeDocument/2006/relationships" xmlns:mc="http://schemas.openxmlformats.org/markup-compatibility/2006" xmlns:c="http://schemas.openxmlformats.org/drawingml/2006/chart" xmlns:ns6="http://schemas.openxmlformats.org/drawingml/2006/chartDrawing" xmlns:dgm="http://schemas.openxmlformats.org/drawingml/2006/diagram" xmlns:pic="http://schemas.openxmlformats.org/drawingml/2006/picture" xmlns:wp="http://schemas.openxmlformats.org/drawingml/2006/wordprocessingDrawing" xmlns:xdr="http://schemas.openxmlformats.org/drawingml/2006/spreadsheetDrawing" xmlns:ns11="http://schemas.openxmlformats.org/drawingml/2006/compatibility" xmlns:ns12="http://schemas.openxmlformats.org/drawingml/2006/lockedCanvas" type="secHead" preserve="true">
+<p:sldLayout xmlns:p="http://schemas.openxmlformats.org/presentationml/2006/main" xmlns:r="http://schemas.openxmlformats.org/officeDocument/2006/relationships" xmlns:a="http://schemas.openxmlformats.org/drawingml/2006/main" xmlns:mc="http://schemas.openxmlformats.org/markup-compatibility/2006" xmlns:c="http://schemas.openxmlformats.org/drawingml/2006/chart" xmlns:ns6="http://schemas.openxmlformats.org/drawingml/2006/chartDrawing" xmlns:dgm="http://schemas.openxmlformats.org/drawingml/2006/diagram" xmlns:pic="http://schemas.openxmlformats.org/drawingml/2006/picture" xmlns:wp="http://schemas.openxmlformats.org/drawingml/2006/wordprocessingDrawing" xmlns:xdr="http://schemas.openxmlformats.org/drawingml/2006/spreadsheetDrawing" xmlns:ns11="http://schemas.openxmlformats.org/drawingml/2006/compatibility" xmlns:ns12="http://schemas.openxmlformats.org/drawingml/2006/lockedCanvas" type="secHead" preserve="true">
   <p:cSld name="Section Header">
     <p:spTree>
       <p:nvGrpSpPr>
@@ -934,7 +934,7 @@
 </file>
 
 <file path=ppt/slideLayouts/slideLayout4.xml><?xml version="1.0" encoding="utf-8"?>
-<p:sldLayout xmlns:p="http://schemas.openxmlformats.org/presentationml/2006/main" xmlns:a="http://schemas.openxmlformats.org/drawingml/2006/main" xmlns:r="http://schemas.openxmlformats.org/officeDocument/2006/relationships" xmlns:mc="http://schemas.openxmlformats.org/markup-compatibility/2006" xmlns:c="http://schemas.openxmlformats.org/drawingml/2006/chart" xmlns:ns6="http://schemas.openxmlformats.org/drawingml/2006/chartDrawing" xmlns:dgm="http://schemas.openxmlformats.org/drawingml/2006/diagram" xmlns:pic="http://schemas.openxmlformats.org/drawingml/2006/picture" xmlns:wp="http://schemas.openxmlformats.org/drawingml/2006/wordprocessingDrawing" xmlns:xdr="http://schemas.openxmlformats.org/drawingml/2006/spreadsheetDrawing" xmlns:ns11="http://schemas.openxmlformats.org/drawingml/2006/compatibility" xmlns:ns12="http://schemas.openxmlformats.org/drawingml/2006/lockedCanvas" type="twoObj" preserve="true">
+<p:sldLayout xmlns:p="http://schemas.openxmlformats.org/presentationml/2006/main" xmlns:r="http://schemas.openxmlformats.org/officeDocument/2006/relationships" xmlns:a="http://schemas.openxmlformats.org/drawingml/2006/main" xmlns:mc="http://schemas.openxmlformats.org/markup-compatibility/2006" xmlns:c="http://schemas.openxmlformats.org/drawingml/2006/chart" xmlns:ns6="http://schemas.openxmlformats.org/drawingml/2006/chartDrawing" xmlns:dgm="http://schemas.openxmlformats.org/drawingml/2006/diagram" xmlns:pic="http://schemas.openxmlformats.org/drawingml/2006/picture" xmlns:wp="http://schemas.openxmlformats.org/drawingml/2006/wordprocessingDrawing" xmlns:xdr="http://schemas.openxmlformats.org/drawingml/2006/spreadsheetDrawing" xmlns:ns11="http://schemas.openxmlformats.org/drawingml/2006/compatibility" xmlns:ns12="http://schemas.openxmlformats.org/drawingml/2006/lockedCanvas" type="twoObj" preserve="true">
   <p:cSld name="Two Content">
     <p:spTree>
       <p:nvGrpSpPr>
@@ -1173,7 +1173,7 @@
 </file>
 
 <file path=ppt/slideLayouts/slideLayout5.xml><?xml version="1.0" encoding="utf-8"?>
-<p:sldLayout xmlns:p="http://schemas.openxmlformats.org/presentationml/2006/main" xmlns:a="http://schemas.openxmlformats.org/drawingml/2006/main" xmlns:r="http://schemas.openxmlformats.org/officeDocument/2006/relationships" xmlns:mc="http://schemas.openxmlformats.org/markup-compatibility/2006" xmlns:c="http://schemas.openxmlformats.org/drawingml/2006/chart" xmlns:ns6="http://schemas.openxmlformats.org/drawingml/2006/chartDrawing" xmlns:dgm="http://schemas.openxmlformats.org/drawingml/2006/diagram" xmlns:pic="http://schemas.openxmlformats.org/drawingml/2006/picture" xmlns:wp="http://schemas.openxmlformats.org/drawingml/2006/wordprocessingDrawing" xmlns:xdr="http://schemas.openxmlformats.org/drawingml/2006/spreadsheetDrawing" xmlns:ns11="http://schemas.openxmlformats.org/drawingml/2006/compatibility" xmlns:ns12="http://schemas.openxmlformats.org/drawingml/2006/lockedCanvas" type="twoTxTwoObj" preserve="true">
+<p:sldLayout xmlns:p="http://schemas.openxmlformats.org/presentationml/2006/main" xmlns:r="http://schemas.openxmlformats.org/officeDocument/2006/relationships" xmlns:a="http://schemas.openxmlformats.org/drawingml/2006/main" xmlns:mc="http://schemas.openxmlformats.org/markup-compatibility/2006" xmlns:c="http://schemas.openxmlformats.org/drawingml/2006/chart" xmlns:ns6="http://schemas.openxmlformats.org/drawingml/2006/chartDrawing" xmlns:dgm="http://schemas.openxmlformats.org/drawingml/2006/diagram" xmlns:pic="http://schemas.openxmlformats.org/drawingml/2006/picture" xmlns:wp="http://schemas.openxmlformats.org/drawingml/2006/wordprocessingDrawing" xmlns:xdr="http://schemas.openxmlformats.org/drawingml/2006/spreadsheetDrawing" xmlns:ns11="http://schemas.openxmlformats.org/drawingml/2006/compatibility" xmlns:ns12="http://schemas.openxmlformats.org/drawingml/2006/lockedCanvas" type="twoTxTwoObj" preserve="true">
   <p:cSld name="Comparison">
     <p:spTree>
       <p:nvGrpSpPr>
@@ -1528,7 +1528,7 @@
 </file>
 
 <file path=ppt/slideLayouts/slideLayout6.xml><?xml version="1.0" encoding="utf-8"?>
-<p:sldLayout xmlns:p="http://schemas.openxmlformats.org/presentationml/2006/main" xmlns:a="http://schemas.openxmlformats.org/drawingml/2006/main" xmlns:r="http://schemas.openxmlformats.org/officeDocument/2006/relationships" xmlns:mc="http://schemas.openxmlformats.org/markup-compatibility/2006" xmlns:c="http://schemas.openxmlformats.org/drawingml/2006/chart" xmlns:ns6="http://schemas.openxmlformats.org/drawingml/2006/chartDrawing" xmlns:dgm="http://schemas.openxmlformats.org/drawingml/2006/diagram" xmlns:pic="http://schemas.openxmlformats.org/drawingml/2006/picture" xmlns:wp="http://schemas.openxmlformats.org/drawingml/2006/wordprocessingDrawing" xmlns:xdr="http://schemas.openxmlformats.org/drawingml/2006/spreadsheetDrawing" xmlns:ns11="http://schemas.openxmlformats.org/drawingml/2006/compatibility" xmlns:ns12="http://schemas.openxmlformats.org/drawingml/2006/lockedCanvas" type="titleOnly" preserve="true">
+<p:sldLayout xmlns:p="http://schemas.openxmlformats.org/presentationml/2006/main" xmlns:r="http://schemas.openxmlformats.org/officeDocument/2006/relationships" xmlns:a="http://schemas.openxmlformats.org/drawingml/2006/main" xmlns:mc="http://schemas.openxmlformats.org/markup-compatibility/2006" xmlns:c="http://schemas.openxmlformats.org/drawingml/2006/chart" xmlns:ns6="http://schemas.openxmlformats.org/drawingml/2006/chartDrawing" xmlns:dgm="http://schemas.openxmlformats.org/drawingml/2006/diagram" xmlns:pic="http://schemas.openxmlformats.org/drawingml/2006/picture" xmlns:wp="http://schemas.openxmlformats.org/drawingml/2006/wordprocessingDrawing" xmlns:xdr="http://schemas.openxmlformats.org/drawingml/2006/spreadsheetDrawing" xmlns:ns11="http://schemas.openxmlformats.org/drawingml/2006/compatibility" xmlns:ns12="http://schemas.openxmlformats.org/drawingml/2006/lockedCanvas" type="titleOnly" preserve="true">
   <p:cSld name="Title Only">
     <p:spTree>
       <p:nvGrpSpPr>
@@ -1653,7 +1653,7 @@
 </file>
 
 <file path=ppt/slideLayouts/slideLayout7.xml><?xml version="1.0" encoding="utf-8"?>
-<p:sldLayout xmlns:p="http://schemas.openxmlformats.org/presentationml/2006/main" xmlns:a="http://schemas.openxmlformats.org/drawingml/2006/main" xmlns:r="http://schemas.openxmlformats.org/officeDocument/2006/relationships" xmlns:mc="http://schemas.openxmlformats.org/markup-compatibility/2006" xmlns:c="http://schemas.openxmlformats.org/drawingml/2006/chart" xmlns:ns6="http://schemas.openxmlformats.org/drawingml/2006/chartDrawing" xmlns:dgm="http://schemas.openxmlformats.org/drawingml/2006/diagram" xmlns:pic="http://schemas.openxmlformats.org/drawingml/2006/picture" xmlns:wp="http://schemas.openxmlformats.org/drawingml/2006/wordprocessingDrawing" xmlns:xdr="http://schemas.openxmlformats.org/drawingml/2006/spreadsheetDrawing" xmlns:ns11="http://schemas.openxmlformats.org/drawingml/2006/compatibility" xmlns:ns12="http://schemas.openxmlformats.org/drawingml/2006/lockedCanvas" type="blank" preserve="true">
+<p:sldLayout xmlns:p="http://schemas.openxmlformats.org/presentationml/2006/main" xmlns:r="http://schemas.openxmlformats.org/officeDocument/2006/relationships" xmlns:a="http://schemas.openxmlformats.org/drawingml/2006/main" xmlns:mc="http://schemas.openxmlformats.org/markup-compatibility/2006" xmlns:c="http://schemas.openxmlformats.org/drawingml/2006/chart" xmlns:ns6="http://schemas.openxmlformats.org/drawingml/2006/chartDrawing" xmlns:dgm="http://schemas.openxmlformats.org/drawingml/2006/diagram" xmlns:pic="http://schemas.openxmlformats.org/drawingml/2006/picture" xmlns:wp="http://schemas.openxmlformats.org/drawingml/2006/wordprocessingDrawing" xmlns:xdr="http://schemas.openxmlformats.org/drawingml/2006/spreadsheetDrawing" xmlns:ns11="http://schemas.openxmlformats.org/drawingml/2006/compatibility" xmlns:ns12="http://schemas.openxmlformats.org/drawingml/2006/lockedCanvas" type="blank" preserve="true">
   <p:cSld name="Blank">
     <p:spTree>
       <p:nvGrpSpPr>
@@ -1755,7 +1755,7 @@
 </file>
 
 <file path=ppt/slideLayouts/slideLayout8.xml><?xml version="1.0" encoding="utf-8"?>
-<p:sldLayout xmlns:p="http://schemas.openxmlformats.org/presentationml/2006/main" xmlns:a="http://schemas.openxmlformats.org/drawingml/2006/main" xmlns:r="http://schemas.openxmlformats.org/officeDocument/2006/relationships" xmlns:mc="http://schemas.openxmlformats.org/markup-compatibility/2006" xmlns:c="http://schemas.openxmlformats.org/drawingml/2006/chart" xmlns:ns6="http://schemas.openxmlformats.org/drawingml/2006/chartDrawing" xmlns:dgm="http://schemas.openxmlformats.org/drawingml/2006/diagram" xmlns:pic="http://schemas.openxmlformats.org/drawingml/2006/picture" xmlns:wp="http://schemas.openxmlformats.org/drawingml/2006/wordprocessingDrawing" xmlns:xdr="http://schemas.openxmlformats.org/drawingml/2006/spreadsheetDrawing" xmlns:ns11="http://schemas.openxmlformats.org/drawingml/2006/compatibility" xmlns:ns12="http://schemas.openxmlformats.org/drawingml/2006/lockedCanvas" type="objTx" preserve="true">
+<p:sldLayout xmlns:p="http://schemas.openxmlformats.org/presentationml/2006/main" xmlns:r="http://schemas.openxmlformats.org/officeDocument/2006/relationships" xmlns:a="http://schemas.openxmlformats.org/drawingml/2006/main" xmlns:mc="http://schemas.openxmlformats.org/markup-compatibility/2006" xmlns:c="http://schemas.openxmlformats.org/drawingml/2006/chart" xmlns:ns6="http://schemas.openxmlformats.org/drawingml/2006/chartDrawing" xmlns:dgm="http://schemas.openxmlformats.org/drawingml/2006/diagram" xmlns:pic="http://schemas.openxmlformats.org/drawingml/2006/picture" xmlns:wp="http://schemas.openxmlformats.org/drawingml/2006/wordprocessingDrawing" xmlns:xdr="http://schemas.openxmlformats.org/drawingml/2006/spreadsheetDrawing" xmlns:ns11="http://schemas.openxmlformats.org/drawingml/2006/compatibility" xmlns:ns12="http://schemas.openxmlformats.org/drawingml/2006/lockedCanvas" type="objTx" preserve="true">
   <p:cSld name="Content with Caption">
     <p:spTree>
       <p:nvGrpSpPr>
@@ -2039,7 +2039,7 @@
 </file>
 
 <file path=ppt/slideLayouts/slideLayout9.xml><?xml version="1.0" encoding="utf-8"?>
-<p:sldLayout xmlns:p="http://schemas.openxmlformats.org/presentationml/2006/main" xmlns:a="http://schemas.openxmlformats.org/drawingml/2006/main" xmlns:r="http://schemas.openxmlformats.org/officeDocument/2006/relationships" xmlns:mc="http://schemas.openxmlformats.org/markup-compatibility/2006" xmlns:c="http://schemas.openxmlformats.org/drawingml/2006/chart" xmlns:ns6="http://schemas.openxmlformats.org/drawingml/2006/chartDrawing" xmlns:dgm="http://schemas.openxmlformats.org/drawingml/2006/diagram" xmlns:pic="http://schemas.openxmlformats.org/drawingml/2006/picture" xmlns:wp="http://schemas.openxmlformats.org/drawingml/2006/wordprocessingDrawing" xmlns:xdr="http://schemas.openxmlformats.org/drawingml/2006/spreadsheetDrawing" xmlns:ns11="http://schemas.openxmlformats.org/drawingml/2006/compatibility" xmlns:ns12="http://schemas.openxmlformats.org/drawingml/2006/lockedCanvas" type="vertTx" preserve="true">
+<p:sldLayout xmlns:p="http://schemas.openxmlformats.org/presentationml/2006/main" xmlns:r="http://schemas.openxmlformats.org/officeDocument/2006/relationships" xmlns:a="http://schemas.openxmlformats.org/drawingml/2006/main" xmlns:mc="http://schemas.openxmlformats.org/markup-compatibility/2006" xmlns:c="http://schemas.openxmlformats.org/drawingml/2006/chart" xmlns:ns6="http://schemas.openxmlformats.org/drawingml/2006/chartDrawing" xmlns:dgm="http://schemas.openxmlformats.org/drawingml/2006/diagram" xmlns:pic="http://schemas.openxmlformats.org/drawingml/2006/picture" xmlns:wp="http://schemas.openxmlformats.org/drawingml/2006/wordprocessingDrawing" xmlns:xdr="http://schemas.openxmlformats.org/drawingml/2006/spreadsheetDrawing" xmlns:ns11="http://schemas.openxmlformats.org/drawingml/2006/compatibility" xmlns:ns12="http://schemas.openxmlformats.org/drawingml/2006/lockedCanvas" type="vertTx" preserve="true">
   <p:cSld name="Title and Vertical Text">
     <p:spTree>
       <p:nvGrpSpPr>
@@ -2216,7 +2216,7 @@
 </file>
 
 <file path=ppt/slideMasters/slideMaster1.xml><?xml version="1.0" encoding="utf-8"?>
-<p:sldMaster xmlns:p="http://schemas.openxmlformats.org/presentationml/2006/main" xmlns:a="http://schemas.openxmlformats.org/drawingml/2006/main" xmlns:r="http://schemas.openxmlformats.org/officeDocument/2006/relationships" xmlns:mc="http://schemas.openxmlformats.org/markup-compatibility/2006" xmlns:c="http://schemas.openxmlformats.org/drawingml/2006/chart" xmlns:ns6="http://schemas.openxmlformats.org/drawingml/2006/chartDrawing" xmlns:dgm="http://schemas.openxmlformats.org/drawingml/2006/diagram" xmlns:pic="http://schemas.openxmlformats.org/drawingml/2006/picture" xmlns:wp="http://schemas.openxmlformats.org/drawingml/2006/wordprocessingDrawing" xmlns:xdr="http://schemas.openxmlformats.org/drawingml/2006/spreadsheetDrawing" xmlns:ns11="http://schemas.openxmlformats.org/drawingml/2006/compatibility" xmlns:ns12="http://schemas.openxmlformats.org/drawingml/2006/lockedCanvas">
+<p:sldMaster xmlns:p="http://schemas.openxmlformats.org/presentationml/2006/main" xmlns:r="http://schemas.openxmlformats.org/officeDocument/2006/relationships" xmlns:a="http://schemas.openxmlformats.org/drawingml/2006/main" xmlns:mc="http://schemas.openxmlformats.org/markup-compatibility/2006" xmlns:c="http://schemas.openxmlformats.org/drawingml/2006/chart" xmlns:ns6="http://schemas.openxmlformats.org/drawingml/2006/chartDrawing" xmlns:dgm="http://schemas.openxmlformats.org/drawingml/2006/diagram" xmlns:pic="http://schemas.openxmlformats.org/drawingml/2006/picture" xmlns:wp="http://schemas.openxmlformats.org/drawingml/2006/wordprocessingDrawing" xmlns:xdr="http://schemas.openxmlformats.org/drawingml/2006/spreadsheetDrawing" xmlns:ns11="http://schemas.openxmlformats.org/drawingml/2006/compatibility" xmlns:ns12="http://schemas.openxmlformats.org/drawingml/2006/lockedCanvas">
   <p:cSld>
     <p:bg>
       <p:bgRef idx="1001">
@@ -2762,7 +2762,7 @@
 </file>
 
 <file path=ppt/slides/slide1.xml><?xml version="1.0" encoding="utf-8"?>
-<p:sld xmlns:p="http://schemas.openxmlformats.org/presentationml/2006/main" xmlns:a="http://schemas.openxmlformats.org/drawingml/2006/main" xmlns:r="http://schemas.openxmlformats.org/officeDocument/2006/relationships" xmlns:mc="http://schemas.openxmlformats.org/markup-compatibility/2006" xmlns:c="http://schemas.openxmlformats.org/drawingml/2006/chart" xmlns:ns6="http://schemas.openxmlformats.org/drawingml/2006/chartDrawing" xmlns:dgm="http://schemas.openxmlformats.org/drawingml/2006/diagram" xmlns:pic="http://schemas.openxmlformats.org/drawingml/2006/picture" xmlns:wp="http://schemas.openxmlformats.org/drawingml/2006/wordprocessingDrawing" xmlns:xdr="http://schemas.openxmlformats.org/drawingml/2006/spreadsheetDrawing" xmlns:ns11="http://schemas.openxmlformats.org/drawingml/2006/compatibility" xmlns:ns12="http://schemas.openxmlformats.org/drawingml/2006/lockedCanvas">
+<p:sld xmlns:p="http://schemas.openxmlformats.org/presentationml/2006/main" xmlns:r="http://schemas.openxmlformats.org/officeDocument/2006/relationships" xmlns:a="http://schemas.openxmlformats.org/drawingml/2006/main" xmlns:mc="http://schemas.openxmlformats.org/markup-compatibility/2006" xmlns:c="http://schemas.openxmlformats.org/drawingml/2006/chart" xmlns:ns6="http://schemas.openxmlformats.org/drawingml/2006/chartDrawing" xmlns:dgm="http://schemas.openxmlformats.org/drawingml/2006/diagram" xmlns:pic="http://schemas.openxmlformats.org/drawingml/2006/picture" xmlns:wp="http://schemas.openxmlformats.org/drawingml/2006/wordprocessingDrawing" xmlns:xdr="http://schemas.openxmlformats.org/drawingml/2006/spreadsheetDrawing" xmlns:ns11="http://schemas.openxmlformats.org/drawingml/2006/compatibility" xmlns:ns12="http://schemas.openxmlformats.org/drawingml/2006/lockedCanvas">
   <p:cSld>
     <p:spTree>
       <p:nvGrpSpPr>

--- a/articles/evg_example.pptx
+++ b/articles/evg_example.pptx
@@ -1,11 +1,11 @@
 
 <file path=ppt/presentation.xml><?xml version="1.0" encoding="utf-8"?>
-<p:presentation xmlns:p="http://schemas.openxmlformats.org/presentationml/2006/main" xmlns:r="http://schemas.openxmlformats.org/officeDocument/2006/relationships" xmlns:a="http://schemas.openxmlformats.org/drawingml/2006/main" xmlns:mc="http://schemas.openxmlformats.org/markup-compatibility/2006" xmlns:c="http://schemas.openxmlformats.org/drawingml/2006/chart" xmlns:ns6="http://schemas.openxmlformats.org/drawingml/2006/chartDrawing" xmlns:dgm="http://schemas.openxmlformats.org/drawingml/2006/diagram" xmlns:pic="http://schemas.openxmlformats.org/drawingml/2006/picture" xmlns:wp="http://schemas.openxmlformats.org/drawingml/2006/wordprocessingDrawing" xmlns:xdr="http://schemas.openxmlformats.org/drawingml/2006/spreadsheetDrawing" xmlns:ns11="http://schemas.openxmlformats.org/drawingml/2006/compatibility" xmlns:ns12="http://schemas.openxmlformats.org/drawingml/2006/lockedCanvas" saveSubsetFonts="true">
+<p:presentation xmlns:a="http://schemas.openxmlformats.org/drawingml/2006/main" xmlns:r="http://schemas.openxmlformats.org/officeDocument/2006/relationships" xmlns:p="http://schemas.openxmlformats.org/presentationml/2006/main" xmlns:mc="http://schemas.openxmlformats.org/markup-compatibility/2006" xmlns:c="http://schemas.openxmlformats.org/drawingml/2006/chart" xmlns:ns6="http://schemas.openxmlformats.org/drawingml/2006/chartDrawing" xmlns:dgm="http://schemas.openxmlformats.org/drawingml/2006/diagram" xmlns:pic="http://schemas.openxmlformats.org/drawingml/2006/picture" xmlns:wp="http://schemas.openxmlformats.org/drawingml/2006/wordprocessingDrawing" xmlns:xdr="http://schemas.openxmlformats.org/drawingml/2006/spreadsheetDrawing" xmlns:ns11="http://schemas.openxmlformats.org/drawingml/2006/compatibility" xmlns:ns12="http://schemas.openxmlformats.org/drawingml/2006/lockedCanvas" saveSubsetFonts="true">
   <p:sldMasterIdLst>
     <p:sldMasterId id="2147483648" r:id="rId1"/>
   </p:sldMasterIdLst>
   <p:sldIdLst>
-    <p:sldId id="720988210" r:id="rId6"/>
+    <p:sldId id="1710719421" r:id="rId6"/>
   </p:sldIdLst>
   <p:sldSz cx="12192000" cy="6858000"/>
   <p:notesSz cx="6858000" cy="9144000"/>
@@ -113,7 +113,7 @@
 </file>
 
 <file path=ppt/slideLayouts/slideLayout1.xml><?xml version="1.0" encoding="utf-8"?>
-<p:sldLayout xmlns:p="http://schemas.openxmlformats.org/presentationml/2006/main" xmlns:r="http://schemas.openxmlformats.org/officeDocument/2006/relationships" xmlns:a="http://schemas.openxmlformats.org/drawingml/2006/main" xmlns:mc="http://schemas.openxmlformats.org/markup-compatibility/2006" xmlns:c="http://schemas.openxmlformats.org/drawingml/2006/chart" xmlns:ns6="http://schemas.openxmlformats.org/drawingml/2006/chartDrawing" xmlns:dgm="http://schemas.openxmlformats.org/drawingml/2006/diagram" xmlns:pic="http://schemas.openxmlformats.org/drawingml/2006/picture" xmlns:wp="http://schemas.openxmlformats.org/drawingml/2006/wordprocessingDrawing" xmlns:xdr="http://schemas.openxmlformats.org/drawingml/2006/spreadsheetDrawing" xmlns:ns11="http://schemas.openxmlformats.org/drawingml/2006/compatibility" xmlns:ns12="http://schemas.openxmlformats.org/drawingml/2006/lockedCanvas" type="title" preserve="true">
+<p:sldLayout xmlns:a="http://schemas.openxmlformats.org/drawingml/2006/main" xmlns:r="http://schemas.openxmlformats.org/officeDocument/2006/relationships" xmlns:p="http://schemas.openxmlformats.org/presentationml/2006/main" xmlns:mc="http://schemas.openxmlformats.org/markup-compatibility/2006" xmlns:c="http://schemas.openxmlformats.org/drawingml/2006/chart" xmlns:ns6="http://schemas.openxmlformats.org/drawingml/2006/chartDrawing" xmlns:dgm="http://schemas.openxmlformats.org/drawingml/2006/diagram" xmlns:pic="http://schemas.openxmlformats.org/drawingml/2006/picture" xmlns:wp="http://schemas.openxmlformats.org/drawingml/2006/wordprocessingDrawing" xmlns:xdr="http://schemas.openxmlformats.org/drawingml/2006/spreadsheetDrawing" xmlns:ns11="http://schemas.openxmlformats.org/drawingml/2006/compatibility" xmlns:ns12="http://schemas.openxmlformats.org/drawingml/2006/lockedCanvas" type="title" preserve="true">
   <p:cSld name="Title Slide">
     <p:spTree>
       <p:nvGrpSpPr>
@@ -312,7 +312,7 @@
 </file>
 
 <file path=ppt/slideLayouts/slideLayout10.xml><?xml version="1.0" encoding="utf-8"?>
-<p:sldLayout xmlns:p="http://schemas.openxmlformats.org/presentationml/2006/main" xmlns:r="http://schemas.openxmlformats.org/officeDocument/2006/relationships" xmlns:a="http://schemas.openxmlformats.org/drawingml/2006/main" xmlns:mc="http://schemas.openxmlformats.org/markup-compatibility/2006" xmlns:c="http://schemas.openxmlformats.org/drawingml/2006/chart" xmlns:ns6="http://schemas.openxmlformats.org/drawingml/2006/chartDrawing" xmlns:dgm="http://schemas.openxmlformats.org/drawingml/2006/diagram" xmlns:pic="http://schemas.openxmlformats.org/drawingml/2006/picture" xmlns:wp="http://schemas.openxmlformats.org/drawingml/2006/wordprocessingDrawing" xmlns:xdr="http://schemas.openxmlformats.org/drawingml/2006/spreadsheetDrawing" xmlns:ns11="http://schemas.openxmlformats.org/drawingml/2006/compatibility" xmlns:ns12="http://schemas.openxmlformats.org/drawingml/2006/lockedCanvas" type="vertTitleAndTx" preserve="true">
+<p:sldLayout xmlns:a="http://schemas.openxmlformats.org/drawingml/2006/main" xmlns:r="http://schemas.openxmlformats.org/officeDocument/2006/relationships" xmlns:p="http://schemas.openxmlformats.org/presentationml/2006/main" xmlns:mc="http://schemas.openxmlformats.org/markup-compatibility/2006" xmlns:c="http://schemas.openxmlformats.org/drawingml/2006/chart" xmlns:ns6="http://schemas.openxmlformats.org/drawingml/2006/chartDrawing" xmlns:dgm="http://schemas.openxmlformats.org/drawingml/2006/diagram" xmlns:pic="http://schemas.openxmlformats.org/drawingml/2006/picture" xmlns:wp="http://schemas.openxmlformats.org/drawingml/2006/wordprocessingDrawing" xmlns:xdr="http://schemas.openxmlformats.org/drawingml/2006/spreadsheetDrawing" xmlns:ns11="http://schemas.openxmlformats.org/drawingml/2006/compatibility" xmlns:ns12="http://schemas.openxmlformats.org/drawingml/2006/lockedCanvas" type="vertTitleAndTx" preserve="true">
   <p:cSld name="Vertical Title and Text">
     <p:spTree>
       <p:nvGrpSpPr>
@@ -499,7 +499,7 @@
 </file>
 
 <file path=ppt/slideLayouts/slideLayout2.xml><?xml version="1.0" encoding="utf-8"?>
-<p:sldLayout xmlns:p="http://schemas.openxmlformats.org/presentationml/2006/main" xmlns:r="http://schemas.openxmlformats.org/officeDocument/2006/relationships" xmlns:a="http://schemas.openxmlformats.org/drawingml/2006/main" xmlns:mc="http://schemas.openxmlformats.org/markup-compatibility/2006" xmlns:c="http://schemas.openxmlformats.org/drawingml/2006/chart" xmlns:ns6="http://schemas.openxmlformats.org/drawingml/2006/chartDrawing" xmlns:dgm="http://schemas.openxmlformats.org/drawingml/2006/diagram" xmlns:pic="http://schemas.openxmlformats.org/drawingml/2006/picture" xmlns:wp="http://schemas.openxmlformats.org/drawingml/2006/wordprocessingDrawing" xmlns:xdr="http://schemas.openxmlformats.org/drawingml/2006/spreadsheetDrawing" xmlns:ns11="http://schemas.openxmlformats.org/drawingml/2006/compatibility" xmlns:ns12="http://schemas.openxmlformats.org/drawingml/2006/lockedCanvas" type="obj" preserve="true">
+<p:sldLayout xmlns:a="http://schemas.openxmlformats.org/drawingml/2006/main" xmlns:r="http://schemas.openxmlformats.org/officeDocument/2006/relationships" xmlns:p="http://schemas.openxmlformats.org/presentationml/2006/main" xmlns:mc="http://schemas.openxmlformats.org/markup-compatibility/2006" xmlns:c="http://schemas.openxmlformats.org/drawingml/2006/chart" xmlns:ns6="http://schemas.openxmlformats.org/drawingml/2006/chartDrawing" xmlns:dgm="http://schemas.openxmlformats.org/drawingml/2006/diagram" xmlns:pic="http://schemas.openxmlformats.org/drawingml/2006/picture" xmlns:wp="http://schemas.openxmlformats.org/drawingml/2006/wordprocessingDrawing" xmlns:xdr="http://schemas.openxmlformats.org/drawingml/2006/spreadsheetDrawing" xmlns:ns11="http://schemas.openxmlformats.org/drawingml/2006/compatibility" xmlns:ns12="http://schemas.openxmlformats.org/drawingml/2006/lockedCanvas" type="obj" preserve="true">
   <p:cSld name="Title and Content">
     <p:spTree>
       <p:nvGrpSpPr>
@@ -681,7 +681,7 @@
 </file>
 
 <file path=ppt/slideLayouts/slideLayout3.xml><?xml version="1.0" encoding="utf-8"?>
-<p:sldLayout xmlns:p="http://schemas.openxmlformats.org/presentationml/2006/main" xmlns:r="http://schemas.openxmlformats.org/officeDocument/2006/relationships" xmlns:a="http://schemas.openxmlformats.org/drawingml/2006/main" xmlns:mc="http://schemas.openxmlformats.org/markup-compatibility/2006" xmlns:c="http://schemas.openxmlformats.org/drawingml/2006/chart" xmlns:ns6="http://schemas.openxmlformats.org/drawingml/2006/chartDrawing" xmlns:dgm="http://schemas.openxmlformats.org/drawingml/2006/diagram" xmlns:pic="http://schemas.openxmlformats.org/drawingml/2006/picture" xmlns:wp="http://schemas.openxmlformats.org/drawingml/2006/wordprocessingDrawing" xmlns:xdr="http://schemas.openxmlformats.org/drawingml/2006/spreadsheetDrawing" xmlns:ns11="http://schemas.openxmlformats.org/drawingml/2006/compatibility" xmlns:ns12="http://schemas.openxmlformats.org/drawingml/2006/lockedCanvas" type="secHead" preserve="true">
+<p:sldLayout xmlns:a="http://schemas.openxmlformats.org/drawingml/2006/main" xmlns:r="http://schemas.openxmlformats.org/officeDocument/2006/relationships" xmlns:p="http://schemas.openxmlformats.org/presentationml/2006/main" xmlns:mc="http://schemas.openxmlformats.org/markup-compatibility/2006" xmlns:c="http://schemas.openxmlformats.org/drawingml/2006/chart" xmlns:ns6="http://schemas.openxmlformats.org/drawingml/2006/chartDrawing" xmlns:dgm="http://schemas.openxmlformats.org/drawingml/2006/diagram" xmlns:pic="http://schemas.openxmlformats.org/drawingml/2006/picture" xmlns:wp="http://schemas.openxmlformats.org/drawingml/2006/wordprocessingDrawing" xmlns:xdr="http://schemas.openxmlformats.org/drawingml/2006/spreadsheetDrawing" xmlns:ns11="http://schemas.openxmlformats.org/drawingml/2006/compatibility" xmlns:ns12="http://schemas.openxmlformats.org/drawingml/2006/lockedCanvas" type="secHead" preserve="true">
   <p:cSld name="Section Header">
     <p:spTree>
       <p:nvGrpSpPr>
@@ -934,7 +934,7 @@
 </file>
 
 <file path=ppt/slideLayouts/slideLayout4.xml><?xml version="1.0" encoding="utf-8"?>
-<p:sldLayout xmlns:p="http://schemas.openxmlformats.org/presentationml/2006/main" xmlns:r="http://schemas.openxmlformats.org/officeDocument/2006/relationships" xmlns:a="http://schemas.openxmlformats.org/drawingml/2006/main" xmlns:mc="http://schemas.openxmlformats.org/markup-compatibility/2006" xmlns:c="http://schemas.openxmlformats.org/drawingml/2006/chart" xmlns:ns6="http://schemas.openxmlformats.org/drawingml/2006/chartDrawing" xmlns:dgm="http://schemas.openxmlformats.org/drawingml/2006/diagram" xmlns:pic="http://schemas.openxmlformats.org/drawingml/2006/picture" xmlns:wp="http://schemas.openxmlformats.org/drawingml/2006/wordprocessingDrawing" xmlns:xdr="http://schemas.openxmlformats.org/drawingml/2006/spreadsheetDrawing" xmlns:ns11="http://schemas.openxmlformats.org/drawingml/2006/compatibility" xmlns:ns12="http://schemas.openxmlformats.org/drawingml/2006/lockedCanvas" type="twoObj" preserve="true">
+<p:sldLayout xmlns:a="http://schemas.openxmlformats.org/drawingml/2006/main" xmlns:r="http://schemas.openxmlformats.org/officeDocument/2006/relationships" xmlns:p="http://schemas.openxmlformats.org/presentationml/2006/main" xmlns:mc="http://schemas.openxmlformats.org/markup-compatibility/2006" xmlns:c="http://schemas.openxmlformats.org/drawingml/2006/chart" xmlns:ns6="http://schemas.openxmlformats.org/drawingml/2006/chartDrawing" xmlns:dgm="http://schemas.openxmlformats.org/drawingml/2006/diagram" xmlns:pic="http://schemas.openxmlformats.org/drawingml/2006/picture" xmlns:wp="http://schemas.openxmlformats.org/drawingml/2006/wordprocessingDrawing" xmlns:xdr="http://schemas.openxmlformats.org/drawingml/2006/spreadsheetDrawing" xmlns:ns11="http://schemas.openxmlformats.org/drawingml/2006/compatibility" xmlns:ns12="http://schemas.openxmlformats.org/drawingml/2006/lockedCanvas" type="twoObj" preserve="true">
   <p:cSld name="Two Content">
     <p:spTree>
       <p:nvGrpSpPr>
@@ -1173,7 +1173,7 @@
 </file>
 
 <file path=ppt/slideLayouts/slideLayout5.xml><?xml version="1.0" encoding="utf-8"?>
-<p:sldLayout xmlns:p="http://schemas.openxmlformats.org/presentationml/2006/main" xmlns:r="http://schemas.openxmlformats.org/officeDocument/2006/relationships" xmlns:a="http://schemas.openxmlformats.org/drawingml/2006/main" xmlns:mc="http://schemas.openxmlformats.org/markup-compatibility/2006" xmlns:c="http://schemas.openxmlformats.org/drawingml/2006/chart" xmlns:ns6="http://schemas.openxmlformats.org/drawingml/2006/chartDrawing" xmlns:dgm="http://schemas.openxmlformats.org/drawingml/2006/diagram" xmlns:pic="http://schemas.openxmlformats.org/drawingml/2006/picture" xmlns:wp="http://schemas.openxmlformats.org/drawingml/2006/wordprocessingDrawing" xmlns:xdr="http://schemas.openxmlformats.org/drawingml/2006/spreadsheetDrawing" xmlns:ns11="http://schemas.openxmlformats.org/drawingml/2006/compatibility" xmlns:ns12="http://schemas.openxmlformats.org/drawingml/2006/lockedCanvas" type="twoTxTwoObj" preserve="true">
+<p:sldLayout xmlns:a="http://schemas.openxmlformats.org/drawingml/2006/main" xmlns:r="http://schemas.openxmlformats.org/officeDocument/2006/relationships" xmlns:p="http://schemas.openxmlformats.org/presentationml/2006/main" xmlns:mc="http://schemas.openxmlformats.org/markup-compatibility/2006" xmlns:c="http://schemas.openxmlformats.org/drawingml/2006/chart" xmlns:ns6="http://schemas.openxmlformats.org/drawingml/2006/chartDrawing" xmlns:dgm="http://schemas.openxmlformats.org/drawingml/2006/diagram" xmlns:pic="http://schemas.openxmlformats.org/drawingml/2006/picture" xmlns:wp="http://schemas.openxmlformats.org/drawingml/2006/wordprocessingDrawing" xmlns:xdr="http://schemas.openxmlformats.org/drawingml/2006/spreadsheetDrawing" xmlns:ns11="http://schemas.openxmlformats.org/drawingml/2006/compatibility" xmlns:ns12="http://schemas.openxmlformats.org/drawingml/2006/lockedCanvas" type="twoTxTwoObj" preserve="true">
   <p:cSld name="Comparison">
     <p:spTree>
       <p:nvGrpSpPr>
@@ -1528,7 +1528,7 @@
 </file>
 
 <file path=ppt/slideLayouts/slideLayout6.xml><?xml version="1.0" encoding="utf-8"?>
-<p:sldLayout xmlns:p="http://schemas.openxmlformats.org/presentationml/2006/main" xmlns:r="http://schemas.openxmlformats.org/officeDocument/2006/relationships" xmlns:a="http://schemas.openxmlformats.org/drawingml/2006/main" xmlns:mc="http://schemas.openxmlformats.org/markup-compatibility/2006" xmlns:c="http://schemas.openxmlformats.org/drawingml/2006/chart" xmlns:ns6="http://schemas.openxmlformats.org/drawingml/2006/chartDrawing" xmlns:dgm="http://schemas.openxmlformats.org/drawingml/2006/diagram" xmlns:pic="http://schemas.openxmlformats.org/drawingml/2006/picture" xmlns:wp="http://schemas.openxmlformats.org/drawingml/2006/wordprocessingDrawing" xmlns:xdr="http://schemas.openxmlformats.org/drawingml/2006/spreadsheetDrawing" xmlns:ns11="http://schemas.openxmlformats.org/drawingml/2006/compatibility" xmlns:ns12="http://schemas.openxmlformats.org/drawingml/2006/lockedCanvas" type="titleOnly" preserve="true">
+<p:sldLayout xmlns:a="http://schemas.openxmlformats.org/drawingml/2006/main" xmlns:r="http://schemas.openxmlformats.org/officeDocument/2006/relationships" xmlns:p="http://schemas.openxmlformats.org/presentationml/2006/main" xmlns:mc="http://schemas.openxmlformats.org/markup-compatibility/2006" xmlns:c="http://schemas.openxmlformats.org/drawingml/2006/chart" xmlns:ns6="http://schemas.openxmlformats.org/drawingml/2006/chartDrawing" xmlns:dgm="http://schemas.openxmlformats.org/drawingml/2006/diagram" xmlns:pic="http://schemas.openxmlformats.org/drawingml/2006/picture" xmlns:wp="http://schemas.openxmlformats.org/drawingml/2006/wordprocessingDrawing" xmlns:xdr="http://schemas.openxmlformats.org/drawingml/2006/spreadsheetDrawing" xmlns:ns11="http://schemas.openxmlformats.org/drawingml/2006/compatibility" xmlns:ns12="http://schemas.openxmlformats.org/drawingml/2006/lockedCanvas" type="titleOnly" preserve="true">
   <p:cSld name="Title Only">
     <p:spTree>
       <p:nvGrpSpPr>
@@ -1653,7 +1653,7 @@
 </file>
 
 <file path=ppt/slideLayouts/slideLayout7.xml><?xml version="1.0" encoding="utf-8"?>
-<p:sldLayout xmlns:p="http://schemas.openxmlformats.org/presentationml/2006/main" xmlns:r="http://schemas.openxmlformats.org/officeDocument/2006/relationships" xmlns:a="http://schemas.openxmlformats.org/drawingml/2006/main" xmlns:mc="http://schemas.openxmlformats.org/markup-compatibility/2006" xmlns:c="http://schemas.openxmlformats.org/drawingml/2006/chart" xmlns:ns6="http://schemas.openxmlformats.org/drawingml/2006/chartDrawing" xmlns:dgm="http://schemas.openxmlformats.org/drawingml/2006/diagram" xmlns:pic="http://schemas.openxmlformats.org/drawingml/2006/picture" xmlns:wp="http://schemas.openxmlformats.org/drawingml/2006/wordprocessingDrawing" xmlns:xdr="http://schemas.openxmlformats.org/drawingml/2006/spreadsheetDrawing" xmlns:ns11="http://schemas.openxmlformats.org/drawingml/2006/compatibility" xmlns:ns12="http://schemas.openxmlformats.org/drawingml/2006/lockedCanvas" type="blank" preserve="true">
+<p:sldLayout xmlns:a="http://schemas.openxmlformats.org/drawingml/2006/main" xmlns:r="http://schemas.openxmlformats.org/officeDocument/2006/relationships" xmlns:p="http://schemas.openxmlformats.org/presentationml/2006/main" xmlns:mc="http://schemas.openxmlformats.org/markup-compatibility/2006" xmlns:c="http://schemas.openxmlformats.org/drawingml/2006/chart" xmlns:ns6="http://schemas.openxmlformats.org/drawingml/2006/chartDrawing" xmlns:dgm="http://schemas.openxmlformats.org/drawingml/2006/diagram" xmlns:pic="http://schemas.openxmlformats.org/drawingml/2006/picture" xmlns:wp="http://schemas.openxmlformats.org/drawingml/2006/wordprocessingDrawing" xmlns:xdr="http://schemas.openxmlformats.org/drawingml/2006/spreadsheetDrawing" xmlns:ns11="http://schemas.openxmlformats.org/drawingml/2006/compatibility" xmlns:ns12="http://schemas.openxmlformats.org/drawingml/2006/lockedCanvas" type="blank" preserve="true">
   <p:cSld name="Blank">
     <p:spTree>
       <p:nvGrpSpPr>
@@ -1755,7 +1755,7 @@
 </file>
 
 <file path=ppt/slideLayouts/slideLayout8.xml><?xml version="1.0" encoding="utf-8"?>
-<p:sldLayout xmlns:p="http://schemas.openxmlformats.org/presentationml/2006/main" xmlns:r="http://schemas.openxmlformats.org/officeDocument/2006/relationships" xmlns:a="http://schemas.openxmlformats.org/drawingml/2006/main" xmlns:mc="http://schemas.openxmlformats.org/markup-compatibility/2006" xmlns:c="http://schemas.openxmlformats.org/drawingml/2006/chart" xmlns:ns6="http://schemas.openxmlformats.org/drawingml/2006/chartDrawing" xmlns:dgm="http://schemas.openxmlformats.org/drawingml/2006/diagram" xmlns:pic="http://schemas.openxmlformats.org/drawingml/2006/picture" xmlns:wp="http://schemas.openxmlformats.org/drawingml/2006/wordprocessingDrawing" xmlns:xdr="http://schemas.openxmlformats.org/drawingml/2006/spreadsheetDrawing" xmlns:ns11="http://schemas.openxmlformats.org/drawingml/2006/compatibility" xmlns:ns12="http://schemas.openxmlformats.org/drawingml/2006/lockedCanvas" type="objTx" preserve="true">
+<p:sldLayout xmlns:a="http://schemas.openxmlformats.org/drawingml/2006/main" xmlns:r="http://schemas.openxmlformats.org/officeDocument/2006/relationships" xmlns:p="http://schemas.openxmlformats.org/presentationml/2006/main" xmlns:mc="http://schemas.openxmlformats.org/markup-compatibility/2006" xmlns:c="http://schemas.openxmlformats.org/drawingml/2006/chart" xmlns:ns6="http://schemas.openxmlformats.org/drawingml/2006/chartDrawing" xmlns:dgm="http://schemas.openxmlformats.org/drawingml/2006/diagram" xmlns:pic="http://schemas.openxmlformats.org/drawingml/2006/picture" xmlns:wp="http://schemas.openxmlformats.org/drawingml/2006/wordprocessingDrawing" xmlns:xdr="http://schemas.openxmlformats.org/drawingml/2006/spreadsheetDrawing" xmlns:ns11="http://schemas.openxmlformats.org/drawingml/2006/compatibility" xmlns:ns12="http://schemas.openxmlformats.org/drawingml/2006/lockedCanvas" type="objTx" preserve="true">
   <p:cSld name="Content with Caption">
     <p:spTree>
       <p:nvGrpSpPr>
@@ -2039,7 +2039,7 @@
 </file>
 
 <file path=ppt/slideLayouts/slideLayout9.xml><?xml version="1.0" encoding="utf-8"?>
-<p:sldLayout xmlns:p="http://schemas.openxmlformats.org/presentationml/2006/main" xmlns:r="http://schemas.openxmlformats.org/officeDocument/2006/relationships" xmlns:a="http://schemas.openxmlformats.org/drawingml/2006/main" xmlns:mc="http://schemas.openxmlformats.org/markup-compatibility/2006" xmlns:c="http://schemas.openxmlformats.org/drawingml/2006/chart" xmlns:ns6="http://schemas.openxmlformats.org/drawingml/2006/chartDrawing" xmlns:dgm="http://schemas.openxmlformats.org/drawingml/2006/diagram" xmlns:pic="http://schemas.openxmlformats.org/drawingml/2006/picture" xmlns:wp="http://schemas.openxmlformats.org/drawingml/2006/wordprocessingDrawing" xmlns:xdr="http://schemas.openxmlformats.org/drawingml/2006/spreadsheetDrawing" xmlns:ns11="http://schemas.openxmlformats.org/drawingml/2006/compatibility" xmlns:ns12="http://schemas.openxmlformats.org/drawingml/2006/lockedCanvas" type="vertTx" preserve="true">
+<p:sldLayout xmlns:a="http://schemas.openxmlformats.org/drawingml/2006/main" xmlns:r="http://schemas.openxmlformats.org/officeDocument/2006/relationships" xmlns:p="http://schemas.openxmlformats.org/presentationml/2006/main" xmlns:mc="http://schemas.openxmlformats.org/markup-compatibility/2006" xmlns:c="http://schemas.openxmlformats.org/drawingml/2006/chart" xmlns:ns6="http://schemas.openxmlformats.org/drawingml/2006/chartDrawing" xmlns:dgm="http://schemas.openxmlformats.org/drawingml/2006/diagram" xmlns:pic="http://schemas.openxmlformats.org/drawingml/2006/picture" xmlns:wp="http://schemas.openxmlformats.org/drawingml/2006/wordprocessingDrawing" xmlns:xdr="http://schemas.openxmlformats.org/drawingml/2006/spreadsheetDrawing" xmlns:ns11="http://schemas.openxmlformats.org/drawingml/2006/compatibility" xmlns:ns12="http://schemas.openxmlformats.org/drawingml/2006/lockedCanvas" type="vertTx" preserve="true">
   <p:cSld name="Title and Vertical Text">
     <p:spTree>
       <p:nvGrpSpPr>
@@ -2216,7 +2216,7 @@
 </file>
 
 <file path=ppt/slideMasters/slideMaster1.xml><?xml version="1.0" encoding="utf-8"?>
-<p:sldMaster xmlns:p="http://schemas.openxmlformats.org/presentationml/2006/main" xmlns:r="http://schemas.openxmlformats.org/officeDocument/2006/relationships" xmlns:a="http://schemas.openxmlformats.org/drawingml/2006/main" xmlns:mc="http://schemas.openxmlformats.org/markup-compatibility/2006" xmlns:c="http://schemas.openxmlformats.org/drawingml/2006/chart" xmlns:ns6="http://schemas.openxmlformats.org/drawingml/2006/chartDrawing" xmlns:dgm="http://schemas.openxmlformats.org/drawingml/2006/diagram" xmlns:pic="http://schemas.openxmlformats.org/drawingml/2006/picture" xmlns:wp="http://schemas.openxmlformats.org/drawingml/2006/wordprocessingDrawing" xmlns:xdr="http://schemas.openxmlformats.org/drawingml/2006/spreadsheetDrawing" xmlns:ns11="http://schemas.openxmlformats.org/drawingml/2006/compatibility" xmlns:ns12="http://schemas.openxmlformats.org/drawingml/2006/lockedCanvas">
+<p:sldMaster xmlns:a="http://schemas.openxmlformats.org/drawingml/2006/main" xmlns:r="http://schemas.openxmlformats.org/officeDocument/2006/relationships" xmlns:p="http://schemas.openxmlformats.org/presentationml/2006/main" xmlns:mc="http://schemas.openxmlformats.org/markup-compatibility/2006" xmlns:c="http://schemas.openxmlformats.org/drawingml/2006/chart" xmlns:ns6="http://schemas.openxmlformats.org/drawingml/2006/chartDrawing" xmlns:dgm="http://schemas.openxmlformats.org/drawingml/2006/diagram" xmlns:pic="http://schemas.openxmlformats.org/drawingml/2006/picture" xmlns:wp="http://schemas.openxmlformats.org/drawingml/2006/wordprocessingDrawing" xmlns:xdr="http://schemas.openxmlformats.org/drawingml/2006/spreadsheetDrawing" xmlns:ns11="http://schemas.openxmlformats.org/drawingml/2006/compatibility" xmlns:ns12="http://schemas.openxmlformats.org/drawingml/2006/lockedCanvas">
   <p:cSld>
     <p:bg>
       <p:bgRef idx="1001">
@@ -2762,7 +2762,7 @@
 </file>
 
 <file path=ppt/slides/slide1.xml><?xml version="1.0" encoding="utf-8"?>
-<p:sld xmlns:p="http://schemas.openxmlformats.org/presentationml/2006/main" xmlns:r="http://schemas.openxmlformats.org/officeDocument/2006/relationships" xmlns:a="http://schemas.openxmlformats.org/drawingml/2006/main" xmlns:mc="http://schemas.openxmlformats.org/markup-compatibility/2006" xmlns:c="http://schemas.openxmlformats.org/drawingml/2006/chart" xmlns:ns6="http://schemas.openxmlformats.org/drawingml/2006/chartDrawing" xmlns:dgm="http://schemas.openxmlformats.org/drawingml/2006/diagram" xmlns:pic="http://schemas.openxmlformats.org/drawingml/2006/picture" xmlns:wp="http://schemas.openxmlformats.org/drawingml/2006/wordprocessingDrawing" xmlns:xdr="http://schemas.openxmlformats.org/drawingml/2006/spreadsheetDrawing" xmlns:ns11="http://schemas.openxmlformats.org/drawingml/2006/compatibility" xmlns:ns12="http://schemas.openxmlformats.org/drawingml/2006/lockedCanvas">
+<p:sld xmlns:a="http://schemas.openxmlformats.org/drawingml/2006/main" xmlns:r="http://schemas.openxmlformats.org/officeDocument/2006/relationships" xmlns:p="http://schemas.openxmlformats.org/presentationml/2006/main" xmlns:mc="http://schemas.openxmlformats.org/markup-compatibility/2006" xmlns:c="http://schemas.openxmlformats.org/drawingml/2006/chart" xmlns:ns6="http://schemas.openxmlformats.org/drawingml/2006/chartDrawing" xmlns:dgm="http://schemas.openxmlformats.org/drawingml/2006/diagram" xmlns:pic="http://schemas.openxmlformats.org/drawingml/2006/picture" xmlns:wp="http://schemas.openxmlformats.org/drawingml/2006/wordprocessingDrawing" xmlns:xdr="http://schemas.openxmlformats.org/drawingml/2006/spreadsheetDrawing" xmlns:ns11="http://schemas.openxmlformats.org/drawingml/2006/compatibility" xmlns:ns12="http://schemas.openxmlformats.org/drawingml/2006/lockedCanvas">
   <p:cSld>
     <p:spTree>
       <p:nvGrpSpPr>

--- a/articles/evg_example.pptx
+++ b/articles/evg_example.pptx
@@ -1,11 +1,11 @@
 
 <file path=ppt/presentation.xml><?xml version="1.0" encoding="utf-8"?>
-<p:presentation xmlns:a="http://schemas.openxmlformats.org/drawingml/2006/main" xmlns:r="http://schemas.openxmlformats.org/officeDocument/2006/relationships" xmlns:p="http://schemas.openxmlformats.org/presentationml/2006/main" xmlns:mc="http://schemas.openxmlformats.org/markup-compatibility/2006" xmlns:c="http://schemas.openxmlformats.org/drawingml/2006/chart" xmlns:ns6="http://schemas.openxmlformats.org/drawingml/2006/chartDrawing" xmlns:dgm="http://schemas.openxmlformats.org/drawingml/2006/diagram" xmlns:pic="http://schemas.openxmlformats.org/drawingml/2006/picture" xmlns:wp="http://schemas.openxmlformats.org/drawingml/2006/wordprocessingDrawing" xmlns:xdr="http://schemas.openxmlformats.org/drawingml/2006/spreadsheetDrawing" xmlns:ns11="http://schemas.openxmlformats.org/drawingml/2006/compatibility" xmlns:ns12="http://schemas.openxmlformats.org/drawingml/2006/lockedCanvas" saveSubsetFonts="true">
+<p:presentation xmlns:r="http://schemas.openxmlformats.org/officeDocument/2006/relationships" xmlns:a="http://schemas.openxmlformats.org/drawingml/2006/main" xmlns:p="http://schemas.openxmlformats.org/presentationml/2006/main" xmlns:mc="http://schemas.openxmlformats.org/markup-compatibility/2006" xmlns:c="http://schemas.openxmlformats.org/drawingml/2006/chart" xmlns:ns6="http://schemas.openxmlformats.org/drawingml/2006/chartDrawing" xmlns:dgm="http://schemas.openxmlformats.org/drawingml/2006/diagram" xmlns:pic="http://schemas.openxmlformats.org/drawingml/2006/picture" xmlns:wp="http://schemas.openxmlformats.org/drawingml/2006/wordprocessingDrawing" xmlns:xdr="http://schemas.openxmlformats.org/drawingml/2006/spreadsheetDrawing" xmlns:ns11="http://schemas.openxmlformats.org/drawingml/2006/compatibility" xmlns:ns12="http://schemas.openxmlformats.org/drawingml/2006/lockedCanvas" saveSubsetFonts="true">
   <p:sldMasterIdLst>
     <p:sldMasterId id="2147483648" r:id="rId1"/>
   </p:sldMasterIdLst>
   <p:sldIdLst>
-    <p:sldId id="1710719421" r:id="rId6"/>
+    <p:sldId id="1972863155" r:id="rId6"/>
   </p:sldIdLst>
   <p:sldSz cx="12192000" cy="6858000"/>
   <p:notesSz cx="6858000" cy="9144000"/>
@@ -113,7 +113,7 @@
 </file>
 
 <file path=ppt/slideLayouts/slideLayout1.xml><?xml version="1.0" encoding="utf-8"?>
-<p:sldLayout xmlns:a="http://schemas.openxmlformats.org/drawingml/2006/main" xmlns:r="http://schemas.openxmlformats.org/officeDocument/2006/relationships" xmlns:p="http://schemas.openxmlformats.org/presentationml/2006/main" xmlns:mc="http://schemas.openxmlformats.org/markup-compatibility/2006" xmlns:c="http://schemas.openxmlformats.org/drawingml/2006/chart" xmlns:ns6="http://schemas.openxmlformats.org/drawingml/2006/chartDrawing" xmlns:dgm="http://schemas.openxmlformats.org/drawingml/2006/diagram" xmlns:pic="http://schemas.openxmlformats.org/drawingml/2006/picture" xmlns:wp="http://schemas.openxmlformats.org/drawingml/2006/wordprocessingDrawing" xmlns:xdr="http://schemas.openxmlformats.org/drawingml/2006/spreadsheetDrawing" xmlns:ns11="http://schemas.openxmlformats.org/drawingml/2006/compatibility" xmlns:ns12="http://schemas.openxmlformats.org/drawingml/2006/lockedCanvas" type="title" preserve="true">
+<p:sldLayout xmlns:r="http://schemas.openxmlformats.org/officeDocument/2006/relationships" xmlns:a="http://schemas.openxmlformats.org/drawingml/2006/main" xmlns:p="http://schemas.openxmlformats.org/presentationml/2006/main" xmlns:mc="http://schemas.openxmlformats.org/markup-compatibility/2006" xmlns:c="http://schemas.openxmlformats.org/drawingml/2006/chart" xmlns:ns6="http://schemas.openxmlformats.org/drawingml/2006/chartDrawing" xmlns:dgm="http://schemas.openxmlformats.org/drawingml/2006/diagram" xmlns:pic="http://schemas.openxmlformats.org/drawingml/2006/picture" xmlns:wp="http://schemas.openxmlformats.org/drawingml/2006/wordprocessingDrawing" xmlns:xdr="http://schemas.openxmlformats.org/drawingml/2006/spreadsheetDrawing" xmlns:ns11="http://schemas.openxmlformats.org/drawingml/2006/compatibility" xmlns:ns12="http://schemas.openxmlformats.org/drawingml/2006/lockedCanvas" type="title" preserve="true">
   <p:cSld name="Title Slide">
     <p:spTree>
       <p:nvGrpSpPr>
@@ -312,7 +312,7 @@
 </file>
 
 <file path=ppt/slideLayouts/slideLayout10.xml><?xml version="1.0" encoding="utf-8"?>
-<p:sldLayout xmlns:a="http://schemas.openxmlformats.org/drawingml/2006/main" xmlns:r="http://schemas.openxmlformats.org/officeDocument/2006/relationships" xmlns:p="http://schemas.openxmlformats.org/presentationml/2006/main" xmlns:mc="http://schemas.openxmlformats.org/markup-compatibility/2006" xmlns:c="http://schemas.openxmlformats.org/drawingml/2006/chart" xmlns:ns6="http://schemas.openxmlformats.org/drawingml/2006/chartDrawing" xmlns:dgm="http://schemas.openxmlformats.org/drawingml/2006/diagram" xmlns:pic="http://schemas.openxmlformats.org/drawingml/2006/picture" xmlns:wp="http://schemas.openxmlformats.org/drawingml/2006/wordprocessingDrawing" xmlns:xdr="http://schemas.openxmlformats.org/drawingml/2006/spreadsheetDrawing" xmlns:ns11="http://schemas.openxmlformats.org/drawingml/2006/compatibility" xmlns:ns12="http://schemas.openxmlformats.org/drawingml/2006/lockedCanvas" type="vertTitleAndTx" preserve="true">
+<p:sldLayout xmlns:r="http://schemas.openxmlformats.org/officeDocument/2006/relationships" xmlns:a="http://schemas.openxmlformats.org/drawingml/2006/main" xmlns:p="http://schemas.openxmlformats.org/presentationml/2006/main" xmlns:mc="http://schemas.openxmlformats.org/markup-compatibility/2006" xmlns:c="http://schemas.openxmlformats.org/drawingml/2006/chart" xmlns:ns6="http://schemas.openxmlformats.org/drawingml/2006/chartDrawing" xmlns:dgm="http://schemas.openxmlformats.org/drawingml/2006/diagram" xmlns:pic="http://schemas.openxmlformats.org/drawingml/2006/picture" xmlns:wp="http://schemas.openxmlformats.org/drawingml/2006/wordprocessingDrawing" xmlns:xdr="http://schemas.openxmlformats.org/drawingml/2006/spreadsheetDrawing" xmlns:ns11="http://schemas.openxmlformats.org/drawingml/2006/compatibility" xmlns:ns12="http://schemas.openxmlformats.org/drawingml/2006/lockedCanvas" type="vertTitleAndTx" preserve="true">
   <p:cSld name="Vertical Title and Text">
     <p:spTree>
       <p:nvGrpSpPr>
@@ -499,7 +499,7 @@
 </file>
 
 <file path=ppt/slideLayouts/slideLayout2.xml><?xml version="1.0" encoding="utf-8"?>
-<p:sldLayout xmlns:a="http://schemas.openxmlformats.org/drawingml/2006/main" xmlns:r="http://schemas.openxmlformats.org/officeDocument/2006/relationships" xmlns:p="http://schemas.openxmlformats.org/presentationml/2006/main" xmlns:mc="http://schemas.openxmlformats.org/markup-compatibility/2006" xmlns:c="http://schemas.openxmlformats.org/drawingml/2006/chart" xmlns:ns6="http://schemas.openxmlformats.org/drawingml/2006/chartDrawing" xmlns:dgm="http://schemas.openxmlformats.org/drawingml/2006/diagram" xmlns:pic="http://schemas.openxmlformats.org/drawingml/2006/picture" xmlns:wp="http://schemas.openxmlformats.org/drawingml/2006/wordprocessingDrawing" xmlns:xdr="http://schemas.openxmlformats.org/drawingml/2006/spreadsheetDrawing" xmlns:ns11="http://schemas.openxmlformats.org/drawingml/2006/compatibility" xmlns:ns12="http://schemas.openxmlformats.org/drawingml/2006/lockedCanvas" type="obj" preserve="true">
+<p:sldLayout xmlns:r="http://schemas.openxmlformats.org/officeDocument/2006/relationships" xmlns:a="http://schemas.openxmlformats.org/drawingml/2006/main" xmlns:p="http://schemas.openxmlformats.org/presentationml/2006/main" xmlns:mc="http://schemas.openxmlformats.org/markup-compatibility/2006" xmlns:c="http://schemas.openxmlformats.org/drawingml/2006/chart" xmlns:ns6="http://schemas.openxmlformats.org/drawingml/2006/chartDrawing" xmlns:dgm="http://schemas.openxmlformats.org/drawingml/2006/diagram" xmlns:pic="http://schemas.openxmlformats.org/drawingml/2006/picture" xmlns:wp="http://schemas.openxmlformats.org/drawingml/2006/wordprocessingDrawing" xmlns:xdr="http://schemas.openxmlformats.org/drawingml/2006/spreadsheetDrawing" xmlns:ns11="http://schemas.openxmlformats.org/drawingml/2006/compatibility" xmlns:ns12="http://schemas.openxmlformats.org/drawingml/2006/lockedCanvas" type="obj" preserve="true">
   <p:cSld name="Title and Content">
     <p:spTree>
       <p:nvGrpSpPr>
@@ -681,7 +681,7 @@
 </file>
 
 <file path=ppt/slideLayouts/slideLayout3.xml><?xml version="1.0" encoding="utf-8"?>
-<p:sldLayout xmlns:a="http://schemas.openxmlformats.org/drawingml/2006/main" xmlns:r="http://schemas.openxmlformats.org/officeDocument/2006/relationships" xmlns:p="http://schemas.openxmlformats.org/presentationml/2006/main" xmlns:mc="http://schemas.openxmlformats.org/markup-compatibility/2006" xmlns:c="http://schemas.openxmlformats.org/drawingml/2006/chart" xmlns:ns6="http://schemas.openxmlformats.org/drawingml/2006/chartDrawing" xmlns:dgm="http://schemas.openxmlformats.org/drawingml/2006/diagram" xmlns:pic="http://schemas.openxmlformats.org/drawingml/2006/picture" xmlns:wp="http://schemas.openxmlformats.org/drawingml/2006/wordprocessingDrawing" xmlns:xdr="http://schemas.openxmlformats.org/drawingml/2006/spreadsheetDrawing" xmlns:ns11="http://schemas.openxmlformats.org/drawingml/2006/compatibility" xmlns:ns12="http://schemas.openxmlformats.org/drawingml/2006/lockedCanvas" type="secHead" preserve="true">
+<p:sldLayout xmlns:r="http://schemas.openxmlformats.org/officeDocument/2006/relationships" xmlns:a="http://schemas.openxmlformats.org/drawingml/2006/main" xmlns:p="http://schemas.openxmlformats.org/presentationml/2006/main" xmlns:mc="http://schemas.openxmlformats.org/markup-compatibility/2006" xmlns:c="http://schemas.openxmlformats.org/drawingml/2006/chart" xmlns:ns6="http://schemas.openxmlformats.org/drawingml/2006/chartDrawing" xmlns:dgm="http://schemas.openxmlformats.org/drawingml/2006/diagram" xmlns:pic="http://schemas.openxmlformats.org/drawingml/2006/picture" xmlns:wp="http://schemas.openxmlformats.org/drawingml/2006/wordprocessingDrawing" xmlns:xdr="http://schemas.openxmlformats.org/drawingml/2006/spreadsheetDrawing" xmlns:ns11="http://schemas.openxmlformats.org/drawingml/2006/compatibility" xmlns:ns12="http://schemas.openxmlformats.org/drawingml/2006/lockedCanvas" type="secHead" preserve="true">
   <p:cSld name="Section Header">
     <p:spTree>
       <p:nvGrpSpPr>
@@ -934,7 +934,7 @@
 </file>
 
 <file path=ppt/slideLayouts/slideLayout4.xml><?xml version="1.0" encoding="utf-8"?>
-<p:sldLayout xmlns:a="http://schemas.openxmlformats.org/drawingml/2006/main" xmlns:r="http://schemas.openxmlformats.org/officeDocument/2006/relationships" xmlns:p="http://schemas.openxmlformats.org/presentationml/2006/main" xmlns:mc="http://schemas.openxmlformats.org/markup-compatibility/2006" xmlns:c="http://schemas.openxmlformats.org/drawingml/2006/chart" xmlns:ns6="http://schemas.openxmlformats.org/drawingml/2006/chartDrawing" xmlns:dgm="http://schemas.openxmlformats.org/drawingml/2006/diagram" xmlns:pic="http://schemas.openxmlformats.org/drawingml/2006/picture" xmlns:wp="http://schemas.openxmlformats.org/drawingml/2006/wordprocessingDrawing" xmlns:xdr="http://schemas.openxmlformats.org/drawingml/2006/spreadsheetDrawing" xmlns:ns11="http://schemas.openxmlformats.org/drawingml/2006/compatibility" xmlns:ns12="http://schemas.openxmlformats.org/drawingml/2006/lockedCanvas" type="twoObj" preserve="true">
+<p:sldLayout xmlns:r="http://schemas.openxmlformats.org/officeDocument/2006/relationships" xmlns:a="http://schemas.openxmlformats.org/drawingml/2006/main" xmlns:p="http://schemas.openxmlformats.org/presentationml/2006/main" xmlns:mc="http://schemas.openxmlformats.org/markup-compatibility/2006" xmlns:c="http://schemas.openxmlformats.org/drawingml/2006/chart" xmlns:ns6="http://schemas.openxmlformats.org/drawingml/2006/chartDrawing" xmlns:dgm="http://schemas.openxmlformats.org/drawingml/2006/diagram" xmlns:pic="http://schemas.openxmlformats.org/drawingml/2006/picture" xmlns:wp="http://schemas.openxmlformats.org/drawingml/2006/wordprocessingDrawing" xmlns:xdr="http://schemas.openxmlformats.org/drawingml/2006/spreadsheetDrawing" xmlns:ns11="http://schemas.openxmlformats.org/drawingml/2006/compatibility" xmlns:ns12="http://schemas.openxmlformats.org/drawingml/2006/lockedCanvas" type="twoObj" preserve="true">
   <p:cSld name="Two Content">
     <p:spTree>
       <p:nvGrpSpPr>
@@ -1173,7 +1173,7 @@
 </file>
 
 <file path=ppt/slideLayouts/slideLayout5.xml><?xml version="1.0" encoding="utf-8"?>
-<p:sldLayout xmlns:a="http://schemas.openxmlformats.org/drawingml/2006/main" xmlns:r="http://schemas.openxmlformats.org/officeDocument/2006/relationships" xmlns:p="http://schemas.openxmlformats.org/presentationml/2006/main" xmlns:mc="http://schemas.openxmlformats.org/markup-compatibility/2006" xmlns:c="http://schemas.openxmlformats.org/drawingml/2006/chart" xmlns:ns6="http://schemas.openxmlformats.org/drawingml/2006/chartDrawing" xmlns:dgm="http://schemas.openxmlformats.org/drawingml/2006/diagram" xmlns:pic="http://schemas.openxmlformats.org/drawingml/2006/picture" xmlns:wp="http://schemas.openxmlformats.org/drawingml/2006/wordprocessingDrawing" xmlns:xdr="http://schemas.openxmlformats.org/drawingml/2006/spreadsheetDrawing" xmlns:ns11="http://schemas.openxmlformats.org/drawingml/2006/compatibility" xmlns:ns12="http://schemas.openxmlformats.org/drawingml/2006/lockedCanvas" type="twoTxTwoObj" preserve="true">
+<p:sldLayout xmlns:r="http://schemas.openxmlformats.org/officeDocument/2006/relationships" xmlns:a="http://schemas.openxmlformats.org/drawingml/2006/main" xmlns:p="http://schemas.openxmlformats.org/presentationml/2006/main" xmlns:mc="http://schemas.openxmlformats.org/markup-compatibility/2006" xmlns:c="http://schemas.openxmlformats.org/drawingml/2006/chart" xmlns:ns6="http://schemas.openxmlformats.org/drawingml/2006/chartDrawing" xmlns:dgm="http://schemas.openxmlformats.org/drawingml/2006/diagram" xmlns:pic="http://schemas.openxmlformats.org/drawingml/2006/picture" xmlns:wp="http://schemas.openxmlformats.org/drawingml/2006/wordprocessingDrawing" xmlns:xdr="http://schemas.openxmlformats.org/drawingml/2006/spreadsheetDrawing" xmlns:ns11="http://schemas.openxmlformats.org/drawingml/2006/compatibility" xmlns:ns12="http://schemas.openxmlformats.org/drawingml/2006/lockedCanvas" type="twoTxTwoObj" preserve="true">
   <p:cSld name="Comparison">
     <p:spTree>
       <p:nvGrpSpPr>
@@ -1528,7 +1528,7 @@
 </file>
 
 <file path=ppt/slideLayouts/slideLayout6.xml><?xml version="1.0" encoding="utf-8"?>
-<p:sldLayout xmlns:a="http://schemas.openxmlformats.org/drawingml/2006/main" xmlns:r="http://schemas.openxmlformats.org/officeDocument/2006/relationships" xmlns:p="http://schemas.openxmlformats.org/presentationml/2006/main" xmlns:mc="http://schemas.openxmlformats.org/markup-compatibility/2006" xmlns:c="http://schemas.openxmlformats.org/drawingml/2006/chart" xmlns:ns6="http://schemas.openxmlformats.org/drawingml/2006/chartDrawing" xmlns:dgm="http://schemas.openxmlformats.org/drawingml/2006/diagram" xmlns:pic="http://schemas.openxmlformats.org/drawingml/2006/picture" xmlns:wp="http://schemas.openxmlformats.org/drawingml/2006/wordprocessingDrawing" xmlns:xdr="http://schemas.openxmlformats.org/drawingml/2006/spreadsheetDrawing" xmlns:ns11="http://schemas.openxmlformats.org/drawingml/2006/compatibility" xmlns:ns12="http://schemas.openxmlformats.org/drawingml/2006/lockedCanvas" type="titleOnly" preserve="true">
+<p:sldLayout xmlns:r="http://schemas.openxmlformats.org/officeDocument/2006/relationships" xmlns:a="http://schemas.openxmlformats.org/drawingml/2006/main" xmlns:p="http://schemas.openxmlformats.org/presentationml/2006/main" xmlns:mc="http://schemas.openxmlformats.org/markup-compatibility/2006" xmlns:c="http://schemas.openxmlformats.org/drawingml/2006/chart" xmlns:ns6="http://schemas.openxmlformats.org/drawingml/2006/chartDrawing" xmlns:dgm="http://schemas.openxmlformats.org/drawingml/2006/diagram" xmlns:pic="http://schemas.openxmlformats.org/drawingml/2006/picture" xmlns:wp="http://schemas.openxmlformats.org/drawingml/2006/wordprocessingDrawing" xmlns:xdr="http://schemas.openxmlformats.org/drawingml/2006/spreadsheetDrawing" xmlns:ns11="http://schemas.openxmlformats.org/drawingml/2006/compatibility" xmlns:ns12="http://schemas.openxmlformats.org/drawingml/2006/lockedCanvas" type="titleOnly" preserve="true">
   <p:cSld name="Title Only">
     <p:spTree>
       <p:nvGrpSpPr>
@@ -1653,7 +1653,7 @@
 </file>
 
 <file path=ppt/slideLayouts/slideLayout7.xml><?xml version="1.0" encoding="utf-8"?>
-<p:sldLayout xmlns:a="http://schemas.openxmlformats.org/drawingml/2006/main" xmlns:r="http://schemas.openxmlformats.org/officeDocument/2006/relationships" xmlns:p="http://schemas.openxmlformats.org/presentationml/2006/main" xmlns:mc="http://schemas.openxmlformats.org/markup-compatibility/2006" xmlns:c="http://schemas.openxmlformats.org/drawingml/2006/chart" xmlns:ns6="http://schemas.openxmlformats.org/drawingml/2006/chartDrawing" xmlns:dgm="http://schemas.openxmlformats.org/drawingml/2006/diagram" xmlns:pic="http://schemas.openxmlformats.org/drawingml/2006/picture" xmlns:wp="http://schemas.openxmlformats.org/drawingml/2006/wordprocessingDrawing" xmlns:xdr="http://schemas.openxmlformats.org/drawingml/2006/spreadsheetDrawing" xmlns:ns11="http://schemas.openxmlformats.org/drawingml/2006/compatibility" xmlns:ns12="http://schemas.openxmlformats.org/drawingml/2006/lockedCanvas" type="blank" preserve="true">
+<p:sldLayout xmlns:r="http://schemas.openxmlformats.org/officeDocument/2006/relationships" xmlns:a="http://schemas.openxmlformats.org/drawingml/2006/main" xmlns:p="http://schemas.openxmlformats.org/presentationml/2006/main" xmlns:mc="http://schemas.openxmlformats.org/markup-compatibility/2006" xmlns:c="http://schemas.openxmlformats.org/drawingml/2006/chart" xmlns:ns6="http://schemas.openxmlformats.org/drawingml/2006/chartDrawing" xmlns:dgm="http://schemas.openxmlformats.org/drawingml/2006/diagram" xmlns:pic="http://schemas.openxmlformats.org/drawingml/2006/picture" xmlns:wp="http://schemas.openxmlformats.org/drawingml/2006/wordprocessingDrawing" xmlns:xdr="http://schemas.openxmlformats.org/drawingml/2006/spreadsheetDrawing" xmlns:ns11="http://schemas.openxmlformats.org/drawingml/2006/compatibility" xmlns:ns12="http://schemas.openxmlformats.org/drawingml/2006/lockedCanvas" type="blank" preserve="true">
   <p:cSld name="Blank">
     <p:spTree>
       <p:nvGrpSpPr>
@@ -1755,7 +1755,7 @@
 </file>
 
 <file path=ppt/slideLayouts/slideLayout8.xml><?xml version="1.0" encoding="utf-8"?>
-<p:sldLayout xmlns:a="http://schemas.openxmlformats.org/drawingml/2006/main" xmlns:r="http://schemas.openxmlformats.org/officeDocument/2006/relationships" xmlns:p="http://schemas.openxmlformats.org/presentationml/2006/main" xmlns:mc="http://schemas.openxmlformats.org/markup-compatibility/2006" xmlns:c="http://schemas.openxmlformats.org/drawingml/2006/chart" xmlns:ns6="http://schemas.openxmlformats.org/drawingml/2006/chartDrawing" xmlns:dgm="http://schemas.openxmlformats.org/drawingml/2006/diagram" xmlns:pic="http://schemas.openxmlformats.org/drawingml/2006/picture" xmlns:wp="http://schemas.openxmlformats.org/drawingml/2006/wordprocessingDrawing" xmlns:xdr="http://schemas.openxmlformats.org/drawingml/2006/spreadsheetDrawing" xmlns:ns11="http://schemas.openxmlformats.org/drawingml/2006/compatibility" xmlns:ns12="http://schemas.openxmlformats.org/drawingml/2006/lockedCanvas" type="objTx" preserve="true">
+<p:sldLayout xmlns:r="http://schemas.openxmlformats.org/officeDocument/2006/relationships" xmlns:a="http://schemas.openxmlformats.org/drawingml/2006/main" xmlns:p="http://schemas.openxmlformats.org/presentationml/2006/main" xmlns:mc="http://schemas.openxmlformats.org/markup-compatibility/2006" xmlns:c="http://schemas.openxmlformats.org/drawingml/2006/chart" xmlns:ns6="http://schemas.openxmlformats.org/drawingml/2006/chartDrawing" xmlns:dgm="http://schemas.openxmlformats.org/drawingml/2006/diagram" xmlns:pic="http://schemas.openxmlformats.org/drawingml/2006/picture" xmlns:wp="http://schemas.openxmlformats.org/drawingml/2006/wordprocessingDrawing" xmlns:xdr="http://schemas.openxmlformats.org/drawingml/2006/spreadsheetDrawing" xmlns:ns11="http://schemas.openxmlformats.org/drawingml/2006/compatibility" xmlns:ns12="http://schemas.openxmlformats.org/drawingml/2006/lockedCanvas" type="objTx" preserve="true">
   <p:cSld name="Content with Caption">
     <p:spTree>
       <p:nvGrpSpPr>
@@ -2039,7 +2039,7 @@
 </file>
 
 <file path=ppt/slideLayouts/slideLayout9.xml><?xml version="1.0" encoding="utf-8"?>
-<p:sldLayout xmlns:a="http://schemas.openxmlformats.org/drawingml/2006/main" xmlns:r="http://schemas.openxmlformats.org/officeDocument/2006/relationships" xmlns:p="http://schemas.openxmlformats.org/presentationml/2006/main" xmlns:mc="http://schemas.openxmlformats.org/markup-compatibility/2006" xmlns:c="http://schemas.openxmlformats.org/drawingml/2006/chart" xmlns:ns6="http://schemas.openxmlformats.org/drawingml/2006/chartDrawing" xmlns:dgm="http://schemas.openxmlformats.org/drawingml/2006/diagram" xmlns:pic="http://schemas.openxmlformats.org/drawingml/2006/picture" xmlns:wp="http://schemas.openxmlformats.org/drawingml/2006/wordprocessingDrawing" xmlns:xdr="http://schemas.openxmlformats.org/drawingml/2006/spreadsheetDrawing" xmlns:ns11="http://schemas.openxmlformats.org/drawingml/2006/compatibility" xmlns:ns12="http://schemas.openxmlformats.org/drawingml/2006/lockedCanvas" type="vertTx" preserve="true">
+<p:sldLayout xmlns:r="http://schemas.openxmlformats.org/officeDocument/2006/relationships" xmlns:a="http://schemas.openxmlformats.org/drawingml/2006/main" xmlns:p="http://schemas.openxmlformats.org/presentationml/2006/main" xmlns:mc="http://schemas.openxmlformats.org/markup-compatibility/2006" xmlns:c="http://schemas.openxmlformats.org/drawingml/2006/chart" xmlns:ns6="http://schemas.openxmlformats.org/drawingml/2006/chartDrawing" xmlns:dgm="http://schemas.openxmlformats.org/drawingml/2006/diagram" xmlns:pic="http://schemas.openxmlformats.org/drawingml/2006/picture" xmlns:wp="http://schemas.openxmlformats.org/drawingml/2006/wordprocessingDrawing" xmlns:xdr="http://schemas.openxmlformats.org/drawingml/2006/spreadsheetDrawing" xmlns:ns11="http://schemas.openxmlformats.org/drawingml/2006/compatibility" xmlns:ns12="http://schemas.openxmlformats.org/drawingml/2006/lockedCanvas" type="vertTx" preserve="true">
   <p:cSld name="Title and Vertical Text">
     <p:spTree>
       <p:nvGrpSpPr>
@@ -2216,7 +2216,7 @@
 </file>
 
 <file path=ppt/slideMasters/slideMaster1.xml><?xml version="1.0" encoding="utf-8"?>
-<p:sldMaster xmlns:a="http://schemas.openxmlformats.org/drawingml/2006/main" xmlns:r="http://schemas.openxmlformats.org/officeDocument/2006/relationships" xmlns:p="http://schemas.openxmlformats.org/presentationml/2006/main" xmlns:mc="http://schemas.openxmlformats.org/markup-compatibility/2006" xmlns:c="http://schemas.openxmlformats.org/drawingml/2006/chart" xmlns:ns6="http://schemas.openxmlformats.org/drawingml/2006/chartDrawing" xmlns:dgm="http://schemas.openxmlformats.org/drawingml/2006/diagram" xmlns:pic="http://schemas.openxmlformats.org/drawingml/2006/picture" xmlns:wp="http://schemas.openxmlformats.org/drawingml/2006/wordprocessingDrawing" xmlns:xdr="http://schemas.openxmlformats.org/drawingml/2006/spreadsheetDrawing" xmlns:ns11="http://schemas.openxmlformats.org/drawingml/2006/compatibility" xmlns:ns12="http://schemas.openxmlformats.org/drawingml/2006/lockedCanvas">
+<p:sldMaster xmlns:r="http://schemas.openxmlformats.org/officeDocument/2006/relationships" xmlns:a="http://schemas.openxmlformats.org/drawingml/2006/main" xmlns:p="http://schemas.openxmlformats.org/presentationml/2006/main" xmlns:mc="http://schemas.openxmlformats.org/markup-compatibility/2006" xmlns:c="http://schemas.openxmlformats.org/drawingml/2006/chart" xmlns:ns6="http://schemas.openxmlformats.org/drawingml/2006/chartDrawing" xmlns:dgm="http://schemas.openxmlformats.org/drawingml/2006/diagram" xmlns:pic="http://schemas.openxmlformats.org/drawingml/2006/picture" xmlns:wp="http://schemas.openxmlformats.org/drawingml/2006/wordprocessingDrawing" xmlns:xdr="http://schemas.openxmlformats.org/drawingml/2006/spreadsheetDrawing" xmlns:ns11="http://schemas.openxmlformats.org/drawingml/2006/compatibility" xmlns:ns12="http://schemas.openxmlformats.org/drawingml/2006/lockedCanvas">
   <p:cSld>
     <p:bg>
       <p:bgRef idx="1001">
@@ -2762,7 +2762,7 @@
 </file>
 
 <file path=ppt/slides/slide1.xml><?xml version="1.0" encoding="utf-8"?>
-<p:sld xmlns:a="http://schemas.openxmlformats.org/drawingml/2006/main" xmlns:r="http://schemas.openxmlformats.org/officeDocument/2006/relationships" xmlns:p="http://schemas.openxmlformats.org/presentationml/2006/main" xmlns:mc="http://schemas.openxmlformats.org/markup-compatibility/2006" xmlns:c="http://schemas.openxmlformats.org/drawingml/2006/chart" xmlns:ns6="http://schemas.openxmlformats.org/drawingml/2006/chartDrawing" xmlns:dgm="http://schemas.openxmlformats.org/drawingml/2006/diagram" xmlns:pic="http://schemas.openxmlformats.org/drawingml/2006/picture" xmlns:wp="http://schemas.openxmlformats.org/drawingml/2006/wordprocessingDrawing" xmlns:xdr="http://schemas.openxmlformats.org/drawingml/2006/spreadsheetDrawing" xmlns:ns11="http://schemas.openxmlformats.org/drawingml/2006/compatibility" xmlns:ns12="http://schemas.openxmlformats.org/drawingml/2006/lockedCanvas">
+<p:sld xmlns:r="http://schemas.openxmlformats.org/officeDocument/2006/relationships" xmlns:a="http://schemas.openxmlformats.org/drawingml/2006/main" xmlns:p="http://schemas.openxmlformats.org/presentationml/2006/main" xmlns:mc="http://schemas.openxmlformats.org/markup-compatibility/2006" xmlns:c="http://schemas.openxmlformats.org/drawingml/2006/chart" xmlns:ns6="http://schemas.openxmlformats.org/drawingml/2006/chartDrawing" xmlns:dgm="http://schemas.openxmlformats.org/drawingml/2006/diagram" xmlns:pic="http://schemas.openxmlformats.org/drawingml/2006/picture" xmlns:wp="http://schemas.openxmlformats.org/drawingml/2006/wordprocessingDrawing" xmlns:xdr="http://schemas.openxmlformats.org/drawingml/2006/spreadsheetDrawing" xmlns:ns11="http://schemas.openxmlformats.org/drawingml/2006/compatibility" xmlns:ns12="http://schemas.openxmlformats.org/drawingml/2006/lockedCanvas">
   <p:cSld>
     <p:spTree>
       <p:nvGrpSpPr>

--- a/articles/evg_example.pptx
+++ b/articles/evg_example.pptx
@@ -1,11 +1,11 @@
 
 <file path=ppt/presentation.xml><?xml version="1.0" encoding="utf-8"?>
-<p:presentation xmlns:r="http://schemas.openxmlformats.org/officeDocument/2006/relationships" xmlns:a="http://schemas.openxmlformats.org/drawingml/2006/main" xmlns:p="http://schemas.openxmlformats.org/presentationml/2006/main" xmlns:mc="http://schemas.openxmlformats.org/markup-compatibility/2006" xmlns:c="http://schemas.openxmlformats.org/drawingml/2006/chart" xmlns:ns6="http://schemas.openxmlformats.org/drawingml/2006/chartDrawing" xmlns:dgm="http://schemas.openxmlformats.org/drawingml/2006/diagram" xmlns:pic="http://schemas.openxmlformats.org/drawingml/2006/picture" xmlns:wp="http://schemas.openxmlformats.org/drawingml/2006/wordprocessingDrawing" xmlns:xdr="http://schemas.openxmlformats.org/drawingml/2006/spreadsheetDrawing" xmlns:ns11="http://schemas.openxmlformats.org/drawingml/2006/compatibility" xmlns:ns12="http://schemas.openxmlformats.org/drawingml/2006/lockedCanvas" saveSubsetFonts="true">
+<p:presentation xmlns:a="http://schemas.openxmlformats.org/drawingml/2006/main" xmlns:r="http://schemas.openxmlformats.org/officeDocument/2006/relationships" xmlns:p="http://schemas.openxmlformats.org/presentationml/2006/main" xmlns:mc="http://schemas.openxmlformats.org/markup-compatibility/2006" xmlns:c="http://schemas.openxmlformats.org/drawingml/2006/chart" xmlns:ns6="http://schemas.openxmlformats.org/drawingml/2006/chartDrawing" xmlns:dgm="http://schemas.openxmlformats.org/drawingml/2006/diagram" xmlns:pic="http://schemas.openxmlformats.org/drawingml/2006/picture" xmlns:wp="http://schemas.openxmlformats.org/drawingml/2006/wordprocessingDrawing" xmlns:xdr="http://schemas.openxmlformats.org/drawingml/2006/spreadsheetDrawing" xmlns:ns11="http://schemas.openxmlformats.org/drawingml/2006/compatibility" xmlns:ns12="http://schemas.openxmlformats.org/drawingml/2006/lockedCanvas" saveSubsetFonts="true">
   <p:sldMasterIdLst>
     <p:sldMasterId id="2147483648" r:id="rId1"/>
   </p:sldMasterIdLst>
   <p:sldIdLst>
-    <p:sldId id="1972863155" r:id="rId6"/>
+    <p:sldId id="454277209" r:id="rId6"/>
   </p:sldIdLst>
   <p:sldSz cx="12192000" cy="6858000"/>
   <p:notesSz cx="6858000" cy="9144000"/>
@@ -113,7 +113,7 @@
 </file>
 
 <file path=ppt/slideLayouts/slideLayout1.xml><?xml version="1.0" encoding="utf-8"?>
-<p:sldLayout xmlns:r="http://schemas.openxmlformats.org/officeDocument/2006/relationships" xmlns:a="http://schemas.openxmlformats.org/drawingml/2006/main" xmlns:p="http://schemas.openxmlformats.org/presentationml/2006/main" xmlns:mc="http://schemas.openxmlformats.org/markup-compatibility/2006" xmlns:c="http://schemas.openxmlformats.org/drawingml/2006/chart" xmlns:ns6="http://schemas.openxmlformats.org/drawingml/2006/chartDrawing" xmlns:dgm="http://schemas.openxmlformats.org/drawingml/2006/diagram" xmlns:pic="http://schemas.openxmlformats.org/drawingml/2006/picture" xmlns:wp="http://schemas.openxmlformats.org/drawingml/2006/wordprocessingDrawing" xmlns:xdr="http://schemas.openxmlformats.org/drawingml/2006/spreadsheetDrawing" xmlns:ns11="http://schemas.openxmlformats.org/drawingml/2006/compatibility" xmlns:ns12="http://schemas.openxmlformats.org/drawingml/2006/lockedCanvas" type="title" preserve="true">
+<p:sldLayout xmlns:a="http://schemas.openxmlformats.org/drawingml/2006/main" xmlns:r="http://schemas.openxmlformats.org/officeDocument/2006/relationships" xmlns:p="http://schemas.openxmlformats.org/presentationml/2006/main" xmlns:mc="http://schemas.openxmlformats.org/markup-compatibility/2006" xmlns:c="http://schemas.openxmlformats.org/drawingml/2006/chart" xmlns:ns6="http://schemas.openxmlformats.org/drawingml/2006/chartDrawing" xmlns:dgm="http://schemas.openxmlformats.org/drawingml/2006/diagram" xmlns:pic="http://schemas.openxmlformats.org/drawingml/2006/picture" xmlns:wp="http://schemas.openxmlformats.org/drawingml/2006/wordprocessingDrawing" xmlns:xdr="http://schemas.openxmlformats.org/drawingml/2006/spreadsheetDrawing" xmlns:ns11="http://schemas.openxmlformats.org/drawingml/2006/compatibility" xmlns:ns12="http://schemas.openxmlformats.org/drawingml/2006/lockedCanvas" type="title" preserve="true">
   <p:cSld name="Title Slide">
     <p:spTree>
       <p:nvGrpSpPr>
@@ -312,7 +312,7 @@
 </file>
 
 <file path=ppt/slideLayouts/slideLayout10.xml><?xml version="1.0" encoding="utf-8"?>
-<p:sldLayout xmlns:r="http://schemas.openxmlformats.org/officeDocument/2006/relationships" xmlns:a="http://schemas.openxmlformats.org/drawingml/2006/main" xmlns:p="http://schemas.openxmlformats.org/presentationml/2006/main" xmlns:mc="http://schemas.openxmlformats.org/markup-compatibility/2006" xmlns:c="http://schemas.openxmlformats.org/drawingml/2006/chart" xmlns:ns6="http://schemas.openxmlformats.org/drawingml/2006/chartDrawing" xmlns:dgm="http://schemas.openxmlformats.org/drawingml/2006/diagram" xmlns:pic="http://schemas.openxmlformats.org/drawingml/2006/picture" xmlns:wp="http://schemas.openxmlformats.org/drawingml/2006/wordprocessingDrawing" xmlns:xdr="http://schemas.openxmlformats.org/drawingml/2006/spreadsheetDrawing" xmlns:ns11="http://schemas.openxmlformats.org/drawingml/2006/compatibility" xmlns:ns12="http://schemas.openxmlformats.org/drawingml/2006/lockedCanvas" type="vertTitleAndTx" preserve="true">
+<p:sldLayout xmlns:a="http://schemas.openxmlformats.org/drawingml/2006/main" xmlns:r="http://schemas.openxmlformats.org/officeDocument/2006/relationships" xmlns:p="http://schemas.openxmlformats.org/presentationml/2006/main" xmlns:mc="http://schemas.openxmlformats.org/markup-compatibility/2006" xmlns:c="http://schemas.openxmlformats.org/drawingml/2006/chart" xmlns:ns6="http://schemas.openxmlformats.org/drawingml/2006/chartDrawing" xmlns:dgm="http://schemas.openxmlformats.org/drawingml/2006/diagram" xmlns:pic="http://schemas.openxmlformats.org/drawingml/2006/picture" xmlns:wp="http://schemas.openxmlformats.org/drawingml/2006/wordprocessingDrawing" xmlns:xdr="http://schemas.openxmlformats.org/drawingml/2006/spreadsheetDrawing" xmlns:ns11="http://schemas.openxmlformats.org/drawingml/2006/compatibility" xmlns:ns12="http://schemas.openxmlformats.org/drawingml/2006/lockedCanvas" type="vertTitleAndTx" preserve="true">
   <p:cSld name="Vertical Title and Text">
     <p:spTree>
       <p:nvGrpSpPr>
@@ -499,7 +499,7 @@
 </file>
 
 <file path=ppt/slideLayouts/slideLayout2.xml><?xml version="1.0" encoding="utf-8"?>
-<p:sldLayout xmlns:r="http://schemas.openxmlformats.org/officeDocument/2006/relationships" xmlns:a="http://schemas.openxmlformats.org/drawingml/2006/main" xmlns:p="http://schemas.openxmlformats.org/presentationml/2006/main" xmlns:mc="http://schemas.openxmlformats.org/markup-compatibility/2006" xmlns:c="http://schemas.openxmlformats.org/drawingml/2006/chart" xmlns:ns6="http://schemas.openxmlformats.org/drawingml/2006/chartDrawing" xmlns:dgm="http://schemas.openxmlformats.org/drawingml/2006/diagram" xmlns:pic="http://schemas.openxmlformats.org/drawingml/2006/picture" xmlns:wp="http://schemas.openxmlformats.org/drawingml/2006/wordprocessingDrawing" xmlns:xdr="http://schemas.openxmlformats.org/drawingml/2006/spreadsheetDrawing" xmlns:ns11="http://schemas.openxmlformats.org/drawingml/2006/compatibility" xmlns:ns12="http://schemas.openxmlformats.org/drawingml/2006/lockedCanvas" type="obj" preserve="true">
+<p:sldLayout xmlns:a="http://schemas.openxmlformats.org/drawingml/2006/main" xmlns:r="http://schemas.openxmlformats.org/officeDocument/2006/relationships" xmlns:p="http://schemas.openxmlformats.org/presentationml/2006/main" xmlns:mc="http://schemas.openxmlformats.org/markup-compatibility/2006" xmlns:c="http://schemas.openxmlformats.org/drawingml/2006/chart" xmlns:ns6="http://schemas.openxmlformats.org/drawingml/2006/chartDrawing" xmlns:dgm="http://schemas.openxmlformats.org/drawingml/2006/diagram" xmlns:pic="http://schemas.openxmlformats.org/drawingml/2006/picture" xmlns:wp="http://schemas.openxmlformats.org/drawingml/2006/wordprocessingDrawing" xmlns:xdr="http://schemas.openxmlformats.org/drawingml/2006/spreadsheetDrawing" xmlns:ns11="http://schemas.openxmlformats.org/drawingml/2006/compatibility" xmlns:ns12="http://schemas.openxmlformats.org/drawingml/2006/lockedCanvas" type="obj" preserve="true">
   <p:cSld name="Title and Content">
     <p:spTree>
       <p:nvGrpSpPr>
@@ -681,7 +681,7 @@
 </file>
 
 <file path=ppt/slideLayouts/slideLayout3.xml><?xml version="1.0" encoding="utf-8"?>
-<p:sldLayout xmlns:r="http://schemas.openxmlformats.org/officeDocument/2006/relationships" xmlns:a="http://schemas.openxmlformats.org/drawingml/2006/main" xmlns:p="http://schemas.openxmlformats.org/presentationml/2006/main" xmlns:mc="http://schemas.openxmlformats.org/markup-compatibility/2006" xmlns:c="http://schemas.openxmlformats.org/drawingml/2006/chart" xmlns:ns6="http://schemas.openxmlformats.org/drawingml/2006/chartDrawing" xmlns:dgm="http://schemas.openxmlformats.org/drawingml/2006/diagram" xmlns:pic="http://schemas.openxmlformats.org/drawingml/2006/picture" xmlns:wp="http://schemas.openxmlformats.org/drawingml/2006/wordprocessingDrawing" xmlns:xdr="http://schemas.openxmlformats.org/drawingml/2006/spreadsheetDrawing" xmlns:ns11="http://schemas.openxmlformats.org/drawingml/2006/compatibility" xmlns:ns12="http://schemas.openxmlformats.org/drawingml/2006/lockedCanvas" type="secHead" preserve="true">
+<p:sldLayout xmlns:a="http://schemas.openxmlformats.org/drawingml/2006/main" xmlns:r="http://schemas.openxmlformats.org/officeDocument/2006/relationships" xmlns:p="http://schemas.openxmlformats.org/presentationml/2006/main" xmlns:mc="http://schemas.openxmlformats.org/markup-compatibility/2006" xmlns:c="http://schemas.openxmlformats.org/drawingml/2006/chart" xmlns:ns6="http://schemas.openxmlformats.org/drawingml/2006/chartDrawing" xmlns:dgm="http://schemas.openxmlformats.org/drawingml/2006/diagram" xmlns:pic="http://schemas.openxmlformats.org/drawingml/2006/picture" xmlns:wp="http://schemas.openxmlformats.org/drawingml/2006/wordprocessingDrawing" xmlns:xdr="http://schemas.openxmlformats.org/drawingml/2006/spreadsheetDrawing" xmlns:ns11="http://schemas.openxmlformats.org/drawingml/2006/compatibility" xmlns:ns12="http://schemas.openxmlformats.org/drawingml/2006/lockedCanvas" type="secHead" preserve="true">
   <p:cSld name="Section Header">
     <p:spTree>
       <p:nvGrpSpPr>
@@ -934,7 +934,7 @@
 </file>
 
 <file path=ppt/slideLayouts/slideLayout4.xml><?xml version="1.0" encoding="utf-8"?>
-<p:sldLayout xmlns:r="http://schemas.openxmlformats.org/officeDocument/2006/relationships" xmlns:a="http://schemas.openxmlformats.org/drawingml/2006/main" xmlns:p="http://schemas.openxmlformats.org/presentationml/2006/main" xmlns:mc="http://schemas.openxmlformats.org/markup-compatibility/2006" xmlns:c="http://schemas.openxmlformats.org/drawingml/2006/chart" xmlns:ns6="http://schemas.openxmlformats.org/drawingml/2006/chartDrawing" xmlns:dgm="http://schemas.openxmlformats.org/drawingml/2006/diagram" xmlns:pic="http://schemas.openxmlformats.org/drawingml/2006/picture" xmlns:wp="http://schemas.openxmlformats.org/drawingml/2006/wordprocessingDrawing" xmlns:xdr="http://schemas.openxmlformats.org/drawingml/2006/spreadsheetDrawing" xmlns:ns11="http://schemas.openxmlformats.org/drawingml/2006/compatibility" xmlns:ns12="http://schemas.openxmlformats.org/drawingml/2006/lockedCanvas" type="twoObj" preserve="true">
+<p:sldLayout xmlns:a="http://schemas.openxmlformats.org/drawingml/2006/main" xmlns:r="http://schemas.openxmlformats.org/officeDocument/2006/relationships" xmlns:p="http://schemas.openxmlformats.org/presentationml/2006/main" xmlns:mc="http://schemas.openxmlformats.org/markup-compatibility/2006" xmlns:c="http://schemas.openxmlformats.org/drawingml/2006/chart" xmlns:ns6="http://schemas.openxmlformats.org/drawingml/2006/chartDrawing" xmlns:dgm="http://schemas.openxmlformats.org/drawingml/2006/diagram" xmlns:pic="http://schemas.openxmlformats.org/drawingml/2006/picture" xmlns:wp="http://schemas.openxmlformats.org/drawingml/2006/wordprocessingDrawing" xmlns:xdr="http://schemas.openxmlformats.org/drawingml/2006/spreadsheetDrawing" xmlns:ns11="http://schemas.openxmlformats.org/drawingml/2006/compatibility" xmlns:ns12="http://schemas.openxmlformats.org/drawingml/2006/lockedCanvas" type="twoObj" preserve="true">
   <p:cSld name="Two Content">
     <p:spTree>
       <p:nvGrpSpPr>
@@ -1173,7 +1173,7 @@
 </file>
 
 <file path=ppt/slideLayouts/slideLayout5.xml><?xml version="1.0" encoding="utf-8"?>
-<p:sldLayout xmlns:r="http://schemas.openxmlformats.org/officeDocument/2006/relationships" xmlns:a="http://schemas.openxmlformats.org/drawingml/2006/main" xmlns:p="http://schemas.openxmlformats.org/presentationml/2006/main" xmlns:mc="http://schemas.openxmlformats.org/markup-compatibility/2006" xmlns:c="http://schemas.openxmlformats.org/drawingml/2006/chart" xmlns:ns6="http://schemas.openxmlformats.org/drawingml/2006/chartDrawing" xmlns:dgm="http://schemas.openxmlformats.org/drawingml/2006/diagram" xmlns:pic="http://schemas.openxmlformats.org/drawingml/2006/picture" xmlns:wp="http://schemas.openxmlformats.org/drawingml/2006/wordprocessingDrawing" xmlns:xdr="http://schemas.openxmlformats.org/drawingml/2006/spreadsheetDrawing" xmlns:ns11="http://schemas.openxmlformats.org/drawingml/2006/compatibility" xmlns:ns12="http://schemas.openxmlformats.org/drawingml/2006/lockedCanvas" type="twoTxTwoObj" preserve="true">
+<p:sldLayout xmlns:a="http://schemas.openxmlformats.org/drawingml/2006/main" xmlns:r="http://schemas.openxmlformats.org/officeDocument/2006/relationships" xmlns:p="http://schemas.openxmlformats.org/presentationml/2006/main" xmlns:mc="http://schemas.openxmlformats.org/markup-compatibility/2006" xmlns:c="http://schemas.openxmlformats.org/drawingml/2006/chart" xmlns:ns6="http://schemas.openxmlformats.org/drawingml/2006/chartDrawing" xmlns:dgm="http://schemas.openxmlformats.org/drawingml/2006/diagram" xmlns:pic="http://schemas.openxmlformats.org/drawingml/2006/picture" xmlns:wp="http://schemas.openxmlformats.org/drawingml/2006/wordprocessingDrawing" xmlns:xdr="http://schemas.openxmlformats.org/drawingml/2006/spreadsheetDrawing" xmlns:ns11="http://schemas.openxmlformats.org/drawingml/2006/compatibility" xmlns:ns12="http://schemas.openxmlformats.org/drawingml/2006/lockedCanvas" type="twoTxTwoObj" preserve="true">
   <p:cSld name="Comparison">
     <p:spTree>
       <p:nvGrpSpPr>
@@ -1528,7 +1528,7 @@
 </file>
 
 <file path=ppt/slideLayouts/slideLayout6.xml><?xml version="1.0" encoding="utf-8"?>
-<p:sldLayout xmlns:r="http://schemas.openxmlformats.org/officeDocument/2006/relationships" xmlns:a="http://schemas.openxmlformats.org/drawingml/2006/main" xmlns:p="http://schemas.openxmlformats.org/presentationml/2006/main" xmlns:mc="http://schemas.openxmlformats.org/markup-compatibility/2006" xmlns:c="http://schemas.openxmlformats.org/drawingml/2006/chart" xmlns:ns6="http://schemas.openxmlformats.org/drawingml/2006/chartDrawing" xmlns:dgm="http://schemas.openxmlformats.org/drawingml/2006/diagram" xmlns:pic="http://schemas.openxmlformats.org/drawingml/2006/picture" xmlns:wp="http://schemas.openxmlformats.org/drawingml/2006/wordprocessingDrawing" xmlns:xdr="http://schemas.openxmlformats.org/drawingml/2006/spreadsheetDrawing" xmlns:ns11="http://schemas.openxmlformats.org/drawingml/2006/compatibility" xmlns:ns12="http://schemas.openxmlformats.org/drawingml/2006/lockedCanvas" type="titleOnly" preserve="true">
+<p:sldLayout xmlns:a="http://schemas.openxmlformats.org/drawingml/2006/main" xmlns:r="http://schemas.openxmlformats.org/officeDocument/2006/relationships" xmlns:p="http://schemas.openxmlformats.org/presentationml/2006/main" xmlns:mc="http://schemas.openxmlformats.org/markup-compatibility/2006" xmlns:c="http://schemas.openxmlformats.org/drawingml/2006/chart" xmlns:ns6="http://schemas.openxmlformats.org/drawingml/2006/chartDrawing" xmlns:dgm="http://schemas.openxmlformats.org/drawingml/2006/diagram" xmlns:pic="http://schemas.openxmlformats.org/drawingml/2006/picture" xmlns:wp="http://schemas.openxmlformats.org/drawingml/2006/wordprocessingDrawing" xmlns:xdr="http://schemas.openxmlformats.org/drawingml/2006/spreadsheetDrawing" xmlns:ns11="http://schemas.openxmlformats.org/drawingml/2006/compatibility" xmlns:ns12="http://schemas.openxmlformats.org/drawingml/2006/lockedCanvas" type="titleOnly" preserve="true">
   <p:cSld name="Title Only">
     <p:spTree>
       <p:nvGrpSpPr>
@@ -1653,7 +1653,7 @@
 </file>
 
 <file path=ppt/slideLayouts/slideLayout7.xml><?xml version="1.0" encoding="utf-8"?>
-<p:sldLayout xmlns:r="http://schemas.openxmlformats.org/officeDocument/2006/relationships" xmlns:a="http://schemas.openxmlformats.org/drawingml/2006/main" xmlns:p="http://schemas.openxmlformats.org/presentationml/2006/main" xmlns:mc="http://schemas.openxmlformats.org/markup-compatibility/2006" xmlns:c="http://schemas.openxmlformats.org/drawingml/2006/chart" xmlns:ns6="http://schemas.openxmlformats.org/drawingml/2006/chartDrawing" xmlns:dgm="http://schemas.openxmlformats.org/drawingml/2006/diagram" xmlns:pic="http://schemas.openxmlformats.org/drawingml/2006/picture" xmlns:wp="http://schemas.openxmlformats.org/drawingml/2006/wordprocessingDrawing" xmlns:xdr="http://schemas.openxmlformats.org/drawingml/2006/spreadsheetDrawing" xmlns:ns11="http://schemas.openxmlformats.org/drawingml/2006/compatibility" xmlns:ns12="http://schemas.openxmlformats.org/drawingml/2006/lockedCanvas" type="blank" preserve="true">
+<p:sldLayout xmlns:a="http://schemas.openxmlformats.org/drawingml/2006/main" xmlns:r="http://schemas.openxmlformats.org/officeDocument/2006/relationships" xmlns:p="http://schemas.openxmlformats.org/presentationml/2006/main" xmlns:mc="http://schemas.openxmlformats.org/markup-compatibility/2006" xmlns:c="http://schemas.openxmlformats.org/drawingml/2006/chart" xmlns:ns6="http://schemas.openxmlformats.org/drawingml/2006/chartDrawing" xmlns:dgm="http://schemas.openxmlformats.org/drawingml/2006/diagram" xmlns:pic="http://schemas.openxmlformats.org/drawingml/2006/picture" xmlns:wp="http://schemas.openxmlformats.org/drawingml/2006/wordprocessingDrawing" xmlns:xdr="http://schemas.openxmlformats.org/drawingml/2006/spreadsheetDrawing" xmlns:ns11="http://schemas.openxmlformats.org/drawingml/2006/compatibility" xmlns:ns12="http://schemas.openxmlformats.org/drawingml/2006/lockedCanvas" type="blank" preserve="true">
   <p:cSld name="Blank">
     <p:spTree>
       <p:nvGrpSpPr>
@@ -1755,7 +1755,7 @@
 </file>
 
 <file path=ppt/slideLayouts/slideLayout8.xml><?xml version="1.0" encoding="utf-8"?>
-<p:sldLayout xmlns:r="http://schemas.openxmlformats.org/officeDocument/2006/relationships" xmlns:a="http://schemas.openxmlformats.org/drawingml/2006/main" xmlns:p="http://schemas.openxmlformats.org/presentationml/2006/main" xmlns:mc="http://schemas.openxmlformats.org/markup-compatibility/2006" xmlns:c="http://schemas.openxmlformats.org/drawingml/2006/chart" xmlns:ns6="http://schemas.openxmlformats.org/drawingml/2006/chartDrawing" xmlns:dgm="http://schemas.openxmlformats.org/drawingml/2006/diagram" xmlns:pic="http://schemas.openxmlformats.org/drawingml/2006/picture" xmlns:wp="http://schemas.openxmlformats.org/drawingml/2006/wordprocessingDrawing" xmlns:xdr="http://schemas.openxmlformats.org/drawingml/2006/spreadsheetDrawing" xmlns:ns11="http://schemas.openxmlformats.org/drawingml/2006/compatibility" xmlns:ns12="http://schemas.openxmlformats.org/drawingml/2006/lockedCanvas" type="objTx" preserve="true">
+<p:sldLayout xmlns:a="http://schemas.openxmlformats.org/drawingml/2006/main" xmlns:r="http://schemas.openxmlformats.org/officeDocument/2006/relationships" xmlns:p="http://schemas.openxmlformats.org/presentationml/2006/main" xmlns:mc="http://schemas.openxmlformats.org/markup-compatibility/2006" xmlns:c="http://schemas.openxmlformats.org/drawingml/2006/chart" xmlns:ns6="http://schemas.openxmlformats.org/drawingml/2006/chartDrawing" xmlns:dgm="http://schemas.openxmlformats.org/drawingml/2006/diagram" xmlns:pic="http://schemas.openxmlformats.org/drawingml/2006/picture" xmlns:wp="http://schemas.openxmlformats.org/drawingml/2006/wordprocessingDrawing" xmlns:xdr="http://schemas.openxmlformats.org/drawingml/2006/spreadsheetDrawing" xmlns:ns11="http://schemas.openxmlformats.org/drawingml/2006/compatibility" xmlns:ns12="http://schemas.openxmlformats.org/drawingml/2006/lockedCanvas" type="objTx" preserve="true">
   <p:cSld name="Content with Caption">
     <p:spTree>
       <p:nvGrpSpPr>
@@ -2039,7 +2039,7 @@
 </file>
 
 <file path=ppt/slideLayouts/slideLayout9.xml><?xml version="1.0" encoding="utf-8"?>
-<p:sldLayout xmlns:r="http://schemas.openxmlformats.org/officeDocument/2006/relationships" xmlns:a="http://schemas.openxmlformats.org/drawingml/2006/main" xmlns:p="http://schemas.openxmlformats.org/presentationml/2006/main" xmlns:mc="http://schemas.openxmlformats.org/markup-compatibility/2006" xmlns:c="http://schemas.openxmlformats.org/drawingml/2006/chart" xmlns:ns6="http://schemas.openxmlformats.org/drawingml/2006/chartDrawing" xmlns:dgm="http://schemas.openxmlformats.org/drawingml/2006/diagram" xmlns:pic="http://schemas.openxmlformats.org/drawingml/2006/picture" xmlns:wp="http://schemas.openxmlformats.org/drawingml/2006/wordprocessingDrawing" xmlns:xdr="http://schemas.openxmlformats.org/drawingml/2006/spreadsheetDrawing" xmlns:ns11="http://schemas.openxmlformats.org/drawingml/2006/compatibility" xmlns:ns12="http://schemas.openxmlformats.org/drawingml/2006/lockedCanvas" type="vertTx" preserve="true">
+<p:sldLayout xmlns:a="http://schemas.openxmlformats.org/drawingml/2006/main" xmlns:r="http://schemas.openxmlformats.org/officeDocument/2006/relationships" xmlns:p="http://schemas.openxmlformats.org/presentationml/2006/main" xmlns:mc="http://schemas.openxmlformats.org/markup-compatibility/2006" xmlns:c="http://schemas.openxmlformats.org/drawingml/2006/chart" xmlns:ns6="http://schemas.openxmlformats.org/drawingml/2006/chartDrawing" xmlns:dgm="http://schemas.openxmlformats.org/drawingml/2006/diagram" xmlns:pic="http://schemas.openxmlformats.org/drawingml/2006/picture" xmlns:wp="http://schemas.openxmlformats.org/drawingml/2006/wordprocessingDrawing" xmlns:xdr="http://schemas.openxmlformats.org/drawingml/2006/spreadsheetDrawing" xmlns:ns11="http://schemas.openxmlformats.org/drawingml/2006/compatibility" xmlns:ns12="http://schemas.openxmlformats.org/drawingml/2006/lockedCanvas" type="vertTx" preserve="true">
   <p:cSld name="Title and Vertical Text">
     <p:spTree>
       <p:nvGrpSpPr>
@@ -2216,7 +2216,7 @@
 </file>
 
 <file path=ppt/slideMasters/slideMaster1.xml><?xml version="1.0" encoding="utf-8"?>
-<p:sldMaster xmlns:r="http://schemas.openxmlformats.org/officeDocument/2006/relationships" xmlns:a="http://schemas.openxmlformats.org/drawingml/2006/main" xmlns:p="http://schemas.openxmlformats.org/presentationml/2006/main" xmlns:mc="http://schemas.openxmlformats.org/markup-compatibility/2006" xmlns:c="http://schemas.openxmlformats.org/drawingml/2006/chart" xmlns:ns6="http://schemas.openxmlformats.org/drawingml/2006/chartDrawing" xmlns:dgm="http://schemas.openxmlformats.org/drawingml/2006/diagram" xmlns:pic="http://schemas.openxmlformats.org/drawingml/2006/picture" xmlns:wp="http://schemas.openxmlformats.org/drawingml/2006/wordprocessingDrawing" xmlns:xdr="http://schemas.openxmlformats.org/drawingml/2006/spreadsheetDrawing" xmlns:ns11="http://schemas.openxmlformats.org/drawingml/2006/compatibility" xmlns:ns12="http://schemas.openxmlformats.org/drawingml/2006/lockedCanvas">
+<p:sldMaster xmlns:a="http://schemas.openxmlformats.org/drawingml/2006/main" xmlns:r="http://schemas.openxmlformats.org/officeDocument/2006/relationships" xmlns:p="http://schemas.openxmlformats.org/presentationml/2006/main" xmlns:mc="http://schemas.openxmlformats.org/markup-compatibility/2006" xmlns:c="http://schemas.openxmlformats.org/drawingml/2006/chart" xmlns:ns6="http://schemas.openxmlformats.org/drawingml/2006/chartDrawing" xmlns:dgm="http://schemas.openxmlformats.org/drawingml/2006/diagram" xmlns:pic="http://schemas.openxmlformats.org/drawingml/2006/picture" xmlns:wp="http://schemas.openxmlformats.org/drawingml/2006/wordprocessingDrawing" xmlns:xdr="http://schemas.openxmlformats.org/drawingml/2006/spreadsheetDrawing" xmlns:ns11="http://schemas.openxmlformats.org/drawingml/2006/compatibility" xmlns:ns12="http://schemas.openxmlformats.org/drawingml/2006/lockedCanvas">
   <p:cSld>
     <p:bg>
       <p:bgRef idx="1001">
@@ -2762,7 +2762,7 @@
 </file>
 
 <file path=ppt/slides/slide1.xml><?xml version="1.0" encoding="utf-8"?>
-<p:sld xmlns:r="http://schemas.openxmlformats.org/officeDocument/2006/relationships" xmlns:a="http://schemas.openxmlformats.org/drawingml/2006/main" xmlns:p="http://schemas.openxmlformats.org/presentationml/2006/main" xmlns:mc="http://schemas.openxmlformats.org/markup-compatibility/2006" xmlns:c="http://schemas.openxmlformats.org/drawingml/2006/chart" xmlns:ns6="http://schemas.openxmlformats.org/drawingml/2006/chartDrawing" xmlns:dgm="http://schemas.openxmlformats.org/drawingml/2006/diagram" xmlns:pic="http://schemas.openxmlformats.org/drawingml/2006/picture" xmlns:wp="http://schemas.openxmlformats.org/drawingml/2006/wordprocessingDrawing" xmlns:xdr="http://schemas.openxmlformats.org/drawingml/2006/spreadsheetDrawing" xmlns:ns11="http://schemas.openxmlformats.org/drawingml/2006/compatibility" xmlns:ns12="http://schemas.openxmlformats.org/drawingml/2006/lockedCanvas">
+<p:sld xmlns:a="http://schemas.openxmlformats.org/drawingml/2006/main" xmlns:r="http://schemas.openxmlformats.org/officeDocument/2006/relationships" xmlns:p="http://schemas.openxmlformats.org/presentationml/2006/main" xmlns:mc="http://schemas.openxmlformats.org/markup-compatibility/2006" xmlns:c="http://schemas.openxmlformats.org/drawingml/2006/chart" xmlns:ns6="http://schemas.openxmlformats.org/drawingml/2006/chartDrawing" xmlns:dgm="http://schemas.openxmlformats.org/drawingml/2006/diagram" xmlns:pic="http://schemas.openxmlformats.org/drawingml/2006/picture" xmlns:wp="http://schemas.openxmlformats.org/drawingml/2006/wordprocessingDrawing" xmlns:xdr="http://schemas.openxmlformats.org/drawingml/2006/spreadsheetDrawing" xmlns:ns11="http://schemas.openxmlformats.org/drawingml/2006/compatibility" xmlns:ns12="http://schemas.openxmlformats.org/drawingml/2006/lockedCanvas">
   <p:cSld>
     <p:spTree>
       <p:nvGrpSpPr>

--- a/articles/evg_example.pptx
+++ b/articles/evg_example.pptx
@@ -1,11 +1,11 @@
 
 <file path=ppt/presentation.xml><?xml version="1.0" encoding="utf-8"?>
-<p:presentation xmlns:a="http://schemas.openxmlformats.org/drawingml/2006/main" xmlns:r="http://schemas.openxmlformats.org/officeDocument/2006/relationships" xmlns:p="http://schemas.openxmlformats.org/presentationml/2006/main" xmlns:mc="http://schemas.openxmlformats.org/markup-compatibility/2006" xmlns:c="http://schemas.openxmlformats.org/drawingml/2006/chart" xmlns:ns6="http://schemas.openxmlformats.org/drawingml/2006/chartDrawing" xmlns:dgm="http://schemas.openxmlformats.org/drawingml/2006/diagram" xmlns:pic="http://schemas.openxmlformats.org/drawingml/2006/picture" xmlns:wp="http://schemas.openxmlformats.org/drawingml/2006/wordprocessingDrawing" xmlns:xdr="http://schemas.openxmlformats.org/drawingml/2006/spreadsheetDrawing" xmlns:ns11="http://schemas.openxmlformats.org/drawingml/2006/compatibility" xmlns:ns12="http://schemas.openxmlformats.org/drawingml/2006/lockedCanvas" saveSubsetFonts="true">
+<p:presentation xmlns:r="http://schemas.openxmlformats.org/officeDocument/2006/relationships" xmlns:a="http://schemas.openxmlformats.org/drawingml/2006/main" xmlns:p="http://schemas.openxmlformats.org/presentationml/2006/main" xmlns:mc="http://schemas.openxmlformats.org/markup-compatibility/2006" xmlns:c="http://schemas.openxmlformats.org/drawingml/2006/chart" xmlns:ns6="http://schemas.openxmlformats.org/drawingml/2006/chartDrawing" xmlns:dgm="http://schemas.openxmlformats.org/drawingml/2006/diagram" xmlns:pic="http://schemas.openxmlformats.org/drawingml/2006/picture" xmlns:wp="http://schemas.openxmlformats.org/drawingml/2006/wordprocessingDrawing" xmlns:xdr="http://schemas.openxmlformats.org/drawingml/2006/spreadsheetDrawing" xmlns:ns11="http://schemas.openxmlformats.org/drawingml/2006/compatibility" xmlns:ns12="http://schemas.openxmlformats.org/drawingml/2006/lockedCanvas" saveSubsetFonts="true">
   <p:sldMasterIdLst>
     <p:sldMasterId id="2147483648" r:id="rId1"/>
   </p:sldMasterIdLst>
   <p:sldIdLst>
-    <p:sldId id="454277209" r:id="rId6"/>
+    <p:sldId id="414980885" r:id="rId6"/>
   </p:sldIdLst>
   <p:sldSz cx="12192000" cy="6858000"/>
   <p:notesSz cx="6858000" cy="9144000"/>
@@ -113,7 +113,7 @@
 </file>
 
 <file path=ppt/slideLayouts/slideLayout1.xml><?xml version="1.0" encoding="utf-8"?>
-<p:sldLayout xmlns:a="http://schemas.openxmlformats.org/drawingml/2006/main" xmlns:r="http://schemas.openxmlformats.org/officeDocument/2006/relationships" xmlns:p="http://schemas.openxmlformats.org/presentationml/2006/main" xmlns:mc="http://schemas.openxmlformats.org/markup-compatibility/2006" xmlns:c="http://schemas.openxmlformats.org/drawingml/2006/chart" xmlns:ns6="http://schemas.openxmlformats.org/drawingml/2006/chartDrawing" xmlns:dgm="http://schemas.openxmlformats.org/drawingml/2006/diagram" xmlns:pic="http://schemas.openxmlformats.org/drawingml/2006/picture" xmlns:wp="http://schemas.openxmlformats.org/drawingml/2006/wordprocessingDrawing" xmlns:xdr="http://schemas.openxmlformats.org/drawingml/2006/spreadsheetDrawing" xmlns:ns11="http://schemas.openxmlformats.org/drawingml/2006/compatibility" xmlns:ns12="http://schemas.openxmlformats.org/drawingml/2006/lockedCanvas" type="title" preserve="true">
+<p:sldLayout xmlns:r="http://schemas.openxmlformats.org/officeDocument/2006/relationships" xmlns:a="http://schemas.openxmlformats.org/drawingml/2006/main" xmlns:p="http://schemas.openxmlformats.org/presentationml/2006/main" xmlns:mc="http://schemas.openxmlformats.org/markup-compatibility/2006" xmlns:c="http://schemas.openxmlformats.org/drawingml/2006/chart" xmlns:ns6="http://schemas.openxmlformats.org/drawingml/2006/chartDrawing" xmlns:dgm="http://schemas.openxmlformats.org/drawingml/2006/diagram" xmlns:pic="http://schemas.openxmlformats.org/drawingml/2006/picture" xmlns:wp="http://schemas.openxmlformats.org/drawingml/2006/wordprocessingDrawing" xmlns:xdr="http://schemas.openxmlformats.org/drawingml/2006/spreadsheetDrawing" xmlns:ns11="http://schemas.openxmlformats.org/drawingml/2006/compatibility" xmlns:ns12="http://schemas.openxmlformats.org/drawingml/2006/lockedCanvas" type="title" preserve="true">
   <p:cSld name="Title Slide">
     <p:spTree>
       <p:nvGrpSpPr>
@@ -312,7 +312,7 @@
 </file>
 
 <file path=ppt/slideLayouts/slideLayout10.xml><?xml version="1.0" encoding="utf-8"?>
-<p:sldLayout xmlns:a="http://schemas.openxmlformats.org/drawingml/2006/main" xmlns:r="http://schemas.openxmlformats.org/officeDocument/2006/relationships" xmlns:p="http://schemas.openxmlformats.org/presentationml/2006/main" xmlns:mc="http://schemas.openxmlformats.org/markup-compatibility/2006" xmlns:c="http://schemas.openxmlformats.org/drawingml/2006/chart" xmlns:ns6="http://schemas.openxmlformats.org/drawingml/2006/chartDrawing" xmlns:dgm="http://schemas.openxmlformats.org/drawingml/2006/diagram" xmlns:pic="http://schemas.openxmlformats.org/drawingml/2006/picture" xmlns:wp="http://schemas.openxmlformats.org/drawingml/2006/wordprocessingDrawing" xmlns:xdr="http://schemas.openxmlformats.org/drawingml/2006/spreadsheetDrawing" xmlns:ns11="http://schemas.openxmlformats.org/drawingml/2006/compatibility" xmlns:ns12="http://schemas.openxmlformats.org/drawingml/2006/lockedCanvas" type="vertTitleAndTx" preserve="true">
+<p:sldLayout xmlns:r="http://schemas.openxmlformats.org/officeDocument/2006/relationships" xmlns:a="http://schemas.openxmlformats.org/drawingml/2006/main" xmlns:p="http://schemas.openxmlformats.org/presentationml/2006/main" xmlns:mc="http://schemas.openxmlformats.org/markup-compatibility/2006" xmlns:c="http://schemas.openxmlformats.org/drawingml/2006/chart" xmlns:ns6="http://schemas.openxmlformats.org/drawingml/2006/chartDrawing" xmlns:dgm="http://schemas.openxmlformats.org/drawingml/2006/diagram" xmlns:pic="http://schemas.openxmlformats.org/drawingml/2006/picture" xmlns:wp="http://schemas.openxmlformats.org/drawingml/2006/wordprocessingDrawing" xmlns:xdr="http://schemas.openxmlformats.org/drawingml/2006/spreadsheetDrawing" xmlns:ns11="http://schemas.openxmlformats.org/drawingml/2006/compatibility" xmlns:ns12="http://schemas.openxmlformats.org/drawingml/2006/lockedCanvas" type="vertTitleAndTx" preserve="true">
   <p:cSld name="Vertical Title and Text">
     <p:spTree>
       <p:nvGrpSpPr>
@@ -499,7 +499,7 @@
 </file>
 
 <file path=ppt/slideLayouts/slideLayout2.xml><?xml version="1.0" encoding="utf-8"?>
-<p:sldLayout xmlns:a="http://schemas.openxmlformats.org/drawingml/2006/main" xmlns:r="http://schemas.openxmlformats.org/officeDocument/2006/relationships" xmlns:p="http://schemas.openxmlformats.org/presentationml/2006/main" xmlns:mc="http://schemas.openxmlformats.org/markup-compatibility/2006" xmlns:c="http://schemas.openxmlformats.org/drawingml/2006/chart" xmlns:ns6="http://schemas.openxmlformats.org/drawingml/2006/chartDrawing" xmlns:dgm="http://schemas.openxmlformats.org/drawingml/2006/diagram" xmlns:pic="http://schemas.openxmlformats.org/drawingml/2006/picture" xmlns:wp="http://schemas.openxmlformats.org/drawingml/2006/wordprocessingDrawing" xmlns:xdr="http://schemas.openxmlformats.org/drawingml/2006/spreadsheetDrawing" xmlns:ns11="http://schemas.openxmlformats.org/drawingml/2006/compatibility" xmlns:ns12="http://schemas.openxmlformats.org/drawingml/2006/lockedCanvas" type="obj" preserve="true">
+<p:sldLayout xmlns:r="http://schemas.openxmlformats.org/officeDocument/2006/relationships" xmlns:a="http://schemas.openxmlformats.org/drawingml/2006/main" xmlns:p="http://schemas.openxmlformats.org/presentationml/2006/main" xmlns:mc="http://schemas.openxmlformats.org/markup-compatibility/2006" xmlns:c="http://schemas.openxmlformats.org/drawingml/2006/chart" xmlns:ns6="http://schemas.openxmlformats.org/drawingml/2006/chartDrawing" xmlns:dgm="http://schemas.openxmlformats.org/drawingml/2006/diagram" xmlns:pic="http://schemas.openxmlformats.org/drawingml/2006/picture" xmlns:wp="http://schemas.openxmlformats.org/drawingml/2006/wordprocessingDrawing" xmlns:xdr="http://schemas.openxmlformats.org/drawingml/2006/spreadsheetDrawing" xmlns:ns11="http://schemas.openxmlformats.org/drawingml/2006/compatibility" xmlns:ns12="http://schemas.openxmlformats.org/drawingml/2006/lockedCanvas" type="obj" preserve="true">
   <p:cSld name="Title and Content">
     <p:spTree>
       <p:nvGrpSpPr>
@@ -681,7 +681,7 @@
 </file>
 
 <file path=ppt/slideLayouts/slideLayout3.xml><?xml version="1.0" encoding="utf-8"?>
-<p:sldLayout xmlns:a="http://schemas.openxmlformats.org/drawingml/2006/main" xmlns:r="http://schemas.openxmlformats.org/officeDocument/2006/relationships" xmlns:p="http://schemas.openxmlformats.org/presentationml/2006/main" xmlns:mc="http://schemas.openxmlformats.org/markup-compatibility/2006" xmlns:c="http://schemas.openxmlformats.org/drawingml/2006/chart" xmlns:ns6="http://schemas.openxmlformats.org/drawingml/2006/chartDrawing" xmlns:dgm="http://schemas.openxmlformats.org/drawingml/2006/diagram" xmlns:pic="http://schemas.openxmlformats.org/drawingml/2006/picture" xmlns:wp="http://schemas.openxmlformats.org/drawingml/2006/wordprocessingDrawing" xmlns:xdr="http://schemas.openxmlformats.org/drawingml/2006/spreadsheetDrawing" xmlns:ns11="http://schemas.openxmlformats.org/drawingml/2006/compatibility" xmlns:ns12="http://schemas.openxmlformats.org/drawingml/2006/lockedCanvas" type="secHead" preserve="true">
+<p:sldLayout xmlns:r="http://schemas.openxmlformats.org/officeDocument/2006/relationships" xmlns:a="http://schemas.openxmlformats.org/drawingml/2006/main" xmlns:p="http://schemas.openxmlformats.org/presentationml/2006/main" xmlns:mc="http://schemas.openxmlformats.org/markup-compatibility/2006" xmlns:c="http://schemas.openxmlformats.org/drawingml/2006/chart" xmlns:ns6="http://schemas.openxmlformats.org/drawingml/2006/chartDrawing" xmlns:dgm="http://schemas.openxmlformats.org/drawingml/2006/diagram" xmlns:pic="http://schemas.openxmlformats.org/drawingml/2006/picture" xmlns:wp="http://schemas.openxmlformats.org/drawingml/2006/wordprocessingDrawing" xmlns:xdr="http://schemas.openxmlformats.org/drawingml/2006/spreadsheetDrawing" xmlns:ns11="http://schemas.openxmlformats.org/drawingml/2006/compatibility" xmlns:ns12="http://schemas.openxmlformats.org/drawingml/2006/lockedCanvas" type="secHead" preserve="true">
   <p:cSld name="Section Header">
     <p:spTree>
       <p:nvGrpSpPr>
@@ -934,7 +934,7 @@
 </file>
 
 <file path=ppt/slideLayouts/slideLayout4.xml><?xml version="1.0" encoding="utf-8"?>
-<p:sldLayout xmlns:a="http://schemas.openxmlformats.org/drawingml/2006/main" xmlns:r="http://schemas.openxmlformats.org/officeDocument/2006/relationships" xmlns:p="http://schemas.openxmlformats.org/presentationml/2006/main" xmlns:mc="http://schemas.openxmlformats.org/markup-compatibility/2006" xmlns:c="http://schemas.openxmlformats.org/drawingml/2006/chart" xmlns:ns6="http://schemas.openxmlformats.org/drawingml/2006/chartDrawing" xmlns:dgm="http://schemas.openxmlformats.org/drawingml/2006/diagram" xmlns:pic="http://schemas.openxmlformats.org/drawingml/2006/picture" xmlns:wp="http://schemas.openxmlformats.org/drawingml/2006/wordprocessingDrawing" xmlns:xdr="http://schemas.openxmlformats.org/drawingml/2006/spreadsheetDrawing" xmlns:ns11="http://schemas.openxmlformats.org/drawingml/2006/compatibility" xmlns:ns12="http://schemas.openxmlformats.org/drawingml/2006/lockedCanvas" type="twoObj" preserve="true">
+<p:sldLayout xmlns:r="http://schemas.openxmlformats.org/officeDocument/2006/relationships" xmlns:a="http://schemas.openxmlformats.org/drawingml/2006/main" xmlns:p="http://schemas.openxmlformats.org/presentationml/2006/main" xmlns:mc="http://schemas.openxmlformats.org/markup-compatibility/2006" xmlns:c="http://schemas.openxmlformats.org/drawingml/2006/chart" xmlns:ns6="http://schemas.openxmlformats.org/drawingml/2006/chartDrawing" xmlns:dgm="http://schemas.openxmlformats.org/drawingml/2006/diagram" xmlns:pic="http://schemas.openxmlformats.org/drawingml/2006/picture" xmlns:wp="http://schemas.openxmlformats.org/drawingml/2006/wordprocessingDrawing" xmlns:xdr="http://schemas.openxmlformats.org/drawingml/2006/spreadsheetDrawing" xmlns:ns11="http://schemas.openxmlformats.org/drawingml/2006/compatibility" xmlns:ns12="http://schemas.openxmlformats.org/drawingml/2006/lockedCanvas" type="twoObj" preserve="true">
   <p:cSld name="Two Content">
     <p:spTree>
       <p:nvGrpSpPr>
@@ -1173,7 +1173,7 @@
 </file>
 
 <file path=ppt/slideLayouts/slideLayout5.xml><?xml version="1.0" encoding="utf-8"?>
-<p:sldLayout xmlns:a="http://schemas.openxmlformats.org/drawingml/2006/main" xmlns:r="http://schemas.openxmlformats.org/officeDocument/2006/relationships" xmlns:p="http://schemas.openxmlformats.org/presentationml/2006/main" xmlns:mc="http://schemas.openxmlformats.org/markup-compatibility/2006" xmlns:c="http://schemas.openxmlformats.org/drawingml/2006/chart" xmlns:ns6="http://schemas.openxmlformats.org/drawingml/2006/chartDrawing" xmlns:dgm="http://schemas.openxmlformats.org/drawingml/2006/diagram" xmlns:pic="http://schemas.openxmlformats.org/drawingml/2006/picture" xmlns:wp="http://schemas.openxmlformats.org/drawingml/2006/wordprocessingDrawing" xmlns:xdr="http://schemas.openxmlformats.org/drawingml/2006/spreadsheetDrawing" xmlns:ns11="http://schemas.openxmlformats.org/drawingml/2006/compatibility" xmlns:ns12="http://schemas.openxmlformats.org/drawingml/2006/lockedCanvas" type="twoTxTwoObj" preserve="true">
+<p:sldLayout xmlns:r="http://schemas.openxmlformats.org/officeDocument/2006/relationships" xmlns:a="http://schemas.openxmlformats.org/drawingml/2006/main" xmlns:p="http://schemas.openxmlformats.org/presentationml/2006/main" xmlns:mc="http://schemas.openxmlformats.org/markup-compatibility/2006" xmlns:c="http://schemas.openxmlformats.org/drawingml/2006/chart" xmlns:ns6="http://schemas.openxmlformats.org/drawingml/2006/chartDrawing" xmlns:dgm="http://schemas.openxmlformats.org/drawingml/2006/diagram" xmlns:pic="http://schemas.openxmlformats.org/drawingml/2006/picture" xmlns:wp="http://schemas.openxmlformats.org/drawingml/2006/wordprocessingDrawing" xmlns:xdr="http://schemas.openxmlformats.org/drawingml/2006/spreadsheetDrawing" xmlns:ns11="http://schemas.openxmlformats.org/drawingml/2006/compatibility" xmlns:ns12="http://schemas.openxmlformats.org/drawingml/2006/lockedCanvas" type="twoTxTwoObj" preserve="true">
   <p:cSld name="Comparison">
     <p:spTree>
       <p:nvGrpSpPr>
@@ -1528,7 +1528,7 @@
 </file>
 
 <file path=ppt/slideLayouts/slideLayout6.xml><?xml version="1.0" encoding="utf-8"?>
-<p:sldLayout xmlns:a="http://schemas.openxmlformats.org/drawingml/2006/main" xmlns:r="http://schemas.openxmlformats.org/officeDocument/2006/relationships" xmlns:p="http://schemas.openxmlformats.org/presentationml/2006/main" xmlns:mc="http://schemas.openxmlformats.org/markup-compatibility/2006" xmlns:c="http://schemas.openxmlformats.org/drawingml/2006/chart" xmlns:ns6="http://schemas.openxmlformats.org/drawingml/2006/chartDrawing" xmlns:dgm="http://schemas.openxmlformats.org/drawingml/2006/diagram" xmlns:pic="http://schemas.openxmlformats.org/drawingml/2006/picture" xmlns:wp="http://schemas.openxmlformats.org/drawingml/2006/wordprocessingDrawing" xmlns:xdr="http://schemas.openxmlformats.org/drawingml/2006/spreadsheetDrawing" xmlns:ns11="http://schemas.openxmlformats.org/drawingml/2006/compatibility" xmlns:ns12="http://schemas.openxmlformats.org/drawingml/2006/lockedCanvas" type="titleOnly" preserve="true">
+<p:sldLayout xmlns:r="http://schemas.openxmlformats.org/officeDocument/2006/relationships" xmlns:a="http://schemas.openxmlformats.org/drawingml/2006/main" xmlns:p="http://schemas.openxmlformats.org/presentationml/2006/main" xmlns:mc="http://schemas.openxmlformats.org/markup-compatibility/2006" xmlns:c="http://schemas.openxmlformats.org/drawingml/2006/chart" xmlns:ns6="http://schemas.openxmlformats.org/drawingml/2006/chartDrawing" xmlns:dgm="http://schemas.openxmlformats.org/drawingml/2006/diagram" xmlns:pic="http://schemas.openxmlformats.org/drawingml/2006/picture" xmlns:wp="http://schemas.openxmlformats.org/drawingml/2006/wordprocessingDrawing" xmlns:xdr="http://schemas.openxmlformats.org/drawingml/2006/spreadsheetDrawing" xmlns:ns11="http://schemas.openxmlformats.org/drawingml/2006/compatibility" xmlns:ns12="http://schemas.openxmlformats.org/drawingml/2006/lockedCanvas" type="titleOnly" preserve="true">
   <p:cSld name="Title Only">
     <p:spTree>
       <p:nvGrpSpPr>
@@ -1653,7 +1653,7 @@
 </file>
 
 <file path=ppt/slideLayouts/slideLayout7.xml><?xml version="1.0" encoding="utf-8"?>
-<p:sldLayout xmlns:a="http://schemas.openxmlformats.org/drawingml/2006/main" xmlns:r="http://schemas.openxmlformats.org/officeDocument/2006/relationships" xmlns:p="http://schemas.openxmlformats.org/presentationml/2006/main" xmlns:mc="http://schemas.openxmlformats.org/markup-compatibility/2006" xmlns:c="http://schemas.openxmlformats.org/drawingml/2006/chart" xmlns:ns6="http://schemas.openxmlformats.org/drawingml/2006/chartDrawing" xmlns:dgm="http://schemas.openxmlformats.org/drawingml/2006/diagram" xmlns:pic="http://schemas.openxmlformats.org/drawingml/2006/picture" xmlns:wp="http://schemas.openxmlformats.org/drawingml/2006/wordprocessingDrawing" xmlns:xdr="http://schemas.openxmlformats.org/drawingml/2006/spreadsheetDrawing" xmlns:ns11="http://schemas.openxmlformats.org/drawingml/2006/compatibility" xmlns:ns12="http://schemas.openxmlformats.org/drawingml/2006/lockedCanvas" type="blank" preserve="true">
+<p:sldLayout xmlns:r="http://schemas.openxmlformats.org/officeDocument/2006/relationships" xmlns:a="http://schemas.openxmlformats.org/drawingml/2006/main" xmlns:p="http://schemas.openxmlformats.org/presentationml/2006/main" xmlns:mc="http://schemas.openxmlformats.org/markup-compatibility/2006" xmlns:c="http://schemas.openxmlformats.org/drawingml/2006/chart" xmlns:ns6="http://schemas.openxmlformats.org/drawingml/2006/chartDrawing" xmlns:dgm="http://schemas.openxmlformats.org/drawingml/2006/diagram" xmlns:pic="http://schemas.openxmlformats.org/drawingml/2006/picture" xmlns:wp="http://schemas.openxmlformats.org/drawingml/2006/wordprocessingDrawing" xmlns:xdr="http://schemas.openxmlformats.org/drawingml/2006/spreadsheetDrawing" xmlns:ns11="http://schemas.openxmlformats.org/drawingml/2006/compatibility" xmlns:ns12="http://schemas.openxmlformats.org/drawingml/2006/lockedCanvas" type="blank" preserve="true">
   <p:cSld name="Blank">
     <p:spTree>
       <p:nvGrpSpPr>
@@ -1755,7 +1755,7 @@
 </file>
 
 <file path=ppt/slideLayouts/slideLayout8.xml><?xml version="1.0" encoding="utf-8"?>
-<p:sldLayout xmlns:a="http://schemas.openxmlformats.org/drawingml/2006/main" xmlns:r="http://schemas.openxmlformats.org/officeDocument/2006/relationships" xmlns:p="http://schemas.openxmlformats.org/presentationml/2006/main" xmlns:mc="http://schemas.openxmlformats.org/markup-compatibility/2006" xmlns:c="http://schemas.openxmlformats.org/drawingml/2006/chart" xmlns:ns6="http://schemas.openxmlformats.org/drawingml/2006/chartDrawing" xmlns:dgm="http://schemas.openxmlformats.org/drawingml/2006/diagram" xmlns:pic="http://schemas.openxmlformats.org/drawingml/2006/picture" xmlns:wp="http://schemas.openxmlformats.org/drawingml/2006/wordprocessingDrawing" xmlns:xdr="http://schemas.openxmlformats.org/drawingml/2006/spreadsheetDrawing" xmlns:ns11="http://schemas.openxmlformats.org/drawingml/2006/compatibility" xmlns:ns12="http://schemas.openxmlformats.org/drawingml/2006/lockedCanvas" type="objTx" preserve="true">
+<p:sldLayout xmlns:r="http://schemas.openxmlformats.org/officeDocument/2006/relationships" xmlns:a="http://schemas.openxmlformats.org/drawingml/2006/main" xmlns:p="http://schemas.openxmlformats.org/presentationml/2006/main" xmlns:mc="http://schemas.openxmlformats.org/markup-compatibility/2006" xmlns:c="http://schemas.openxmlformats.org/drawingml/2006/chart" xmlns:ns6="http://schemas.openxmlformats.org/drawingml/2006/chartDrawing" xmlns:dgm="http://schemas.openxmlformats.org/drawingml/2006/diagram" xmlns:pic="http://schemas.openxmlformats.org/drawingml/2006/picture" xmlns:wp="http://schemas.openxmlformats.org/drawingml/2006/wordprocessingDrawing" xmlns:xdr="http://schemas.openxmlformats.org/drawingml/2006/spreadsheetDrawing" xmlns:ns11="http://schemas.openxmlformats.org/drawingml/2006/compatibility" xmlns:ns12="http://schemas.openxmlformats.org/drawingml/2006/lockedCanvas" type="objTx" preserve="true">
   <p:cSld name="Content with Caption">
     <p:spTree>
       <p:nvGrpSpPr>
@@ -2039,7 +2039,7 @@
 </file>
 
 <file path=ppt/slideLayouts/slideLayout9.xml><?xml version="1.0" encoding="utf-8"?>
-<p:sldLayout xmlns:a="http://schemas.openxmlformats.org/drawingml/2006/main" xmlns:r="http://schemas.openxmlformats.org/officeDocument/2006/relationships" xmlns:p="http://schemas.openxmlformats.org/presentationml/2006/main" xmlns:mc="http://schemas.openxmlformats.org/markup-compatibility/2006" xmlns:c="http://schemas.openxmlformats.org/drawingml/2006/chart" xmlns:ns6="http://schemas.openxmlformats.org/drawingml/2006/chartDrawing" xmlns:dgm="http://schemas.openxmlformats.org/drawingml/2006/diagram" xmlns:pic="http://schemas.openxmlformats.org/drawingml/2006/picture" xmlns:wp="http://schemas.openxmlformats.org/drawingml/2006/wordprocessingDrawing" xmlns:xdr="http://schemas.openxmlformats.org/drawingml/2006/spreadsheetDrawing" xmlns:ns11="http://schemas.openxmlformats.org/drawingml/2006/compatibility" xmlns:ns12="http://schemas.openxmlformats.org/drawingml/2006/lockedCanvas" type="vertTx" preserve="true">
+<p:sldLayout xmlns:r="http://schemas.openxmlformats.org/officeDocument/2006/relationships" xmlns:a="http://schemas.openxmlformats.org/drawingml/2006/main" xmlns:p="http://schemas.openxmlformats.org/presentationml/2006/main" xmlns:mc="http://schemas.openxmlformats.org/markup-compatibility/2006" xmlns:c="http://schemas.openxmlformats.org/drawingml/2006/chart" xmlns:ns6="http://schemas.openxmlformats.org/drawingml/2006/chartDrawing" xmlns:dgm="http://schemas.openxmlformats.org/drawingml/2006/diagram" xmlns:pic="http://schemas.openxmlformats.org/drawingml/2006/picture" xmlns:wp="http://schemas.openxmlformats.org/drawingml/2006/wordprocessingDrawing" xmlns:xdr="http://schemas.openxmlformats.org/drawingml/2006/spreadsheetDrawing" xmlns:ns11="http://schemas.openxmlformats.org/drawingml/2006/compatibility" xmlns:ns12="http://schemas.openxmlformats.org/drawingml/2006/lockedCanvas" type="vertTx" preserve="true">
   <p:cSld name="Title and Vertical Text">
     <p:spTree>
       <p:nvGrpSpPr>
@@ -2216,7 +2216,7 @@
 </file>
 
 <file path=ppt/slideMasters/slideMaster1.xml><?xml version="1.0" encoding="utf-8"?>
-<p:sldMaster xmlns:a="http://schemas.openxmlformats.org/drawingml/2006/main" xmlns:r="http://schemas.openxmlformats.org/officeDocument/2006/relationships" xmlns:p="http://schemas.openxmlformats.org/presentationml/2006/main" xmlns:mc="http://schemas.openxmlformats.org/markup-compatibility/2006" xmlns:c="http://schemas.openxmlformats.org/drawingml/2006/chart" xmlns:ns6="http://schemas.openxmlformats.org/drawingml/2006/chartDrawing" xmlns:dgm="http://schemas.openxmlformats.org/drawingml/2006/diagram" xmlns:pic="http://schemas.openxmlformats.org/drawingml/2006/picture" xmlns:wp="http://schemas.openxmlformats.org/drawingml/2006/wordprocessingDrawing" xmlns:xdr="http://schemas.openxmlformats.org/drawingml/2006/spreadsheetDrawing" xmlns:ns11="http://schemas.openxmlformats.org/drawingml/2006/compatibility" xmlns:ns12="http://schemas.openxmlformats.org/drawingml/2006/lockedCanvas">
+<p:sldMaster xmlns:r="http://schemas.openxmlformats.org/officeDocument/2006/relationships" xmlns:a="http://schemas.openxmlformats.org/drawingml/2006/main" xmlns:p="http://schemas.openxmlformats.org/presentationml/2006/main" xmlns:mc="http://schemas.openxmlformats.org/markup-compatibility/2006" xmlns:c="http://schemas.openxmlformats.org/drawingml/2006/chart" xmlns:ns6="http://schemas.openxmlformats.org/drawingml/2006/chartDrawing" xmlns:dgm="http://schemas.openxmlformats.org/drawingml/2006/diagram" xmlns:pic="http://schemas.openxmlformats.org/drawingml/2006/picture" xmlns:wp="http://schemas.openxmlformats.org/drawingml/2006/wordprocessingDrawing" xmlns:xdr="http://schemas.openxmlformats.org/drawingml/2006/spreadsheetDrawing" xmlns:ns11="http://schemas.openxmlformats.org/drawingml/2006/compatibility" xmlns:ns12="http://schemas.openxmlformats.org/drawingml/2006/lockedCanvas">
   <p:cSld>
     <p:bg>
       <p:bgRef idx="1001">
@@ -2762,7 +2762,7 @@
 </file>
 
 <file path=ppt/slides/slide1.xml><?xml version="1.0" encoding="utf-8"?>
-<p:sld xmlns:a="http://schemas.openxmlformats.org/drawingml/2006/main" xmlns:r="http://schemas.openxmlformats.org/officeDocument/2006/relationships" xmlns:p="http://schemas.openxmlformats.org/presentationml/2006/main" xmlns:mc="http://schemas.openxmlformats.org/markup-compatibility/2006" xmlns:c="http://schemas.openxmlformats.org/drawingml/2006/chart" xmlns:ns6="http://schemas.openxmlformats.org/drawingml/2006/chartDrawing" xmlns:dgm="http://schemas.openxmlformats.org/drawingml/2006/diagram" xmlns:pic="http://schemas.openxmlformats.org/drawingml/2006/picture" xmlns:wp="http://schemas.openxmlformats.org/drawingml/2006/wordprocessingDrawing" xmlns:xdr="http://schemas.openxmlformats.org/drawingml/2006/spreadsheetDrawing" xmlns:ns11="http://schemas.openxmlformats.org/drawingml/2006/compatibility" xmlns:ns12="http://schemas.openxmlformats.org/drawingml/2006/lockedCanvas">
+<p:sld xmlns:r="http://schemas.openxmlformats.org/officeDocument/2006/relationships" xmlns:a="http://schemas.openxmlformats.org/drawingml/2006/main" xmlns:p="http://schemas.openxmlformats.org/presentationml/2006/main" xmlns:mc="http://schemas.openxmlformats.org/markup-compatibility/2006" xmlns:c="http://schemas.openxmlformats.org/drawingml/2006/chart" xmlns:ns6="http://schemas.openxmlformats.org/drawingml/2006/chartDrawing" xmlns:dgm="http://schemas.openxmlformats.org/drawingml/2006/diagram" xmlns:pic="http://schemas.openxmlformats.org/drawingml/2006/picture" xmlns:wp="http://schemas.openxmlformats.org/drawingml/2006/wordprocessingDrawing" xmlns:xdr="http://schemas.openxmlformats.org/drawingml/2006/spreadsheetDrawing" xmlns:ns11="http://schemas.openxmlformats.org/drawingml/2006/compatibility" xmlns:ns12="http://schemas.openxmlformats.org/drawingml/2006/lockedCanvas">
   <p:cSld>
     <p:spTree>
       <p:nvGrpSpPr>
@@ -2855,8 +2855,8 @@
           </p:nvSpPr>
           <p:spPr>
             <a:xfrm>
-              <a:off x="1211048" y="1895214"/>
-              <a:ext cx="3770605" cy="3894600"/>
+              <a:off x="1209741" y="1895214"/>
+              <a:ext cx="3779822" cy="3896187"/>
             </a:xfrm>
             <a:prstGeom prst="rect">
               <a:avLst/>
@@ -2881,21 +2881,21 @@
           </p:nvSpPr>
           <p:spPr>
             <a:xfrm>
-              <a:off x="1211048" y="5612786"/>
-              <a:ext cx="3770605" cy="0"/>
+              <a:off x="1209741" y="5614302"/>
+              <a:ext cx="3779822" cy="0"/>
             </a:xfrm>
             <a:custGeom>
               <a:avLst/>
               <a:pathLst>
-                <a:path w="3770605" h="0">
+                <a:path w="3779822" h="0">
                   <a:moveTo>
                     <a:pt x="0" y="0"/>
                   </a:moveTo>
                   <a:lnTo>
-                    <a:pt x="3770605" y="0"/>
+                    <a:pt x="3779822" y="0"/>
                   </a:lnTo>
                   <a:lnTo>
-                    <a:pt x="3770605" y="0"/>
+                    <a:pt x="3779822" y="0"/>
                   </a:lnTo>
                 </a:path>
               </a:pathLst>
@@ -2924,21 +2924,21 @@
           </p:nvSpPr>
           <p:spPr>
             <a:xfrm>
-              <a:off x="1211048" y="4412601"/>
-              <a:ext cx="3770605" cy="0"/>
+              <a:off x="1209741" y="4413628"/>
+              <a:ext cx="3779822" cy="0"/>
             </a:xfrm>
             <a:custGeom>
               <a:avLst/>
               <a:pathLst>
-                <a:path w="3770605" h="0">
+                <a:path w="3779822" h="0">
                   <a:moveTo>
                     <a:pt x="0" y="0"/>
                   </a:moveTo>
                   <a:lnTo>
-                    <a:pt x="3770605" y="0"/>
+                    <a:pt x="3779822" y="0"/>
                   </a:lnTo>
                   <a:lnTo>
-                    <a:pt x="3770605" y="0"/>
+                    <a:pt x="3779822" y="0"/>
                   </a:lnTo>
                 </a:path>
               </a:pathLst>
@@ -2967,21 +2967,21 @@
           </p:nvSpPr>
           <p:spPr>
             <a:xfrm>
-              <a:off x="1211048" y="3212417"/>
-              <a:ext cx="3770605" cy="0"/>
+              <a:off x="1209741" y="3212953"/>
+              <a:ext cx="3779822" cy="0"/>
             </a:xfrm>
             <a:custGeom>
               <a:avLst/>
               <a:pathLst>
-                <a:path w="3770605" h="0">
+                <a:path w="3779822" h="0">
                   <a:moveTo>
                     <a:pt x="0" y="0"/>
                   </a:moveTo>
                   <a:lnTo>
-                    <a:pt x="3770605" y="0"/>
+                    <a:pt x="3779822" y="0"/>
                   </a:lnTo>
                   <a:lnTo>
-                    <a:pt x="3770605" y="0"/>
+                    <a:pt x="3779822" y="0"/>
                   </a:lnTo>
                 </a:path>
               </a:pathLst>
@@ -3010,21 +3010,21 @@
           </p:nvSpPr>
           <p:spPr>
             <a:xfrm>
-              <a:off x="1211048" y="2012232"/>
-              <a:ext cx="3770605" cy="0"/>
+              <a:off x="1209741" y="2012279"/>
+              <a:ext cx="3779822" cy="0"/>
             </a:xfrm>
             <a:custGeom>
               <a:avLst/>
               <a:pathLst>
-                <a:path w="3770605" h="0">
+                <a:path w="3779822" h="0">
                   <a:moveTo>
                     <a:pt x="0" y="0"/>
                   </a:moveTo>
                   <a:lnTo>
-                    <a:pt x="3770605" y="0"/>
+                    <a:pt x="3779822" y="0"/>
                   </a:lnTo>
                   <a:lnTo>
-                    <a:pt x="3770605" y="0"/>
+                    <a:pt x="3779822" y="0"/>
                   </a:lnTo>
                 </a:path>
               </a:pathLst>
@@ -3053,15 +3053,15 @@
           </p:nvSpPr>
           <p:spPr>
             <a:xfrm>
-              <a:off x="1572874" y="1895214"/>
-              <a:ext cx="0" cy="3894600"/>
+              <a:off x="1572451" y="1895214"/>
+              <a:ext cx="0" cy="3896187"/>
             </a:xfrm>
             <a:custGeom>
               <a:avLst/>
               <a:pathLst>
-                <a:path w="0" h="3894600">
+                <a:path w="0" h="3896187">
                   <a:moveTo>
-                    <a:pt x="0" y="3894600"/>
+                    <a:pt x="0" y="3896187"/>
                   </a:moveTo>
                   <a:lnTo>
                     <a:pt x="0" y="0"/>
@@ -3096,15 +3096,15 @@
           </p:nvSpPr>
           <p:spPr>
             <a:xfrm>
-              <a:off x="2525047" y="1895214"/>
-              <a:ext cx="0" cy="3894600"/>
+              <a:off x="2526952" y="1895214"/>
+              <a:ext cx="0" cy="3896187"/>
             </a:xfrm>
             <a:custGeom>
               <a:avLst/>
               <a:pathLst>
-                <a:path w="0" h="3894600">
+                <a:path w="0" h="3896187">
                   <a:moveTo>
-                    <a:pt x="0" y="3894600"/>
+                    <a:pt x="0" y="3896187"/>
                   </a:moveTo>
                   <a:lnTo>
                     <a:pt x="0" y="0"/>
@@ -3139,15 +3139,15 @@
           </p:nvSpPr>
           <p:spPr>
             <a:xfrm>
-              <a:off x="3477221" y="1895214"/>
-              <a:ext cx="0" cy="3894600"/>
+              <a:off x="3481452" y="1895214"/>
+              <a:ext cx="0" cy="3896187"/>
             </a:xfrm>
             <a:custGeom>
               <a:avLst/>
               <a:pathLst>
-                <a:path w="0" h="3894600">
+                <a:path w="0" h="3896187">
                   <a:moveTo>
-                    <a:pt x="0" y="3894600"/>
+                    <a:pt x="0" y="3896187"/>
                   </a:moveTo>
                   <a:lnTo>
                     <a:pt x="0" y="0"/>
@@ -3182,15 +3182,15 @@
           </p:nvSpPr>
           <p:spPr>
             <a:xfrm>
-              <a:off x="4429394" y="1895214"/>
-              <a:ext cx="0" cy="3894600"/>
+              <a:off x="4435953" y="1895214"/>
+              <a:ext cx="0" cy="3896187"/>
             </a:xfrm>
             <a:custGeom>
               <a:avLst/>
               <a:pathLst>
-                <a:path w="0" h="3894600">
+                <a:path w="0" h="3896187">
                   <a:moveTo>
-                    <a:pt x="0" y="3894600"/>
+                    <a:pt x="0" y="3896187"/>
                   </a:moveTo>
                   <a:lnTo>
                     <a:pt x="0" y="0"/>
@@ -3225,21 +3225,21 @@
           </p:nvSpPr>
           <p:spPr>
             <a:xfrm>
-              <a:off x="1211048" y="5012694"/>
-              <a:ext cx="3770605" cy="0"/>
+              <a:off x="1209741" y="5013965"/>
+              <a:ext cx="3779822" cy="0"/>
             </a:xfrm>
             <a:custGeom>
               <a:avLst/>
               <a:pathLst>
-                <a:path w="3770605" h="0">
+                <a:path w="3779822" h="0">
                   <a:moveTo>
                     <a:pt x="0" y="0"/>
                   </a:moveTo>
                   <a:lnTo>
-                    <a:pt x="3770605" y="0"/>
+                    <a:pt x="3779822" y="0"/>
                   </a:lnTo>
                   <a:lnTo>
-                    <a:pt x="3770605" y="0"/>
+                    <a:pt x="3779822" y="0"/>
                   </a:lnTo>
                 </a:path>
               </a:pathLst>
@@ -3268,21 +3268,21 @@
           </p:nvSpPr>
           <p:spPr>
             <a:xfrm>
-              <a:off x="1211048" y="3812509"/>
-              <a:ext cx="3770605" cy="0"/>
+              <a:off x="1209741" y="3813290"/>
+              <a:ext cx="3779822" cy="0"/>
             </a:xfrm>
             <a:custGeom>
               <a:avLst/>
               <a:pathLst>
-                <a:path w="3770605" h="0">
+                <a:path w="3779822" h="0">
                   <a:moveTo>
                     <a:pt x="0" y="0"/>
                   </a:moveTo>
                   <a:lnTo>
-                    <a:pt x="3770605" y="0"/>
+                    <a:pt x="3779822" y="0"/>
                   </a:lnTo>
                   <a:lnTo>
-                    <a:pt x="3770605" y="0"/>
+                    <a:pt x="3779822" y="0"/>
                   </a:lnTo>
                 </a:path>
               </a:pathLst>
@@ -3311,21 +3311,21 @@
           </p:nvSpPr>
           <p:spPr>
             <a:xfrm>
-              <a:off x="1211048" y="2612324"/>
-              <a:ext cx="3770605" cy="0"/>
+              <a:off x="1209741" y="2612616"/>
+              <a:ext cx="3779822" cy="0"/>
             </a:xfrm>
             <a:custGeom>
               <a:avLst/>
               <a:pathLst>
-                <a:path w="3770605" h="0">
+                <a:path w="3779822" h="0">
                   <a:moveTo>
                     <a:pt x="0" y="0"/>
                   </a:moveTo>
                   <a:lnTo>
-                    <a:pt x="3770605" y="0"/>
+                    <a:pt x="3779822" y="0"/>
                   </a:lnTo>
                   <a:lnTo>
-                    <a:pt x="3770605" y="0"/>
+                    <a:pt x="3779822" y="0"/>
                   </a:lnTo>
                 </a:path>
               </a:pathLst>
@@ -3354,15 +3354,15 @@
           </p:nvSpPr>
           <p:spPr>
             <a:xfrm>
-              <a:off x="2048961" y="1895214"/>
-              <a:ext cx="0" cy="3894600"/>
+              <a:off x="2049701" y="1895214"/>
+              <a:ext cx="0" cy="3896187"/>
             </a:xfrm>
             <a:custGeom>
               <a:avLst/>
               <a:pathLst>
-                <a:path w="0" h="3894600">
+                <a:path w="0" h="3896187">
                   <a:moveTo>
-                    <a:pt x="0" y="3894600"/>
+                    <a:pt x="0" y="3896187"/>
                   </a:moveTo>
                   <a:lnTo>
                     <a:pt x="0" y="0"/>
@@ -3397,15 +3397,15 @@
           </p:nvSpPr>
           <p:spPr>
             <a:xfrm>
-              <a:off x="3001134" y="1895214"/>
-              <a:ext cx="0" cy="3894600"/>
+              <a:off x="3004202" y="1895214"/>
+              <a:ext cx="0" cy="3896187"/>
             </a:xfrm>
             <a:custGeom>
               <a:avLst/>
               <a:pathLst>
-                <a:path w="0" h="3894600">
+                <a:path w="0" h="3896187">
                   <a:moveTo>
-                    <a:pt x="0" y="3894600"/>
+                    <a:pt x="0" y="3896187"/>
                   </a:moveTo>
                   <a:lnTo>
                     <a:pt x="0" y="0"/>
@@ -3440,15 +3440,15 @@
           </p:nvSpPr>
           <p:spPr>
             <a:xfrm>
-              <a:off x="3953307" y="1895214"/>
-              <a:ext cx="0" cy="3894600"/>
+              <a:off x="3958703" y="1895214"/>
+              <a:ext cx="0" cy="3896187"/>
             </a:xfrm>
             <a:custGeom>
               <a:avLst/>
               <a:pathLst>
-                <a:path w="0" h="3894600">
+                <a:path w="0" h="3896187">
                   <a:moveTo>
-                    <a:pt x="0" y="3894600"/>
+                    <a:pt x="0" y="3896187"/>
                   </a:moveTo>
                   <a:lnTo>
                     <a:pt x="0" y="0"/>
@@ -3483,15 +3483,15 @@
           </p:nvSpPr>
           <p:spPr>
             <a:xfrm>
-              <a:off x="4905481" y="1895214"/>
-              <a:ext cx="0" cy="3894600"/>
+              <a:off x="4913203" y="1895214"/>
+              <a:ext cx="0" cy="3896187"/>
             </a:xfrm>
             <a:custGeom>
               <a:avLst/>
               <a:pathLst>
-                <a:path w="0" h="3894600">
+                <a:path w="0" h="3896187">
                   <a:moveTo>
-                    <a:pt x="0" y="3894600"/>
+                    <a:pt x="0" y="3896187"/>
                   </a:moveTo>
                   <a:lnTo>
                     <a:pt x="0" y="0"/>
@@ -3526,7 +3526,7 @@
           </p:nvSpPr>
           <p:spPr>
             <a:xfrm>
-              <a:off x="2112298" y="5340869"/>
+              <a:off x="2113271" y="5342286"/>
               <a:ext cx="63761" cy="63761"/>
             </a:xfrm>
             <a:prstGeom prst="ellipse">
@@ -3561,7 +3561,7 @@
           </p:nvSpPr>
           <p:spPr>
             <a:xfrm>
-              <a:off x="1921863" y="5340869"/>
+              <a:off x="1922371" y="5342286"/>
               <a:ext cx="63761" cy="63761"/>
             </a:xfrm>
             <a:prstGeom prst="ellipse">
@@ -3596,7 +3596,7 @@
           </p:nvSpPr>
           <p:spPr>
             <a:xfrm>
-              <a:off x="1731428" y="5400878"/>
+              <a:off x="1731471" y="5402320"/>
               <a:ext cx="63761" cy="63761"/>
             </a:xfrm>
             <a:prstGeom prst="ellipse">
@@ -3631,7 +3631,7 @@
           </p:nvSpPr>
           <p:spPr>
             <a:xfrm>
-              <a:off x="1636211" y="5280859"/>
+              <a:off x="1636021" y="5282253"/>
               <a:ext cx="63761" cy="63761"/>
             </a:xfrm>
             <a:prstGeom prst="ellipse">
@@ -3666,7 +3666,7 @@
           </p:nvSpPr>
           <p:spPr>
             <a:xfrm>
-              <a:off x="2017080" y="5340869"/>
+              <a:off x="2017821" y="5342286"/>
               <a:ext cx="63761" cy="63761"/>
             </a:xfrm>
             <a:prstGeom prst="ellipse">
@@ -3701,7 +3701,7 @@
           </p:nvSpPr>
           <p:spPr>
             <a:xfrm>
-              <a:off x="2387825" y="5150717"/>
+              <a:off x="2389497" y="5152061"/>
               <a:ext cx="84009" cy="84009"/>
             </a:xfrm>
             <a:prstGeom prst="ellipse">
@@ -3736,7 +3736,7 @@
           </p:nvSpPr>
           <p:spPr>
             <a:xfrm>
-              <a:off x="1630482" y="5335140"/>
+              <a:off x="1630292" y="5336558"/>
               <a:ext cx="75218" cy="75218"/>
             </a:xfrm>
             <a:prstGeom prst="ellipse">
@@ -3771,7 +3771,7 @@
           </p:nvSpPr>
           <p:spPr>
             <a:xfrm>
-              <a:off x="2017080" y="5280859"/>
+              <a:off x="2017821" y="5282253"/>
               <a:ext cx="63761" cy="63761"/>
             </a:xfrm>
             <a:prstGeom prst="ellipse">
@@ -3806,7 +3806,7 @@
           </p:nvSpPr>
           <p:spPr>
             <a:xfrm>
-              <a:off x="1445776" y="5340869"/>
+              <a:off x="1445120" y="5342286"/>
               <a:ext cx="63761" cy="63761"/>
             </a:xfrm>
             <a:prstGeom prst="ellipse">
@@ -3841,7 +3841,7 @@
           </p:nvSpPr>
           <p:spPr>
             <a:xfrm>
-              <a:off x="1935693" y="5294690"/>
+              <a:off x="1936201" y="5296083"/>
               <a:ext cx="36101" cy="36101"/>
             </a:xfrm>
             <a:prstGeom prst="ellipse">
@@ -3876,7 +3876,7 @@
           </p:nvSpPr>
           <p:spPr>
             <a:xfrm>
-              <a:off x="2397949" y="5280859"/>
+              <a:off x="2399621" y="5282253"/>
               <a:ext cx="63761" cy="63761"/>
             </a:xfrm>
             <a:prstGeom prst="ellipse">
@@ -3911,7 +3911,7 @@
           </p:nvSpPr>
           <p:spPr>
             <a:xfrm>
-              <a:off x="1826646" y="5220850"/>
+              <a:off x="1826921" y="5222219"/>
               <a:ext cx="63761" cy="63761"/>
             </a:xfrm>
             <a:prstGeom prst="ellipse">
@@ -3946,7 +3946,7 @@
           </p:nvSpPr>
           <p:spPr>
             <a:xfrm>
-              <a:off x="1840476" y="5354699"/>
+              <a:off x="1840751" y="5356116"/>
               <a:ext cx="36101" cy="36101"/>
             </a:xfrm>
             <a:prstGeom prst="ellipse">
@@ -3981,7 +3981,7 @@
           </p:nvSpPr>
           <p:spPr>
             <a:xfrm>
-              <a:off x="1364389" y="5534727"/>
+              <a:off x="1363500" y="5536217"/>
               <a:ext cx="36101" cy="36101"/>
             </a:xfrm>
             <a:prstGeom prst="ellipse">
@@ -4016,7 +4016,7 @@
           </p:nvSpPr>
           <p:spPr>
             <a:xfrm>
-              <a:off x="2778819" y="5460887"/>
+              <a:off x="2781421" y="5462354"/>
               <a:ext cx="63761" cy="63761"/>
             </a:xfrm>
             <a:prstGeom prst="ellipse">
@@ -4051,7 +4051,7 @@
           </p:nvSpPr>
           <p:spPr>
             <a:xfrm>
-              <a:off x="2673477" y="5270735"/>
+              <a:off x="2675847" y="5272128"/>
               <a:ext cx="84009" cy="84009"/>
             </a:xfrm>
             <a:prstGeom prst="ellipse">
@@ -4086,7 +4086,7 @@
           </p:nvSpPr>
           <p:spPr>
             <a:xfrm>
-              <a:off x="2387825" y="5390754"/>
+              <a:off x="2389497" y="5392196"/>
               <a:ext cx="84009" cy="84009"/>
             </a:xfrm>
             <a:prstGeom prst="ellipse">
@@ -4121,7 +4121,7 @@
           </p:nvSpPr>
           <p:spPr>
             <a:xfrm>
-              <a:off x="2106569" y="5335140"/>
+              <a:off x="2107542" y="5336558"/>
               <a:ext cx="75218" cy="75218"/>
             </a:xfrm>
             <a:prstGeom prst="ellipse">
@@ -4156,7 +4156,7 @@
           </p:nvSpPr>
           <p:spPr>
             <a:xfrm>
-              <a:off x="2677873" y="5155112"/>
+              <a:off x="2680243" y="5156456"/>
               <a:ext cx="75218" cy="75218"/>
             </a:xfrm>
             <a:prstGeom prst="ellipse">
@@ -4191,7 +4191,7 @@
           </p:nvSpPr>
           <p:spPr>
             <a:xfrm>
-              <a:off x="2106569" y="5275131"/>
+              <a:off x="2107542" y="5276524"/>
               <a:ext cx="75218" cy="75218"/>
             </a:xfrm>
             <a:prstGeom prst="ellipse">
@@ -4226,7 +4226,7 @@
           </p:nvSpPr>
           <p:spPr>
             <a:xfrm>
-              <a:off x="2397949" y="5160841"/>
+              <a:off x="2399621" y="5162185"/>
               <a:ext cx="63761" cy="63761"/>
             </a:xfrm>
             <a:prstGeom prst="ellipse">
@@ -4261,7 +4261,7 @@
           </p:nvSpPr>
           <p:spPr>
             <a:xfrm>
-              <a:off x="2102173" y="5270735"/>
+              <a:off x="2103147" y="5272128"/>
               <a:ext cx="84009" cy="84009"/>
             </a:xfrm>
             <a:prstGeom prst="ellipse">
@@ -4296,7 +4296,7 @@
           </p:nvSpPr>
           <p:spPr>
             <a:xfrm>
-              <a:off x="1636211" y="5580906"/>
+              <a:off x="1636021" y="5582421"/>
               <a:ext cx="63761" cy="63761"/>
             </a:xfrm>
             <a:prstGeom prst="ellipse">
@@ -4331,7 +4331,7 @@
           </p:nvSpPr>
           <p:spPr>
             <a:xfrm>
-              <a:off x="2098467" y="5147011"/>
+              <a:off x="2099441" y="5148355"/>
               <a:ext cx="91421" cy="91421"/>
             </a:xfrm>
             <a:prstGeom prst="ellipse">
@@ -4366,7 +4366,7 @@
           </p:nvSpPr>
           <p:spPr>
             <a:xfrm>
-              <a:off x="1826646" y="5040822"/>
+              <a:off x="1826921" y="5042118"/>
               <a:ext cx="63761" cy="63761"/>
             </a:xfrm>
             <a:prstGeom prst="ellipse">
@@ -4401,7 +4401,7 @@
           </p:nvSpPr>
           <p:spPr>
             <a:xfrm>
-              <a:off x="2017080" y="5220850"/>
+              <a:off x="2017821" y="5222219"/>
               <a:ext cx="63761" cy="63761"/>
             </a:xfrm>
             <a:prstGeom prst="ellipse">
@@ -4436,7 +4436,7 @@
           </p:nvSpPr>
           <p:spPr>
             <a:xfrm>
-              <a:off x="2006956" y="5210726"/>
+              <a:off x="2007696" y="5212095"/>
               <a:ext cx="84009" cy="84009"/>
             </a:xfrm>
             <a:prstGeom prst="ellipse">
@@ -4471,7 +4471,7 @@
           </p:nvSpPr>
           <p:spPr>
             <a:xfrm>
-              <a:off x="2207515" y="5280859"/>
+              <a:off x="2208721" y="5282253"/>
               <a:ext cx="63761" cy="63761"/>
             </a:xfrm>
             <a:prstGeom prst="ellipse">
@@ -4506,7 +4506,7 @@
           </p:nvSpPr>
           <p:spPr>
             <a:xfrm>
-              <a:off x="2207515" y="5340869"/>
+              <a:off x="2208721" y="5342286"/>
               <a:ext cx="63761" cy="63761"/>
             </a:xfrm>
             <a:prstGeom prst="ellipse">
@@ -4541,7 +4541,7 @@
           </p:nvSpPr>
           <p:spPr>
             <a:xfrm>
-              <a:off x="1731428" y="5220850"/>
+              <a:off x="1731471" y="5222219"/>
               <a:ext cx="63761" cy="63761"/>
             </a:xfrm>
             <a:prstGeom prst="ellipse">
@@ -4576,7 +4576,7 @@
           </p:nvSpPr>
           <p:spPr>
             <a:xfrm>
-              <a:off x="1826646" y="5220850"/>
+              <a:off x="1826921" y="5222219"/>
               <a:ext cx="63761" cy="63761"/>
             </a:xfrm>
             <a:prstGeom prst="ellipse">
@@ -4611,7 +4611,7 @@
           </p:nvSpPr>
           <p:spPr>
             <a:xfrm>
-              <a:off x="2387825" y="5270735"/>
+              <a:off x="2389497" y="5272128"/>
               <a:ext cx="84009" cy="84009"/>
             </a:xfrm>
             <a:prstGeom prst="ellipse">
@@ -4646,7 +4646,7 @@
           </p:nvSpPr>
           <p:spPr>
             <a:xfrm>
-              <a:off x="2221345" y="5294690"/>
+              <a:off x="2222551" y="5296083"/>
               <a:ext cx="36101" cy="36101"/>
             </a:xfrm>
             <a:prstGeom prst="ellipse">
@@ -4681,7 +4681,7 @@
           </p:nvSpPr>
           <p:spPr>
             <a:xfrm>
-              <a:off x="2493167" y="5340869"/>
+              <a:off x="2495071" y="5342286"/>
               <a:ext cx="63761" cy="63761"/>
             </a:xfrm>
             <a:prstGeom prst="ellipse">
@@ -4716,7 +4716,7 @@
           </p:nvSpPr>
           <p:spPr>
             <a:xfrm>
-              <a:off x="1921863" y="5280859"/>
+              <a:off x="1922371" y="5282253"/>
               <a:ext cx="63761" cy="63761"/>
             </a:xfrm>
             <a:prstGeom prst="ellipse">
@@ -4751,7 +4751,7 @@
           </p:nvSpPr>
           <p:spPr>
             <a:xfrm>
-              <a:off x="2017080" y="5460887"/>
+              <a:off x="2017821" y="5462354"/>
               <a:ext cx="63761" cy="63761"/>
             </a:xfrm>
             <a:prstGeom prst="ellipse">
@@ -4786,7 +4786,7 @@
           </p:nvSpPr>
           <p:spPr>
             <a:xfrm>
-              <a:off x="2493167" y="5400878"/>
+              <a:off x="2495071" y="5402320"/>
               <a:ext cx="63761" cy="63761"/>
             </a:xfrm>
             <a:prstGeom prst="ellipse">
@@ -4821,7 +4821,7 @@
           </p:nvSpPr>
           <p:spPr>
             <a:xfrm>
-              <a:off x="1935693" y="5354699"/>
+              <a:off x="1936201" y="5356116"/>
               <a:ext cx="36101" cy="36101"/>
             </a:xfrm>
             <a:prstGeom prst="ellipse">
@@ -4856,7 +4856,7 @@
           </p:nvSpPr>
           <p:spPr>
             <a:xfrm>
-              <a:off x="1445776" y="5400878"/>
+              <a:off x="1445120" y="5402320"/>
               <a:ext cx="63761" cy="63761"/>
             </a:xfrm>
             <a:prstGeom prst="ellipse">
@@ -4891,7 +4891,7 @@
           </p:nvSpPr>
           <p:spPr>
             <a:xfrm>
-              <a:off x="2112298" y="5280859"/>
+              <a:off x="2113271" y="5282253"/>
               <a:ext cx="63761" cy="63761"/>
             </a:xfrm>
             <a:prstGeom prst="ellipse">
@@ -4926,7 +4926,7 @@
           </p:nvSpPr>
           <p:spPr>
             <a:xfrm>
-              <a:off x="2011352" y="5395149"/>
+              <a:off x="2012092" y="5396591"/>
               <a:ext cx="75218" cy="75218"/>
             </a:xfrm>
             <a:prstGeom prst="ellipse">
@@ -4961,7 +4961,7 @@
           </p:nvSpPr>
           <p:spPr>
             <a:xfrm>
-              <a:off x="1535265" y="5395149"/>
+              <a:off x="1534842" y="5396591"/>
               <a:ext cx="75218" cy="75218"/>
             </a:xfrm>
             <a:prstGeom prst="ellipse">
@@ -4996,7 +4996,7 @@
           </p:nvSpPr>
           <p:spPr>
             <a:xfrm>
-              <a:off x="1445776" y="5400878"/>
+              <a:off x="1445120" y="5402320"/>
               <a:ext cx="63761" cy="63761"/>
             </a:xfrm>
             <a:prstGeom prst="ellipse">
@@ -5031,7 +5031,7 @@
           </p:nvSpPr>
           <p:spPr>
             <a:xfrm>
-              <a:off x="1999985" y="5203755"/>
+              <a:off x="2000726" y="5205124"/>
               <a:ext cx="97951" cy="97951"/>
             </a:xfrm>
             <a:prstGeom prst="ellipse">
@@ -5066,7 +5066,7 @@
           </p:nvSpPr>
           <p:spPr>
             <a:xfrm>
-              <a:off x="2102173" y="5030698"/>
+              <a:off x="2103147" y="5031993"/>
               <a:ext cx="84009" cy="84009"/>
             </a:xfrm>
             <a:prstGeom prst="ellipse">
@@ -5101,7 +5101,7 @@
           </p:nvSpPr>
           <p:spPr>
             <a:xfrm>
-              <a:off x="1820917" y="5335140"/>
+              <a:off x="1821192" y="5336558"/>
               <a:ext cx="75218" cy="75218"/>
             </a:xfrm>
             <a:prstGeom prst="ellipse">
@@ -5136,7 +5136,7 @@
           </p:nvSpPr>
           <p:spPr>
             <a:xfrm>
-              <a:off x="2112298" y="5220850"/>
+              <a:off x="2113271" y="5222219"/>
               <a:ext cx="63761" cy="63761"/>
             </a:xfrm>
             <a:prstGeom prst="ellipse">
@@ -5171,7 +5171,7 @@
           </p:nvSpPr>
           <p:spPr>
             <a:xfrm>
-              <a:off x="1636211" y="5340869"/>
+              <a:off x="1636021" y="5342286"/>
               <a:ext cx="63761" cy="63761"/>
             </a:xfrm>
             <a:prstGeom prst="ellipse">
@@ -5206,7 +5206,7 @@
           </p:nvSpPr>
           <p:spPr>
             <a:xfrm>
-              <a:off x="2302732" y="5280859"/>
+              <a:off x="2304171" y="5282253"/>
               <a:ext cx="63761" cy="63761"/>
             </a:xfrm>
             <a:prstGeom prst="ellipse">
@@ -5241,7 +5241,7 @@
           </p:nvSpPr>
           <p:spPr>
             <a:xfrm>
-              <a:off x="2017080" y="5340869"/>
+              <a:off x="2017821" y="5342286"/>
               <a:ext cx="63761" cy="63761"/>
             </a:xfrm>
             <a:prstGeom prst="ellipse">
@@ -5276,7 +5276,7 @@
           </p:nvSpPr>
           <p:spPr>
             <a:xfrm>
-              <a:off x="3885392" y="3324529"/>
+              <a:off x="3890787" y="3325139"/>
               <a:ext cx="135831" cy="135831"/>
             </a:xfrm>
             <a:prstGeom prst="ellipse">
@@ -5311,7 +5311,7 @@
           </p:nvSpPr>
           <p:spPr>
             <a:xfrm>
-              <a:off x="3312205" y="3442665"/>
+              <a:off x="3316204" y="3443324"/>
               <a:ext cx="139595" cy="139595"/>
             </a:xfrm>
             <a:prstGeom prst="ellipse">
@@ -5346,7 +5346,7 @@
           </p:nvSpPr>
           <p:spPr>
             <a:xfrm>
-              <a:off x="3788292" y="3202628"/>
+              <a:off x="3793455" y="3203189"/>
               <a:ext cx="139595" cy="139595"/>
             </a:xfrm>
             <a:prstGeom prst="ellipse">
@@ -5381,7 +5381,7 @@
           </p:nvSpPr>
           <p:spPr>
             <a:xfrm>
-              <a:off x="2459088" y="3746550"/>
+              <a:off x="2460992" y="3747331"/>
               <a:ext cx="131918" cy="131918"/>
             </a:xfrm>
             <a:prstGeom prst="ellipse">
@@ -5416,7 +5416,7 @@
           </p:nvSpPr>
           <p:spPr>
             <a:xfrm>
-              <a:off x="3407423" y="3382656"/>
+              <a:off x="3411654" y="3383290"/>
               <a:ext cx="139595" cy="139595"/>
             </a:xfrm>
             <a:prstGeom prst="ellipse">
@@ -5451,7 +5451,7 @@
           </p:nvSpPr>
           <p:spPr>
             <a:xfrm>
-              <a:off x="2649523" y="3446503"/>
+              <a:off x="2651893" y="3447163"/>
               <a:ext cx="131918" cy="131918"/>
             </a:xfrm>
             <a:prstGeom prst="ellipse">
@@ -5486,7 +5486,7 @@
           </p:nvSpPr>
           <p:spPr>
             <a:xfrm>
-              <a:off x="3215172" y="3320830"/>
+              <a:off x="3218938" y="3321440"/>
               <a:ext cx="143228" cy="143228"/>
             </a:xfrm>
             <a:prstGeom prst="ellipse">
@@ -5521,7 +5521,7 @@
           </p:nvSpPr>
           <p:spPr>
             <a:xfrm>
-              <a:off x="1894203" y="4173033"/>
+              <a:off x="1894711" y="4173986"/>
               <a:ext cx="119081" cy="119081"/>
             </a:xfrm>
             <a:prstGeom prst="ellipse">
@@ -5556,7 +5556,7 @@
           </p:nvSpPr>
           <p:spPr>
             <a:xfrm>
-              <a:off x="3506479" y="3386494"/>
+              <a:off x="3510943" y="3387129"/>
               <a:ext cx="131918" cy="131918"/>
             </a:xfrm>
             <a:prstGeom prst="ellipse">
@@ -5591,7 +5591,7 @@
           </p:nvSpPr>
           <p:spPr>
             <a:xfrm>
-              <a:off x="2171480" y="3804603"/>
+              <a:off x="2172686" y="3805409"/>
               <a:ext cx="135831" cy="135831"/>
             </a:xfrm>
             <a:prstGeom prst="ellipse">
@@ -5626,7 +5626,7 @@
           </p:nvSpPr>
           <p:spPr>
             <a:xfrm>
-              <a:off x="1989420" y="4053014"/>
+              <a:off x="1990161" y="4053918"/>
               <a:ext cx="119081" cy="119081"/>
             </a:xfrm>
             <a:prstGeom prst="ellipse">
@@ -5661,7 +5661,7 @@
           </p:nvSpPr>
           <p:spPr>
             <a:xfrm>
-              <a:off x="2836119" y="3622693"/>
+              <a:off x="2838954" y="3623425"/>
               <a:ext cx="139595" cy="139595"/>
             </a:xfrm>
             <a:prstGeom prst="ellipse">
@@ -5696,7 +5696,7 @@
           </p:nvSpPr>
           <p:spPr>
             <a:xfrm>
-              <a:off x="2941593" y="3752968"/>
+              <a:off x="2944661" y="3753750"/>
               <a:ext cx="119081" cy="119081"/>
             </a:xfrm>
             <a:prstGeom prst="ellipse">
@@ -5731,7 +5731,7 @@
           </p:nvSpPr>
           <p:spPr>
             <a:xfrm>
-              <a:off x="3028436" y="3324529"/>
+              <a:off x="3031736" y="3325139"/>
               <a:ext cx="135831" cy="135831"/>
             </a:xfrm>
             <a:prstGeom prst="ellipse">
@@ -5766,7 +5766,7 @@
           </p:nvSpPr>
           <p:spPr>
             <a:xfrm>
-              <a:off x="2554305" y="3986587"/>
+              <a:off x="2556442" y="3987466"/>
               <a:ext cx="131918" cy="131918"/>
             </a:xfrm>
             <a:prstGeom prst="ellipse">
@@ -5801,7 +5801,7 @@
           </p:nvSpPr>
           <p:spPr>
             <a:xfrm>
-              <a:off x="3599740" y="3504556"/>
+              <a:off x="3604437" y="3505240"/>
               <a:ext cx="135831" cy="135831"/>
             </a:xfrm>
             <a:prstGeom prst="ellipse">
@@ -5836,7 +5836,7 @@
           </p:nvSpPr>
           <p:spPr>
             <a:xfrm>
-              <a:off x="2550467" y="3442665"/>
+              <a:off x="2552604" y="3443324"/>
               <a:ext cx="139595" cy="139595"/>
             </a:xfrm>
             <a:prstGeom prst="ellipse">
@@ -5871,7 +5871,7 @@
           </p:nvSpPr>
           <p:spPr>
             <a:xfrm>
-              <a:off x="2751159" y="3692959"/>
+              <a:off x="2753761" y="3693716"/>
               <a:ext cx="119081" cy="119081"/>
             </a:xfrm>
             <a:prstGeom prst="ellipse">
@@ -5906,7 +5906,7 @@
           </p:nvSpPr>
           <p:spPr>
             <a:xfrm>
-              <a:off x="3121771" y="3442665"/>
+              <a:off x="3125304" y="3443324"/>
               <a:ext cx="139595" cy="139595"/>
             </a:xfrm>
             <a:prstGeom prst="ellipse">
@@ -5941,7 +5941,7 @@
           </p:nvSpPr>
           <p:spPr>
             <a:xfrm>
-              <a:off x="2558480" y="3810733"/>
+              <a:off x="2560617" y="3811539"/>
               <a:ext cx="123570" cy="123570"/>
             </a:xfrm>
             <a:prstGeom prst="ellipse">
@@ -5976,7 +5976,7 @@
           </p:nvSpPr>
           <p:spPr>
             <a:xfrm>
-              <a:off x="2830843" y="3257362"/>
+              <a:off x="2833679" y="3257947"/>
               <a:ext cx="150146" cy="150146"/>
             </a:xfrm>
             <a:prstGeom prst="ellipse">
@@ -6011,7 +6011,7 @@
           </p:nvSpPr>
           <p:spPr>
             <a:xfrm>
-              <a:off x="3030392" y="3746550"/>
+              <a:off x="3033693" y="3747331"/>
               <a:ext cx="131918" cy="131918"/>
             </a:xfrm>
             <a:prstGeom prst="ellipse">
@@ -6046,7 +6046,7 @@
           </p:nvSpPr>
           <p:spPr>
             <a:xfrm>
-              <a:off x="3216988" y="3202628"/>
+              <a:off x="3220754" y="3203189"/>
               <a:ext cx="139595" cy="139595"/>
             </a:xfrm>
             <a:prstGeom prst="ellipse">
@@ -6081,7 +6081,7 @@
           </p:nvSpPr>
           <p:spPr>
             <a:xfrm>
-              <a:off x="3032432" y="3328525"/>
+              <a:off x="3035732" y="3329135"/>
               <a:ext cx="127839" cy="127839"/>
             </a:xfrm>
             <a:prstGeom prst="ellipse">
@@ -6116,7 +6116,7 @@
           </p:nvSpPr>
           <p:spPr>
             <a:xfrm>
-              <a:off x="3316044" y="3566522"/>
+              <a:off x="3320043" y="3567230"/>
               <a:ext cx="131918" cy="131918"/>
             </a:xfrm>
             <a:prstGeom prst="ellipse">
@@ -6151,7 +6151,7 @@
           </p:nvSpPr>
           <p:spPr>
             <a:xfrm>
-              <a:off x="3504522" y="3504556"/>
+              <a:off x="3508987" y="3505240"/>
               <a:ext cx="135831" cy="135831"/>
             </a:xfrm>
             <a:prstGeom prst="ellipse">
@@ -6186,7 +6186,7 @@
           </p:nvSpPr>
           <p:spPr>
             <a:xfrm>
-              <a:off x="3694957" y="3264519"/>
+              <a:off x="3699887" y="3265105"/>
               <a:ext cx="135831" cy="135831"/>
             </a:xfrm>
             <a:prstGeom prst="ellipse">
@@ -6221,7 +6221,7 @@
           </p:nvSpPr>
           <p:spPr>
             <a:xfrm>
-              <a:off x="3594285" y="3139046"/>
+              <a:off x="3598982" y="3139583"/>
               <a:ext cx="146741" cy="146741"/>
             </a:xfrm>
             <a:prstGeom prst="ellipse">
@@ -6256,7 +6256,7 @@
           </p:nvSpPr>
           <p:spPr>
             <a:xfrm>
-              <a:off x="2931336" y="3442665"/>
+              <a:off x="2934404" y="3443324"/>
               <a:ext cx="139595" cy="139595"/>
             </a:xfrm>
             <a:prstGeom prst="ellipse">
@@ -6291,7 +6291,7 @@
           </p:nvSpPr>
           <p:spPr>
             <a:xfrm>
-              <a:off x="2655941" y="4053014"/>
+              <a:off x="2658311" y="4053918"/>
               <a:ext cx="119081" cy="119081"/>
             </a:xfrm>
             <a:prstGeom prst="ellipse">
@@ -6326,7 +6326,7 @@
           </p:nvSpPr>
           <p:spPr>
             <a:xfrm>
-              <a:off x="2463262" y="3870742"/>
+              <a:off x="2465167" y="3871573"/>
               <a:ext cx="123570" cy="123570"/>
             </a:xfrm>
             <a:prstGeom prst="ellipse">
@@ -6361,7 +6361,7 @@
           </p:nvSpPr>
           <p:spPr>
             <a:xfrm>
-              <a:off x="2465507" y="3932996"/>
+              <a:off x="2467411" y="3933851"/>
               <a:ext cx="119081" cy="119081"/>
             </a:xfrm>
             <a:prstGeom prst="ellipse">
@@ -6396,7 +6396,7 @@
           </p:nvSpPr>
           <p:spPr>
             <a:xfrm>
-              <a:off x="2746780" y="3808599"/>
+              <a:off x="2749382" y="3809404"/>
               <a:ext cx="127839" cy="127839"/>
             </a:xfrm>
             <a:prstGeom prst="ellipse">
@@ -6431,7 +6431,7 @@
           </p:nvSpPr>
           <p:spPr>
             <a:xfrm>
-              <a:off x="2929520" y="3080793"/>
+              <a:off x="2932588" y="3081306"/>
               <a:ext cx="143228" cy="143228"/>
             </a:xfrm>
             <a:prstGeom prst="ellipse">
@@ -6466,7 +6466,7 @@
           </p:nvSpPr>
           <p:spPr>
             <a:xfrm>
-              <a:off x="2360032" y="3442665"/>
+              <a:off x="2361704" y="3443324"/>
               <a:ext cx="139595" cy="139595"/>
             </a:xfrm>
             <a:prstGeom prst="ellipse">
@@ -6501,7 +6501,7 @@
           </p:nvSpPr>
           <p:spPr>
             <a:xfrm>
-              <a:off x="2929520" y="3440849"/>
+              <a:off x="2932588" y="3441508"/>
               <a:ext cx="143228" cy="143228"/>
             </a:xfrm>
             <a:prstGeom prst="ellipse">
@@ -6536,7 +6536,7 @@
           </p:nvSpPr>
           <p:spPr>
             <a:xfrm>
-              <a:off x="3597857" y="3322646"/>
+              <a:off x="3602554" y="3323257"/>
               <a:ext cx="139595" cy="139595"/>
             </a:xfrm>
             <a:prstGeom prst="ellipse">
@@ -6571,7 +6571,7 @@
           </p:nvSpPr>
           <p:spPr>
             <a:xfrm>
-              <a:off x="3220827" y="3506513"/>
+              <a:off x="3224593" y="3507196"/>
               <a:ext cx="131918" cy="131918"/>
             </a:xfrm>
             <a:prstGeom prst="ellipse">
@@ -6606,7 +6606,7 @@
           </p:nvSpPr>
           <p:spPr>
             <a:xfrm>
-              <a:off x="2554305" y="3686540"/>
+              <a:off x="2556442" y="3687297"/>
               <a:ext cx="131918" cy="131918"/>
             </a:xfrm>
             <a:prstGeom prst="ellipse">
@@ -6641,7 +6641,7 @@
           </p:nvSpPr>
           <p:spPr>
             <a:xfrm>
-              <a:off x="2459088" y="3746550"/>
+              <a:off x="2460992" y="3747331"/>
               <a:ext cx="131918" cy="131918"/>
             </a:xfrm>
             <a:prstGeom prst="ellipse">
@@ -6676,7 +6676,7 @@
           </p:nvSpPr>
           <p:spPr>
             <a:xfrm>
-              <a:off x="2461128" y="3508552"/>
+              <a:off x="2463032" y="3509236"/>
               <a:ext cx="127839" cy="127839"/>
             </a:xfrm>
             <a:prstGeom prst="ellipse">
@@ -6711,7 +6711,7 @@
           </p:nvSpPr>
           <p:spPr>
             <a:xfrm>
-              <a:off x="3028436" y="3384538"/>
+              <a:off x="3031736" y="3385173"/>
               <a:ext cx="135831" cy="135831"/>
             </a:xfrm>
             <a:prstGeom prst="ellipse">
@@ -6746,7 +6746,7 @@
           </p:nvSpPr>
           <p:spPr>
             <a:xfrm>
-              <a:off x="2746780" y="3748589"/>
+              <a:off x="2749382" y="3749371"/>
               <a:ext cx="127839" cy="127839"/>
             </a:xfrm>
             <a:prstGeom prst="ellipse">
@@ -6781,7 +6781,7 @@
           </p:nvSpPr>
           <p:spPr>
             <a:xfrm>
-              <a:off x="1989420" y="4173033"/>
+              <a:off x="1990161" y="4173986"/>
               <a:ext cx="119081" cy="119081"/>
             </a:xfrm>
             <a:prstGeom prst="ellipse">
@@ -6816,7 +6816,7 @@
           </p:nvSpPr>
           <p:spPr>
             <a:xfrm>
-              <a:off x="2554305" y="3626531"/>
+              <a:off x="2556442" y="3627264"/>
               <a:ext cx="131918" cy="131918"/>
             </a:xfrm>
             <a:prstGeom prst="ellipse">
@@ -6851,7 +6851,7 @@
           </p:nvSpPr>
           <p:spPr>
             <a:xfrm>
-              <a:off x="2651562" y="3628571"/>
+              <a:off x="2653932" y="3629303"/>
               <a:ext cx="127839" cy="127839"/>
             </a:xfrm>
             <a:prstGeom prst="ellipse">
@@ -6886,7 +6886,7 @@
           </p:nvSpPr>
           <p:spPr>
             <a:xfrm>
-              <a:off x="2649523" y="3626531"/>
+              <a:off x="2651893" y="3627264"/>
               <a:ext cx="131918" cy="131918"/>
             </a:xfrm>
             <a:prstGeom prst="ellipse">
@@ -6921,7 +6921,7 @@
           </p:nvSpPr>
           <p:spPr>
             <a:xfrm>
-              <a:off x="3125609" y="3566522"/>
+              <a:off x="3129143" y="3567230"/>
               <a:ext cx="131918" cy="131918"/>
             </a:xfrm>
             <a:prstGeom prst="ellipse">
@@ -6956,7 +6956,7 @@
           </p:nvSpPr>
           <p:spPr>
             <a:xfrm>
-              <a:off x="2082393" y="4350816"/>
+              <a:off x="2083366" y="4351842"/>
               <a:ext cx="123570" cy="123570"/>
             </a:xfrm>
             <a:prstGeom prst="ellipse">
@@ -6991,7 +6991,7 @@
           </p:nvSpPr>
           <p:spPr>
             <a:xfrm>
-              <a:off x="2649523" y="3686540"/>
+              <a:off x="2651893" y="3687297"/>
               <a:ext cx="131918" cy="131918"/>
             </a:xfrm>
             <a:prstGeom prst="ellipse">
@@ -7026,7 +7026,7 @@
           </p:nvSpPr>
           <p:spPr>
             <a:xfrm>
-              <a:off x="3200982" y="2526520"/>
+              <a:off x="3204748" y="2526813"/>
               <a:ext cx="171607" cy="171607"/>
             </a:xfrm>
             <a:prstGeom prst="ellipse">
@@ -7061,7 +7061,7 @@
           </p:nvSpPr>
           <p:spPr>
             <a:xfrm>
-              <a:off x="2733973" y="3075681"/>
+              <a:off x="2736575" y="3076193"/>
               <a:ext cx="153453" cy="153453"/>
             </a:xfrm>
             <a:prstGeom prst="ellipse">
@@ -7096,7 +7096,7 @@
           </p:nvSpPr>
           <p:spPr>
             <a:xfrm>
-              <a:off x="3968624" y="2592433"/>
+              <a:off x="3974252" y="2592750"/>
               <a:ext cx="159800" cy="159800"/>
             </a:xfrm>
             <a:prstGeom prst="ellipse">
@@ -7131,7 +7131,7 @@
           </p:nvSpPr>
           <p:spPr>
             <a:xfrm>
-              <a:off x="3211713" y="2777288"/>
+              <a:off x="3215479" y="2777678"/>
               <a:ext cx="150146" cy="150146"/>
             </a:xfrm>
             <a:prstGeom prst="ellipse">
@@ -7166,7 +7166,7 @@
           </p:nvSpPr>
           <p:spPr>
             <a:xfrm>
-              <a:off x="3395793" y="2650915"/>
+              <a:off x="3400024" y="2651256"/>
               <a:ext cx="162855" cy="162855"/>
             </a:xfrm>
             <a:prstGeom prst="ellipse">
@@ -7201,7 +7201,7 @@
           </p:nvSpPr>
           <p:spPr>
             <a:xfrm>
-              <a:off x="4444711" y="2172368"/>
+              <a:off x="4451502" y="2172514"/>
               <a:ext cx="159800" cy="159800"/>
             </a:xfrm>
             <a:prstGeom prst="ellipse">
@@ -7236,7 +7236,7 @@
           </p:nvSpPr>
           <p:spPr>
             <a:xfrm>
-              <a:off x="1880373" y="3439092"/>
+              <a:off x="1880881" y="3439751"/>
               <a:ext cx="146741" cy="146741"/>
             </a:xfrm>
             <a:prstGeom prst="ellipse">
@@ -7271,7 +7271,7 @@
           </p:nvSpPr>
           <p:spPr>
             <a:xfrm>
-              <a:off x="4163886" y="2357223"/>
+              <a:off x="4169979" y="2357442"/>
               <a:ext cx="150146" cy="150146"/>
             </a:xfrm>
             <a:prstGeom prst="ellipse">
@@ -7306,7 +7306,7 @@
           </p:nvSpPr>
           <p:spPr>
             <a:xfrm>
-              <a:off x="3592582" y="2657269"/>
+              <a:off x="3597279" y="2657610"/>
               <a:ext cx="150146" cy="150146"/>
             </a:xfrm>
             <a:prstGeom prst="ellipse">
@@ -7341,7 +7341,7 @@
           </p:nvSpPr>
           <p:spPr>
             <a:xfrm>
-              <a:off x="4057938" y="2466511"/>
+              <a:off x="4063799" y="2466779"/>
               <a:ext cx="171607" cy="171607"/>
             </a:xfrm>
             <a:prstGeom prst="ellipse">
@@ -7376,7 +7376,7 @@
           </p:nvSpPr>
           <p:spPr>
             <a:xfrm>
-              <a:off x="3398886" y="3074073"/>
+              <a:off x="3403118" y="3074585"/>
               <a:ext cx="156668" cy="156668"/>
             </a:xfrm>
             <a:prstGeom prst="ellipse">
@@ -7411,7 +7411,7 @@
           </p:nvSpPr>
           <p:spPr>
             <a:xfrm>
-              <a:off x="3305277" y="2955662"/>
+              <a:off x="3309276" y="2956126"/>
               <a:ext cx="153453" cy="153453"/>
             </a:xfrm>
             <a:prstGeom prst="ellipse">
@@ -7446,7 +7446,7 @@
           </p:nvSpPr>
           <p:spPr>
             <a:xfrm>
-              <a:off x="3682972" y="2832470"/>
+              <a:off x="3687902" y="2832884"/>
               <a:ext cx="159800" cy="159800"/>
             </a:xfrm>
             <a:prstGeom prst="ellipse">
@@ -7481,7 +7481,7 @@
           </p:nvSpPr>
           <p:spPr>
             <a:xfrm>
-              <a:off x="2637148" y="3134082"/>
+              <a:off x="2639517" y="3134619"/>
               <a:ext cx="156668" cy="156668"/>
             </a:xfrm>
             <a:prstGeom prst="ellipse">
@@ -7516,7 +7516,7 @@
           </p:nvSpPr>
           <p:spPr>
             <a:xfrm>
-              <a:off x="2726322" y="3068030"/>
+              <a:off x="2728925" y="3068543"/>
               <a:ext cx="168754" cy="168754"/>
             </a:xfrm>
             <a:prstGeom prst="ellipse">
@@ -7551,7 +7551,7 @@
           </p:nvSpPr>
           <p:spPr>
             <a:xfrm>
-              <a:off x="3299084" y="2949469"/>
+              <a:off x="3303083" y="2949933"/>
               <a:ext cx="165838" cy="165838"/>
             </a:xfrm>
             <a:prstGeom prst="ellipse">
@@ -7586,7 +7586,7 @@
           </p:nvSpPr>
           <p:spPr>
             <a:xfrm>
-              <a:off x="3402147" y="2837297"/>
+              <a:off x="3406379" y="2837712"/>
               <a:ext cx="150146" cy="150146"/>
             </a:xfrm>
             <a:prstGeom prst="ellipse">
@@ -7621,7 +7621,7 @@
           </p:nvSpPr>
           <p:spPr>
             <a:xfrm>
-              <a:off x="4538401" y="2110831"/>
+              <a:off x="4545425" y="2110953"/>
               <a:ext cx="162855" cy="162855"/>
             </a:xfrm>
             <a:prstGeom prst="ellipse">
@@ -7656,7 +7656,7 @@
           </p:nvSpPr>
           <p:spPr>
             <a:xfrm>
-              <a:off x="4536909" y="1989322"/>
+              <a:off x="4543934" y="1989394"/>
               <a:ext cx="165838" cy="165838"/>
             </a:xfrm>
             <a:prstGeom prst="ellipse">
@@ -7691,7 +7691,7 @@
           </p:nvSpPr>
           <p:spPr>
             <a:xfrm>
-              <a:off x="2931336" y="3142619"/>
+              <a:off x="2934404" y="3143155"/>
               <a:ext cx="139595" cy="139595"/>
             </a:xfrm>
             <a:prstGeom prst="ellipse">
@@ -7726,7 +7726,7 @@
           </p:nvSpPr>
           <p:spPr>
             <a:xfrm>
-              <a:off x="3775171" y="2709432"/>
+              <a:off x="3780333" y="2709798"/>
               <a:ext cx="165838" cy="165838"/>
             </a:xfrm>
             <a:prstGeom prst="ellipse">
@@ -7761,7 +7761,7 @@
           </p:nvSpPr>
           <p:spPr>
             <a:xfrm>
-              <a:off x="2541930" y="3194091"/>
+              <a:off x="2544067" y="3194653"/>
               <a:ext cx="156668" cy="156668"/>
             </a:xfrm>
             <a:prstGeom prst="ellipse">
@@ -7796,7 +7796,7 @@
           </p:nvSpPr>
           <p:spPr>
             <a:xfrm>
-              <a:off x="4541494" y="2113925"/>
+              <a:off x="4548519" y="2114046"/>
               <a:ext cx="156668" cy="156668"/>
             </a:xfrm>
             <a:prstGeom prst="ellipse">
@@ -7831,7 +7831,7 @@
           </p:nvSpPr>
           <p:spPr>
             <a:xfrm>
-              <a:off x="3211713" y="3197352"/>
+              <a:off x="3215479" y="3197914"/>
               <a:ext cx="150146" cy="150146"/>
             </a:xfrm>
             <a:prstGeom prst="ellipse">
@@ -7866,7 +7866,7 @@
           </p:nvSpPr>
           <p:spPr>
             <a:xfrm>
-              <a:off x="3587755" y="2712451"/>
+              <a:off x="3592452" y="2712817"/>
               <a:ext cx="159800" cy="159800"/>
             </a:xfrm>
             <a:prstGeom prst="ellipse">
@@ -7901,7 +7901,7 @@
           </p:nvSpPr>
           <p:spPr>
             <a:xfrm>
-              <a:off x="4068669" y="2537251"/>
+              <a:off x="4074529" y="2537543"/>
               <a:ext cx="150146" cy="150146"/>
             </a:xfrm>
             <a:prstGeom prst="ellipse">
@@ -7936,7 +7936,7 @@
           </p:nvSpPr>
           <p:spPr>
             <a:xfrm>
-              <a:off x="3116495" y="3257362"/>
+              <a:off x="3120029" y="3257947"/>
               <a:ext cx="150146" cy="150146"/>
             </a:xfrm>
             <a:prstGeom prst="ellipse">
@@ -7971,7 +7971,7 @@
           </p:nvSpPr>
           <p:spPr>
             <a:xfrm>
-              <a:off x="3021278" y="3197352"/>
+              <a:off x="3024579" y="3197914"/>
               <a:ext cx="150146" cy="150146"/>
             </a:xfrm>
             <a:prstGeom prst="ellipse">
@@ -8006,7 +8006,7 @@
           </p:nvSpPr>
           <p:spPr>
             <a:xfrm>
-              <a:off x="3302103" y="2772461"/>
+              <a:off x="3306102" y="2772851"/>
               <a:ext cx="159800" cy="159800"/>
             </a:xfrm>
             <a:prstGeom prst="ellipse">
@@ -8041,7 +8041,7 @@
           </p:nvSpPr>
           <p:spPr>
             <a:xfrm>
-              <a:off x="4072128" y="2660728"/>
+              <a:off x="4077988" y="2661070"/>
               <a:ext cx="143228" cy="143228"/>
             </a:xfrm>
             <a:prstGeom prst="ellipse">
@@ -8076,7 +8076,7 @@
           </p:nvSpPr>
           <p:spPr>
             <a:xfrm>
-              <a:off x="4257450" y="2475588"/>
+              <a:off x="4263776" y="2475856"/>
               <a:ext cx="153453" cy="153453"/>
             </a:xfrm>
             <a:prstGeom prst="ellipse">
@@ -8111,7 +8111,7 @@
           </p:nvSpPr>
           <p:spPr>
             <a:xfrm>
-              <a:off x="4731929" y="2293953"/>
+              <a:off x="4739419" y="2294147"/>
               <a:ext cx="156668" cy="156668"/>
             </a:xfrm>
             <a:prstGeom prst="ellipse">
@@ -8146,7 +8146,7 @@
           </p:nvSpPr>
           <p:spPr>
             <a:xfrm>
-              <a:off x="3300576" y="2770933"/>
+              <a:off x="3304574" y="2771323"/>
               <a:ext cx="162855" cy="162855"/>
             </a:xfrm>
             <a:prstGeom prst="ellipse">
@@ -8181,7 +8181,7 @@
           </p:nvSpPr>
           <p:spPr>
             <a:xfrm>
-              <a:off x="3216988" y="3082609"/>
+              <a:off x="3220754" y="3083122"/>
               <a:ext cx="139595" cy="139595"/>
             </a:xfrm>
             <a:prstGeom prst="ellipse">
@@ -8216,7 +8216,7 @@
           </p:nvSpPr>
           <p:spPr>
             <a:xfrm>
-              <a:off x="3028436" y="2784445"/>
+              <a:off x="3031736" y="2784836"/>
               <a:ext cx="135831" cy="135831"/>
             </a:xfrm>
             <a:prstGeom prst="ellipse">
@@ -8251,7 +8251,7 @@
           </p:nvSpPr>
           <p:spPr>
             <a:xfrm>
-              <a:off x="4536909" y="2469395"/>
+              <a:off x="4543934" y="2469663"/>
               <a:ext cx="165838" cy="165838"/>
             </a:xfrm>
             <a:prstGeom prst="ellipse">
@@ -8286,7 +8286,7 @@
           </p:nvSpPr>
           <p:spPr>
             <a:xfrm>
-              <a:off x="3202409" y="2767984"/>
+              <a:off x="3206175" y="2768374"/>
               <a:ext cx="168754" cy="168754"/>
             </a:xfrm>
             <a:prstGeom prst="ellipse">
@@ -8321,7 +8321,7 @@
           </p:nvSpPr>
           <p:spPr>
             <a:xfrm>
-              <a:off x="3306930" y="2837297"/>
+              <a:off x="3310929" y="2837712"/>
               <a:ext cx="150146" cy="150146"/>
             </a:xfrm>
             <a:prstGeom prst="ellipse">
@@ -8356,7 +8356,7 @@
           </p:nvSpPr>
           <p:spPr>
             <a:xfrm>
-              <a:off x="2926061" y="3257362"/>
+              <a:off x="2929129" y="3257947"/>
               <a:ext cx="150146" cy="150146"/>
             </a:xfrm>
             <a:prstGeom prst="ellipse">
@@ -8391,7 +8391,7 @@
           </p:nvSpPr>
           <p:spPr>
             <a:xfrm>
-              <a:off x="3778190" y="2892479"/>
+              <a:off x="3783352" y="2892918"/>
               <a:ext cx="159800" cy="159800"/>
             </a:xfrm>
             <a:prstGeom prst="ellipse">
@@ -8426,7 +8426,7 @@
           </p:nvSpPr>
           <p:spPr>
             <a:xfrm>
-              <a:off x="3583278" y="2767984"/>
+              <a:off x="3587975" y="2768374"/>
               <a:ext cx="168754" cy="168754"/>
             </a:xfrm>
             <a:prstGeom prst="ellipse">
@@ -8461,7 +8461,7 @@
           </p:nvSpPr>
           <p:spPr>
             <a:xfrm>
-              <a:off x="3775171" y="3069488"/>
+              <a:off x="3780333" y="3070000"/>
               <a:ext cx="165838" cy="165838"/>
             </a:xfrm>
             <a:prstGeom prst="ellipse">
@@ -8496,7 +8496,7 @@
           </p:nvSpPr>
           <p:spPr>
             <a:xfrm>
-              <a:off x="2733973" y="3075681"/>
+              <a:off x="2736575" y="3076193"/>
               <a:ext cx="153453" cy="153453"/>
             </a:xfrm>
             <a:prstGeom prst="ellipse">
@@ -8531,7 +8531,7 @@
           </p:nvSpPr>
           <p:spPr>
             <a:xfrm>
-              <a:off x="3679953" y="2589414"/>
+              <a:off x="3684883" y="2589731"/>
               <a:ext cx="165838" cy="165838"/>
             </a:xfrm>
             <a:prstGeom prst="ellipse">
@@ -8566,7 +8566,7 @@
           </p:nvSpPr>
           <p:spPr>
             <a:xfrm>
-              <a:off x="3581852" y="2706548"/>
+              <a:off x="3586549" y="2706914"/>
               <a:ext cx="171607" cy="171607"/>
             </a:xfrm>
             <a:prstGeom prst="ellipse">
@@ -8601,7 +8601,7 @@
           </p:nvSpPr>
           <p:spPr>
             <a:xfrm>
-              <a:off x="3584736" y="3009479"/>
+              <a:off x="3589433" y="3009967"/>
               <a:ext cx="165838" cy="165838"/>
             </a:xfrm>
             <a:prstGeom prst="ellipse">
@@ -8636,7 +8636,7 @@
           </p:nvSpPr>
           <p:spPr>
             <a:xfrm>
-              <a:off x="3210060" y="3135690"/>
+              <a:off x="3213826" y="3136227"/>
               <a:ext cx="153453" cy="153453"/>
             </a:xfrm>
             <a:prstGeom prst="ellipse">
@@ -8671,7 +8671,7 @@
           </p:nvSpPr>
           <p:spPr>
             <a:xfrm>
-              <a:off x="3398886" y="3014064"/>
+              <a:off x="3403118" y="3014552"/>
               <a:ext cx="156668" cy="156668"/>
             </a:xfrm>
             <a:prstGeom prst="ellipse">
@@ -8706,7 +8706,7 @@
           </p:nvSpPr>
           <p:spPr>
             <a:xfrm>
-              <a:off x="3108649" y="2889460"/>
+              <a:off x="3112183" y="2889899"/>
               <a:ext cx="165838" cy="165838"/>
             </a:xfrm>
             <a:prstGeom prst="ellipse">
@@ -8741,7 +8741,7 @@
           </p:nvSpPr>
           <p:spPr>
             <a:xfrm>
-              <a:off x="2830843" y="3077334"/>
+              <a:off x="2833679" y="3077846"/>
               <a:ext cx="150146" cy="150146"/>
             </a:xfrm>
             <a:prstGeom prst="ellipse">
@@ -8776,8 +8776,8 @@
           </p:nvSpPr>
           <p:spPr>
             <a:xfrm>
-              <a:off x="1090487" y="4975586"/>
-              <a:ext cx="57931" cy="73223"/>
+              <a:off x="1090487" y="4977651"/>
+              <a:ext cx="56623" cy="71635"/>
             </a:xfrm>
             <a:prstGeom prst="rect">
               <a:avLst/>
@@ -8822,8 +8822,8 @@
           </p:nvSpPr>
           <p:spPr>
             <a:xfrm>
-              <a:off x="1090487" y="3775600"/>
-              <a:ext cx="57931" cy="73025"/>
+              <a:off x="1090487" y="3777373"/>
+              <a:ext cx="56623" cy="71239"/>
             </a:xfrm>
             <a:prstGeom prst="rect">
               <a:avLst/>
@@ -8868,8 +8868,8 @@
           </p:nvSpPr>
           <p:spPr>
             <a:xfrm>
-              <a:off x="1090487" y="2574224"/>
-              <a:ext cx="57931" cy="74215"/>
+              <a:off x="1090487" y="2575310"/>
+              <a:ext cx="56623" cy="72628"/>
             </a:xfrm>
             <a:prstGeom prst="rect">
               <a:avLst/>
@@ -8914,7 +8914,7 @@
           </p:nvSpPr>
           <p:spPr>
             <a:xfrm>
-              <a:off x="1176254" y="5012694"/>
+              <a:off x="1174946" y="5013965"/>
               <a:ext cx="34794" cy="0"/>
             </a:xfrm>
             <a:custGeom>
@@ -8954,7 +8954,7 @@
           </p:nvSpPr>
           <p:spPr>
             <a:xfrm>
-              <a:off x="1176254" y="3812509"/>
+              <a:off x="1174946" y="3813290"/>
               <a:ext cx="34794" cy="0"/>
             </a:xfrm>
             <a:custGeom>
@@ -8994,7 +8994,7 @@
           </p:nvSpPr>
           <p:spPr>
             <a:xfrm>
-              <a:off x="1176254" y="2612324"/>
+              <a:off x="1174946" y="2612616"/>
               <a:ext cx="34794" cy="0"/>
             </a:xfrm>
             <a:custGeom>
@@ -9034,7 +9034,7 @@
           </p:nvSpPr>
           <p:spPr>
             <a:xfrm>
-              <a:off x="2048961" y="5789814"/>
+              <a:off x="2049701" y="5791401"/>
               <a:ext cx="0" cy="34794"/>
             </a:xfrm>
             <a:custGeom>
@@ -9074,7 +9074,7 @@
           </p:nvSpPr>
           <p:spPr>
             <a:xfrm>
-              <a:off x="3001134" y="5789814"/>
+              <a:off x="3004202" y="5791401"/>
               <a:ext cx="0" cy="34794"/>
             </a:xfrm>
             <a:custGeom>
@@ -9114,7 +9114,7 @@
           </p:nvSpPr>
           <p:spPr>
             <a:xfrm>
-              <a:off x="3953307" y="5789814"/>
+              <a:off x="3958703" y="5791401"/>
               <a:ext cx="0" cy="34794"/>
             </a:xfrm>
             <a:custGeom>
@@ -9154,7 +9154,7 @@
           </p:nvSpPr>
           <p:spPr>
             <a:xfrm>
-              <a:off x="4905481" y="5789814"/>
+              <a:off x="4913203" y="5791401"/>
               <a:ext cx="0" cy="34794"/>
             </a:xfrm>
             <a:custGeom>
@@ -9194,8 +9194,8 @@
           </p:nvSpPr>
           <p:spPr>
             <a:xfrm>
-              <a:off x="2019995" y="5851452"/>
-              <a:ext cx="57931" cy="73223"/>
+              <a:off x="2021390" y="5853039"/>
+              <a:ext cx="56623" cy="71635"/>
             </a:xfrm>
             <a:prstGeom prst="rect">
               <a:avLst/>
@@ -9240,8 +9240,8 @@
           </p:nvSpPr>
           <p:spPr>
             <a:xfrm>
-              <a:off x="2972168" y="5850459"/>
-              <a:ext cx="57931" cy="74215"/>
+              <a:off x="2975890" y="5852047"/>
+              <a:ext cx="56623" cy="72628"/>
             </a:xfrm>
             <a:prstGeom prst="rect">
               <a:avLst/>
@@ -9286,8 +9286,8 @@
           </p:nvSpPr>
           <p:spPr>
             <a:xfrm>
-              <a:off x="3924342" y="5852047"/>
-              <a:ext cx="57931" cy="72628"/>
+              <a:off x="3930391" y="5853634"/>
+              <a:ext cx="56623" cy="71040"/>
             </a:xfrm>
             <a:prstGeom prst="rect">
               <a:avLst/>
@@ -9332,8 +9332,8 @@
           </p:nvSpPr>
           <p:spPr>
             <a:xfrm>
-              <a:off x="4876515" y="5850459"/>
-              <a:ext cx="57931" cy="74215"/>
+              <a:off x="4884891" y="5852047"/>
+              <a:ext cx="56623" cy="72628"/>
             </a:xfrm>
             <a:prstGeom prst="rect">
               <a:avLst/>
@@ -9378,7 +9378,7 @@
           </p:nvSpPr>
           <p:spPr>
             <a:xfrm>
-              <a:off x="2731890" y="5962713"/>
+              <a:off x="2735191" y="5962713"/>
               <a:ext cx="728922" cy="119856"/>
             </a:xfrm>
             <a:prstGeom prst="rect">
@@ -9424,7 +9424,7 @@
           </p:nvSpPr>
           <p:spPr>
             <a:xfrm rot="-5400000">
-              <a:off x="581015" y="3782585"/>
+              <a:off x="581015" y="3783379"/>
               <a:ext cx="710300" cy="119856"/>
             </a:xfrm>
             <a:prstGeom prst="rect">
@@ -9470,8 +9470,8 @@
           </p:nvSpPr>
           <p:spPr>
             <a:xfrm>
-              <a:off x="5125654" y="2675829"/>
-              <a:ext cx="816647" cy="1303268"/>
+              <a:off x="5133563" y="2663117"/>
+              <a:ext cx="816647" cy="1299212"/>
             </a:xfrm>
             <a:prstGeom prst="rect">
               <a:avLst/>
@@ -9496,7 +9496,7 @@
           </p:nvSpPr>
           <p:spPr>
             <a:xfrm>
-              <a:off x="5197654" y="2739693"/>
+              <a:off x="5205563" y="2727676"/>
               <a:ext cx="672647" cy="96440"/>
             </a:xfrm>
             <a:prstGeom prst="rect">
@@ -9542,7 +9542,7 @@
           </p:nvSpPr>
           <p:spPr>
             <a:xfrm>
-              <a:off x="5197654" y="2886426"/>
+              <a:off x="5205563" y="2869658"/>
               <a:ext cx="215999" cy="201168"/>
             </a:xfrm>
             <a:prstGeom prst="rect">
@@ -9577,7 +9577,7 @@
           </p:nvSpPr>
           <p:spPr>
             <a:xfrm>
-              <a:off x="5259944" y="2941299"/>
+              <a:off x="5267852" y="2924531"/>
               <a:ext cx="91421" cy="91421"/>
             </a:xfrm>
             <a:prstGeom prst="ellipse">
@@ -9612,7 +9612,7 @@
           </p:nvSpPr>
           <p:spPr>
             <a:xfrm>
-              <a:off x="5197654" y="3087594"/>
+              <a:off x="5205563" y="3070826"/>
               <a:ext cx="215999" cy="201168"/>
             </a:xfrm>
             <a:prstGeom prst="rect">
@@ -9647,7 +9647,7 @@
           </p:nvSpPr>
           <p:spPr>
             <a:xfrm>
-              <a:off x="5246114" y="3128637"/>
+              <a:off x="5254022" y="3111869"/>
               <a:ext cx="119081" cy="119081"/>
             </a:xfrm>
             <a:prstGeom prst="ellipse">
@@ -9682,7 +9682,7 @@
           </p:nvSpPr>
           <p:spPr>
             <a:xfrm>
-              <a:off x="5197654" y="3288762"/>
+              <a:off x="5205563" y="3271994"/>
               <a:ext cx="215999" cy="201167"/>
             </a:xfrm>
             <a:prstGeom prst="rect">
@@ -9717,7 +9717,7 @@
           </p:nvSpPr>
           <p:spPr>
             <a:xfrm>
-              <a:off x="5235856" y="3319548"/>
+              <a:off x="5243765" y="3302780"/>
               <a:ext cx="139595" cy="139595"/>
             </a:xfrm>
             <a:prstGeom prst="ellipse">
@@ -9752,7 +9752,7 @@
           </p:nvSpPr>
           <p:spPr>
             <a:xfrm>
-              <a:off x="5197654" y="3489930"/>
+              <a:off x="5205563" y="3473162"/>
               <a:ext cx="215999" cy="201167"/>
             </a:xfrm>
             <a:prstGeom prst="rect">
@@ -9787,7 +9787,7 @@
           </p:nvSpPr>
           <p:spPr>
             <a:xfrm>
-              <a:off x="5227320" y="3512179"/>
+              <a:off x="5235229" y="3495411"/>
               <a:ext cx="156668" cy="156668"/>
             </a:xfrm>
             <a:prstGeom prst="ellipse">
@@ -9822,7 +9822,7 @@
           </p:nvSpPr>
           <p:spPr>
             <a:xfrm>
-              <a:off x="5197654" y="3691098"/>
+              <a:off x="5205563" y="3674330"/>
               <a:ext cx="215999" cy="215999"/>
             </a:xfrm>
             <a:prstGeom prst="rect">
@@ -9857,7 +9857,7 @@
           </p:nvSpPr>
           <p:spPr>
             <a:xfrm>
-              <a:off x="5219851" y="3713294"/>
+              <a:off x="5227759" y="3696526"/>
               <a:ext cx="171607" cy="171607"/>
             </a:xfrm>
             <a:prstGeom prst="ellipse">
@@ -9892,8 +9892,8 @@
           </p:nvSpPr>
           <p:spPr>
             <a:xfrm>
-              <a:off x="5438800" y="2948910"/>
-              <a:ext cx="144716" cy="74215"/>
+              <a:off x="5446709" y="2932935"/>
+              <a:ext cx="141450" cy="72628"/>
             </a:xfrm>
             <a:prstGeom prst="rect">
               <a:avLst/>
@@ -9938,8 +9938,8 @@
           </p:nvSpPr>
           <p:spPr>
             <a:xfrm>
-              <a:off x="5438800" y="3150078"/>
-              <a:ext cx="144716" cy="74215"/>
+              <a:off x="5446709" y="3134103"/>
+              <a:ext cx="141450" cy="72628"/>
             </a:xfrm>
             <a:prstGeom prst="rect">
               <a:avLst/>
@@ -9984,8 +9984,8 @@
           </p:nvSpPr>
           <p:spPr>
             <a:xfrm>
-              <a:off x="5438800" y="3351841"/>
-              <a:ext cx="144716" cy="73620"/>
+              <a:off x="5446709" y="3335867"/>
+              <a:ext cx="141450" cy="72032"/>
             </a:xfrm>
             <a:prstGeom prst="rect">
               <a:avLst/>
@@ -10030,8 +10030,8 @@
           </p:nvSpPr>
           <p:spPr>
             <a:xfrm>
-              <a:off x="5438800" y="3552414"/>
-              <a:ext cx="144716" cy="74215"/>
+              <a:off x="5446709" y="3536439"/>
+              <a:ext cx="141450" cy="72628"/>
             </a:xfrm>
             <a:prstGeom prst="rect">
               <a:avLst/>
@@ -10076,8 +10076,8 @@
           </p:nvSpPr>
           <p:spPr>
             <a:xfrm>
-              <a:off x="5438800" y="3760998"/>
-              <a:ext cx="144716" cy="74215"/>
+              <a:off x="5446709" y="3745023"/>
+              <a:ext cx="141450" cy="72628"/>
             </a:xfrm>
             <a:prstGeom prst="rect">
               <a:avLst/>
@@ -10122,8 +10122,8 @@
           </p:nvSpPr>
           <p:spPr>
             <a:xfrm>
-              <a:off x="5125654" y="4123098"/>
-              <a:ext cx="824556" cy="886100"/>
+              <a:off x="5133563" y="4106330"/>
+              <a:ext cx="814304" cy="917168"/>
             </a:xfrm>
             <a:prstGeom prst="rect">
               <a:avLst/>
@@ -10148,7 +10148,7 @@
           </p:nvSpPr>
           <p:spPr>
             <a:xfrm>
-              <a:off x="5197654" y="4168110"/>
+              <a:off x="5205563" y="4163744"/>
               <a:ext cx="422374" cy="115292"/>
             </a:xfrm>
             <a:prstGeom prst="rect">
@@ -10194,8 +10194,8 @@
           </p:nvSpPr>
           <p:spPr>
             <a:xfrm>
-              <a:off x="5197654" y="4333694"/>
-              <a:ext cx="201167" cy="201167"/>
+              <a:off x="5205563" y="4347994"/>
+              <a:ext cx="201167" cy="201168"/>
             </a:xfrm>
             <a:prstGeom prst="rect">
               <a:avLst/>
@@ -10229,7 +10229,7 @@
           </p:nvSpPr>
           <p:spPr>
             <a:xfrm>
-              <a:off x="5273412" y="4409452"/>
+              <a:off x="5281321" y="4423752"/>
               <a:ext cx="49651" cy="49651"/>
             </a:xfrm>
             <a:prstGeom prst="ellipse">
@@ -10264,8 +10264,8 @@
           </p:nvSpPr>
           <p:spPr>
             <a:xfrm>
-              <a:off x="5197654" y="4534862"/>
-              <a:ext cx="201167" cy="201168"/>
+              <a:off x="5205563" y="4549162"/>
+              <a:ext cx="201167" cy="201167"/>
             </a:xfrm>
             <a:prstGeom prst="rect">
               <a:avLst/>
@@ -10299,7 +10299,7 @@
           </p:nvSpPr>
           <p:spPr>
             <a:xfrm>
-              <a:off x="5273412" y="4610620"/>
+              <a:off x="5281321" y="4624920"/>
               <a:ext cx="49651" cy="49651"/>
             </a:xfrm>
             <a:prstGeom prst="ellipse">
@@ -10334,8 +10334,8 @@
           </p:nvSpPr>
           <p:spPr>
             <a:xfrm>
-              <a:off x="5197654" y="4736030"/>
-              <a:ext cx="201167" cy="201168"/>
+              <a:off x="5205563" y="4750330"/>
+              <a:ext cx="201167" cy="201167"/>
             </a:xfrm>
             <a:prstGeom prst="rect">
               <a:avLst/>
@@ -10369,7 +10369,7 @@
           </p:nvSpPr>
           <p:spPr>
             <a:xfrm>
-              <a:off x="5273412" y="4811788"/>
+              <a:off x="5281321" y="4826088"/>
               <a:ext cx="49651" cy="49651"/>
             </a:xfrm>
             <a:prstGeom prst="ellipse">
@@ -10404,8 +10404,8 @@
           </p:nvSpPr>
           <p:spPr>
             <a:xfrm>
-              <a:off x="5423968" y="4402528"/>
-              <a:ext cx="299591" cy="67865"/>
+              <a:off x="5431877" y="4417621"/>
+              <a:ext cx="292829" cy="66278"/>
             </a:xfrm>
             <a:prstGeom prst="rect">
               <a:avLst/>
@@ -10450,8 +10450,8 @@
           </p:nvSpPr>
           <p:spPr>
             <a:xfrm>
-              <a:off x="5423968" y="4592782"/>
-              <a:ext cx="454242" cy="78779"/>
+              <a:off x="5431877" y="4608074"/>
+              <a:ext cx="443990" cy="76993"/>
             </a:xfrm>
             <a:prstGeom prst="rect">
               <a:avLst/>
@@ -10496,8 +10496,8 @@
           </p:nvSpPr>
           <p:spPr>
             <a:xfrm>
-              <a:off x="5423968" y="4778274"/>
-              <a:ext cx="387101" cy="94456"/>
+              <a:off x="5431877" y="4793962"/>
+              <a:ext cx="378365" cy="92273"/>
             </a:xfrm>
             <a:prstGeom prst="rect">
               <a:avLst/>

--- a/articles/evg_example.pptx
+++ b/articles/evg_example.pptx
@@ -5,7 +5,7 @@
     <p:sldMasterId id="2147483648" r:id="rId1"/>
   </p:sldMasterIdLst>
   <p:sldIdLst>
-    <p:sldId id="414980885" r:id="rId6"/>
+    <p:sldId id="1647519584" r:id="rId6"/>
   </p:sldIdLst>
   <p:sldSz cx="12192000" cy="6858000"/>
   <p:notesSz cx="6858000" cy="9144000"/>
@@ -2821,7 +2821,7 @@
           <p:spPr>
             <a:xfrm>
               <a:off x="838200" y="1825625"/>
-              <a:ext cx="5181600" cy="4351337"/>
+              <a:ext cx="5181599" cy="4351337"/>
             </a:xfrm>
             <a:prstGeom prst="rect">
               <a:avLst/>
@@ -2855,8 +2855,8 @@
           </p:nvSpPr>
           <p:spPr>
             <a:xfrm>
-              <a:off x="1209741" y="1895214"/>
-              <a:ext cx="3779822" cy="3896187"/>
+              <a:off x="1209817" y="1895214"/>
+              <a:ext cx="3779746" cy="3896161"/>
             </a:xfrm>
             <a:prstGeom prst="rect">
               <a:avLst/>
@@ -2881,21 +2881,21 @@
           </p:nvSpPr>
           <p:spPr>
             <a:xfrm>
-              <a:off x="1209741" y="5614302"/>
-              <a:ext cx="3779822" cy="0"/>
+              <a:off x="1209817" y="5614277"/>
+              <a:ext cx="3779746" cy="0"/>
             </a:xfrm>
             <a:custGeom>
               <a:avLst/>
               <a:pathLst>
-                <a:path w="3779822" h="0">
+                <a:path w="3779746" h="0">
                   <a:moveTo>
                     <a:pt x="0" y="0"/>
                   </a:moveTo>
                   <a:lnTo>
-                    <a:pt x="3779822" y="0"/>
+                    <a:pt x="3779746" y="0"/>
                   </a:lnTo>
                   <a:lnTo>
-                    <a:pt x="3779822" y="0"/>
+                    <a:pt x="3779746" y="0"/>
                   </a:lnTo>
                 </a:path>
               </a:pathLst>
@@ -2924,21 +2924,21 @@
           </p:nvSpPr>
           <p:spPr>
             <a:xfrm>
-              <a:off x="1209741" y="4413628"/>
-              <a:ext cx="3779822" cy="0"/>
+              <a:off x="1209817" y="4413611"/>
+              <a:ext cx="3779746" cy="0"/>
             </a:xfrm>
             <a:custGeom>
               <a:avLst/>
               <a:pathLst>
-                <a:path w="3779822" h="0">
+                <a:path w="3779746" h="0">
                   <a:moveTo>
                     <a:pt x="0" y="0"/>
                   </a:moveTo>
                   <a:lnTo>
-                    <a:pt x="3779822" y="0"/>
+                    <a:pt x="3779746" y="0"/>
                   </a:lnTo>
                   <a:lnTo>
-                    <a:pt x="3779822" y="0"/>
+                    <a:pt x="3779746" y="0"/>
                   </a:lnTo>
                 </a:path>
               </a:pathLst>
@@ -2967,21 +2967,21 @@
           </p:nvSpPr>
           <p:spPr>
             <a:xfrm>
-              <a:off x="1209741" y="3212953"/>
-              <a:ext cx="3779822" cy="0"/>
+              <a:off x="1209817" y="3212945"/>
+              <a:ext cx="3779746" cy="0"/>
             </a:xfrm>
             <a:custGeom>
               <a:avLst/>
               <a:pathLst>
-                <a:path w="3779822" h="0">
+                <a:path w="3779746" h="0">
                   <a:moveTo>
                     <a:pt x="0" y="0"/>
                   </a:moveTo>
                   <a:lnTo>
-                    <a:pt x="3779822" y="0"/>
+                    <a:pt x="3779746" y="0"/>
                   </a:lnTo>
                   <a:lnTo>
-                    <a:pt x="3779822" y="0"/>
+                    <a:pt x="3779746" y="0"/>
                   </a:lnTo>
                 </a:path>
               </a:pathLst>
@@ -3010,21 +3010,21 @@
           </p:nvSpPr>
           <p:spPr>
             <a:xfrm>
-              <a:off x="1209741" y="2012279"/>
-              <a:ext cx="3779822" cy="0"/>
+              <a:off x="1209817" y="2012278"/>
+              <a:ext cx="3779746" cy="0"/>
             </a:xfrm>
             <a:custGeom>
               <a:avLst/>
               <a:pathLst>
-                <a:path w="3779822" h="0">
+                <a:path w="3779746" h="0">
                   <a:moveTo>
                     <a:pt x="0" y="0"/>
                   </a:moveTo>
                   <a:lnTo>
-                    <a:pt x="3779822" y="0"/>
+                    <a:pt x="3779746" y="0"/>
                   </a:lnTo>
                   <a:lnTo>
-                    <a:pt x="3779822" y="0"/>
+                    <a:pt x="3779746" y="0"/>
                   </a:lnTo>
                 </a:path>
               </a:pathLst>
@@ -3053,15 +3053,15 @@
           </p:nvSpPr>
           <p:spPr>
             <a:xfrm>
-              <a:off x="1572451" y="1895214"/>
-              <a:ext cx="0" cy="3896187"/>
+              <a:off x="1572520" y="1895214"/>
+              <a:ext cx="0" cy="3896161"/>
             </a:xfrm>
             <a:custGeom>
               <a:avLst/>
               <a:pathLst>
-                <a:path w="0" h="3896187">
+                <a:path w="0" h="3896161">
                   <a:moveTo>
-                    <a:pt x="0" y="3896187"/>
+                    <a:pt x="0" y="3896161"/>
                   </a:moveTo>
                   <a:lnTo>
                     <a:pt x="0" y="0"/>
@@ -3096,15 +3096,15 @@
           </p:nvSpPr>
           <p:spPr>
             <a:xfrm>
-              <a:off x="2526952" y="1895214"/>
-              <a:ext cx="0" cy="3896187"/>
+              <a:off x="2527001" y="1895214"/>
+              <a:ext cx="0" cy="3896161"/>
             </a:xfrm>
             <a:custGeom>
               <a:avLst/>
               <a:pathLst>
-                <a:path w="0" h="3896187">
+                <a:path w="0" h="3896161">
                   <a:moveTo>
-                    <a:pt x="0" y="3896187"/>
+                    <a:pt x="0" y="3896161"/>
                   </a:moveTo>
                   <a:lnTo>
                     <a:pt x="0" y="0"/>
@@ -3139,15 +3139,15 @@
           </p:nvSpPr>
           <p:spPr>
             <a:xfrm>
-              <a:off x="3481452" y="1895214"/>
-              <a:ext cx="0" cy="3896187"/>
+              <a:off x="3481483" y="1895214"/>
+              <a:ext cx="0" cy="3896161"/>
             </a:xfrm>
             <a:custGeom>
               <a:avLst/>
               <a:pathLst>
-                <a:path w="0" h="3896187">
+                <a:path w="0" h="3896161">
                   <a:moveTo>
-                    <a:pt x="0" y="3896187"/>
+                    <a:pt x="0" y="3896161"/>
                   </a:moveTo>
                   <a:lnTo>
                     <a:pt x="0" y="0"/>
@@ -3182,15 +3182,15 @@
           </p:nvSpPr>
           <p:spPr>
             <a:xfrm>
-              <a:off x="4435953" y="1895214"/>
-              <a:ext cx="0" cy="3896187"/>
+              <a:off x="4435964" y="1895214"/>
+              <a:ext cx="0" cy="3896161"/>
             </a:xfrm>
             <a:custGeom>
               <a:avLst/>
               <a:pathLst>
-                <a:path w="0" h="3896187">
+                <a:path w="0" h="3896161">
                   <a:moveTo>
-                    <a:pt x="0" y="3896187"/>
+                    <a:pt x="0" y="3896161"/>
                   </a:moveTo>
                   <a:lnTo>
                     <a:pt x="0" y="0"/>
@@ -3225,21 +3225,21 @@
           </p:nvSpPr>
           <p:spPr>
             <a:xfrm>
-              <a:off x="1209741" y="5013965"/>
-              <a:ext cx="3779822" cy="0"/>
+              <a:off x="1209817" y="5013944"/>
+              <a:ext cx="3779746" cy="0"/>
             </a:xfrm>
             <a:custGeom>
               <a:avLst/>
               <a:pathLst>
-                <a:path w="3779822" h="0">
+                <a:path w="3779746" h="0">
                   <a:moveTo>
                     <a:pt x="0" y="0"/>
                   </a:moveTo>
                   <a:lnTo>
-                    <a:pt x="3779822" y="0"/>
+                    <a:pt x="3779746" y="0"/>
                   </a:lnTo>
                   <a:lnTo>
-                    <a:pt x="3779822" y="0"/>
+                    <a:pt x="3779746" y="0"/>
                   </a:lnTo>
                 </a:path>
               </a:pathLst>
@@ -3268,21 +3268,21 @@
           </p:nvSpPr>
           <p:spPr>
             <a:xfrm>
-              <a:off x="1209741" y="3813290"/>
-              <a:ext cx="3779822" cy="0"/>
+              <a:off x="1209817" y="3813278"/>
+              <a:ext cx="3779746" cy="0"/>
             </a:xfrm>
             <a:custGeom>
               <a:avLst/>
               <a:pathLst>
-                <a:path w="3779822" h="0">
+                <a:path w="3779746" h="0">
                   <a:moveTo>
                     <a:pt x="0" y="0"/>
                   </a:moveTo>
                   <a:lnTo>
-                    <a:pt x="3779822" y="0"/>
+                    <a:pt x="3779746" y="0"/>
                   </a:lnTo>
                   <a:lnTo>
-                    <a:pt x="3779822" y="0"/>
+                    <a:pt x="3779746" y="0"/>
                   </a:lnTo>
                 </a:path>
               </a:pathLst>
@@ -3311,21 +3311,21 @@
           </p:nvSpPr>
           <p:spPr>
             <a:xfrm>
-              <a:off x="1209741" y="2612616"/>
-              <a:ext cx="3779822" cy="0"/>
+              <a:off x="1209817" y="2612612"/>
+              <a:ext cx="3779746" cy="0"/>
             </a:xfrm>
             <a:custGeom>
               <a:avLst/>
               <a:pathLst>
-                <a:path w="3779822" h="0">
+                <a:path w="3779746" h="0">
                   <a:moveTo>
                     <a:pt x="0" y="0"/>
                   </a:moveTo>
                   <a:lnTo>
-                    <a:pt x="3779822" y="0"/>
+                    <a:pt x="3779746" y="0"/>
                   </a:lnTo>
                   <a:lnTo>
-                    <a:pt x="3779822" y="0"/>
+                    <a:pt x="3779746" y="0"/>
                   </a:lnTo>
                 </a:path>
               </a:pathLst>
@@ -3354,15 +3354,15 @@
           </p:nvSpPr>
           <p:spPr>
             <a:xfrm>
-              <a:off x="2049701" y="1895214"/>
-              <a:ext cx="0" cy="3896187"/>
+              <a:off x="2049761" y="1895214"/>
+              <a:ext cx="0" cy="3896161"/>
             </a:xfrm>
             <a:custGeom>
               <a:avLst/>
               <a:pathLst>
-                <a:path w="0" h="3896187">
+                <a:path w="0" h="3896161">
                   <a:moveTo>
-                    <a:pt x="0" y="3896187"/>
+                    <a:pt x="0" y="3896161"/>
                   </a:moveTo>
                   <a:lnTo>
                     <a:pt x="0" y="0"/>
@@ -3397,15 +3397,15 @@
           </p:nvSpPr>
           <p:spPr>
             <a:xfrm>
-              <a:off x="3004202" y="1895214"/>
-              <a:ext cx="0" cy="3896187"/>
+              <a:off x="3004242" y="1895214"/>
+              <a:ext cx="0" cy="3896161"/>
             </a:xfrm>
             <a:custGeom>
               <a:avLst/>
               <a:pathLst>
-                <a:path w="0" h="3896187">
+                <a:path w="0" h="3896161">
                   <a:moveTo>
-                    <a:pt x="0" y="3896187"/>
+                    <a:pt x="0" y="3896161"/>
                   </a:moveTo>
                   <a:lnTo>
                     <a:pt x="0" y="0"/>
@@ -3440,15 +3440,15 @@
           </p:nvSpPr>
           <p:spPr>
             <a:xfrm>
-              <a:off x="3958703" y="1895214"/>
-              <a:ext cx="0" cy="3896187"/>
+              <a:off x="3958723" y="1895214"/>
+              <a:ext cx="0" cy="3896161"/>
             </a:xfrm>
             <a:custGeom>
               <a:avLst/>
               <a:pathLst>
-                <a:path w="0" h="3896187">
+                <a:path w="0" h="3896161">
                   <a:moveTo>
-                    <a:pt x="0" y="3896187"/>
+                    <a:pt x="0" y="3896161"/>
                   </a:moveTo>
                   <a:lnTo>
                     <a:pt x="0" y="0"/>
@@ -3483,15 +3483,15 @@
           </p:nvSpPr>
           <p:spPr>
             <a:xfrm>
-              <a:off x="4913203" y="1895214"/>
-              <a:ext cx="0" cy="3896187"/>
+              <a:off x="4913205" y="1895214"/>
+              <a:ext cx="0" cy="3896161"/>
             </a:xfrm>
             <a:custGeom>
               <a:avLst/>
               <a:pathLst>
-                <a:path w="0" h="3896187">
+                <a:path w="0" h="3896161">
                   <a:moveTo>
-                    <a:pt x="0" y="3896187"/>
+                    <a:pt x="0" y="3896161"/>
                   </a:moveTo>
                   <a:lnTo>
                     <a:pt x="0" y="0"/>
@@ -3526,7 +3526,7 @@
           </p:nvSpPr>
           <p:spPr>
             <a:xfrm>
-              <a:off x="2113271" y="5342286"/>
+              <a:off x="2113328" y="5342263"/>
               <a:ext cx="63761" cy="63761"/>
             </a:xfrm>
             <a:prstGeom prst="ellipse">
@@ -3561,7 +3561,7 @@
           </p:nvSpPr>
           <p:spPr>
             <a:xfrm>
-              <a:off x="1922371" y="5342286"/>
+              <a:off x="1922432" y="5342263"/>
               <a:ext cx="63761" cy="63761"/>
             </a:xfrm>
             <a:prstGeom prst="ellipse">
@@ -3596,7 +3596,7 @@
           </p:nvSpPr>
           <p:spPr>
             <a:xfrm>
-              <a:off x="1731471" y="5402320"/>
+              <a:off x="1731535" y="5402296"/>
               <a:ext cx="63761" cy="63761"/>
             </a:xfrm>
             <a:prstGeom prst="ellipse">
@@ -3631,7 +3631,7 @@
           </p:nvSpPr>
           <p:spPr>
             <a:xfrm>
-              <a:off x="1636021" y="5282253"/>
+              <a:off x="1636087" y="5282230"/>
               <a:ext cx="63761" cy="63761"/>
             </a:xfrm>
             <a:prstGeom prst="ellipse">
@@ -3666,7 +3666,7 @@
           </p:nvSpPr>
           <p:spPr>
             <a:xfrm>
-              <a:off x="2017821" y="5342286"/>
+              <a:off x="2017880" y="5342263"/>
               <a:ext cx="63761" cy="63761"/>
             </a:xfrm>
             <a:prstGeom prst="ellipse">
@@ -3701,7 +3701,7 @@
           </p:nvSpPr>
           <p:spPr>
             <a:xfrm>
-              <a:off x="2389497" y="5152061"/>
+              <a:off x="2389548" y="5152039"/>
               <a:ext cx="84009" cy="84009"/>
             </a:xfrm>
             <a:prstGeom prst="ellipse">
@@ -3736,7 +3736,7 @@
           </p:nvSpPr>
           <p:spPr>
             <a:xfrm>
-              <a:off x="1630292" y="5336558"/>
+              <a:off x="1630359" y="5336534"/>
               <a:ext cx="75218" cy="75218"/>
             </a:xfrm>
             <a:prstGeom prst="ellipse">
@@ -3771,7 +3771,7 @@
           </p:nvSpPr>
           <p:spPr>
             <a:xfrm>
-              <a:off x="2017821" y="5282253"/>
+              <a:off x="2017880" y="5282230"/>
               <a:ext cx="63761" cy="63761"/>
             </a:xfrm>
             <a:prstGeom prst="ellipse">
@@ -3806,7 +3806,7 @@
           </p:nvSpPr>
           <p:spPr>
             <a:xfrm>
-              <a:off x="1445120" y="5342286"/>
+              <a:off x="1445191" y="5342263"/>
               <a:ext cx="63761" cy="63761"/>
             </a:xfrm>
             <a:prstGeom prst="ellipse">
@@ -3841,7 +3841,7 @@
           </p:nvSpPr>
           <p:spPr>
             <a:xfrm>
-              <a:off x="1936201" y="5296083"/>
+              <a:off x="1936262" y="5296060"/>
               <a:ext cx="36101" cy="36101"/>
             </a:xfrm>
             <a:prstGeom prst="ellipse">
@@ -3876,7 +3876,7 @@
           </p:nvSpPr>
           <p:spPr>
             <a:xfrm>
-              <a:off x="2399621" y="5282253"/>
+              <a:off x="2399672" y="5282230"/>
               <a:ext cx="63761" cy="63761"/>
             </a:xfrm>
             <a:prstGeom prst="ellipse">
@@ -3911,7 +3911,7 @@
           </p:nvSpPr>
           <p:spPr>
             <a:xfrm>
-              <a:off x="1826921" y="5222219"/>
+              <a:off x="1826984" y="5222196"/>
               <a:ext cx="63761" cy="63761"/>
             </a:xfrm>
             <a:prstGeom prst="ellipse">
@@ -3946,7 +3946,7 @@
           </p:nvSpPr>
           <p:spPr>
             <a:xfrm>
-              <a:off x="1840751" y="5356116"/>
+              <a:off x="1840814" y="5356093"/>
               <a:ext cx="36101" cy="36101"/>
             </a:xfrm>
             <a:prstGeom prst="ellipse">
@@ -3981,7 +3981,7 @@
           </p:nvSpPr>
           <p:spPr>
             <a:xfrm>
-              <a:off x="1363500" y="5536217"/>
+              <a:off x="1363573" y="5536193"/>
               <a:ext cx="36101" cy="36101"/>
             </a:xfrm>
             <a:prstGeom prst="ellipse">
@@ -4016,7 +4016,7 @@
           </p:nvSpPr>
           <p:spPr>
             <a:xfrm>
-              <a:off x="2781421" y="5462354"/>
+              <a:off x="2781465" y="5462330"/>
               <a:ext cx="63761" cy="63761"/>
             </a:xfrm>
             <a:prstGeom prst="ellipse">
@@ -4051,7 +4051,7 @@
           </p:nvSpPr>
           <p:spPr>
             <a:xfrm>
-              <a:off x="2675847" y="5272128"/>
+              <a:off x="2675892" y="5272105"/>
               <a:ext cx="84009" cy="84009"/>
             </a:xfrm>
             <a:prstGeom prst="ellipse">
@@ -4086,7 +4086,7 @@
           </p:nvSpPr>
           <p:spPr>
             <a:xfrm>
-              <a:off x="2389497" y="5392196"/>
+              <a:off x="2389548" y="5392172"/>
               <a:ext cx="84009" cy="84009"/>
             </a:xfrm>
             <a:prstGeom prst="ellipse">
@@ -4121,7 +4121,7 @@
           </p:nvSpPr>
           <p:spPr>
             <a:xfrm>
-              <a:off x="2107542" y="5336558"/>
+              <a:off x="2107599" y="5336534"/>
               <a:ext cx="75218" cy="75218"/>
             </a:xfrm>
             <a:prstGeom prst="ellipse">
@@ -4156,7 +4156,7 @@
           </p:nvSpPr>
           <p:spPr>
             <a:xfrm>
-              <a:off x="2680243" y="5156456"/>
+              <a:off x="2680288" y="5156434"/>
               <a:ext cx="75218" cy="75218"/>
             </a:xfrm>
             <a:prstGeom prst="ellipse">
@@ -4191,7 +4191,7 @@
           </p:nvSpPr>
           <p:spPr>
             <a:xfrm>
-              <a:off x="2107542" y="5276524"/>
+              <a:off x="2107599" y="5276501"/>
               <a:ext cx="75218" cy="75218"/>
             </a:xfrm>
             <a:prstGeom prst="ellipse">
@@ -4226,7 +4226,7 @@
           </p:nvSpPr>
           <p:spPr>
             <a:xfrm>
-              <a:off x="2399621" y="5162185"/>
+              <a:off x="2399672" y="5162163"/>
               <a:ext cx="63761" cy="63761"/>
             </a:xfrm>
             <a:prstGeom prst="ellipse">
@@ -4261,7 +4261,7 @@
           </p:nvSpPr>
           <p:spPr>
             <a:xfrm>
-              <a:off x="2103147" y="5272128"/>
+              <a:off x="2103204" y="5272105"/>
               <a:ext cx="84009" cy="84009"/>
             </a:xfrm>
             <a:prstGeom prst="ellipse">
@@ -4296,7 +4296,7 @@
           </p:nvSpPr>
           <p:spPr>
             <a:xfrm>
-              <a:off x="1636021" y="5582421"/>
+              <a:off x="1636087" y="5582396"/>
               <a:ext cx="63761" cy="63761"/>
             </a:xfrm>
             <a:prstGeom prst="ellipse">
@@ -4331,7 +4331,7 @@
           </p:nvSpPr>
           <p:spPr>
             <a:xfrm>
-              <a:off x="2099441" y="5148355"/>
+              <a:off x="2099498" y="5148333"/>
               <a:ext cx="91421" cy="91421"/>
             </a:xfrm>
             <a:prstGeom prst="ellipse">
@@ -4366,7 +4366,7 @@
           </p:nvSpPr>
           <p:spPr>
             <a:xfrm>
-              <a:off x="1826921" y="5042118"/>
+              <a:off x="1826984" y="5042096"/>
               <a:ext cx="63761" cy="63761"/>
             </a:xfrm>
             <a:prstGeom prst="ellipse">
@@ -4401,7 +4401,7 @@
           </p:nvSpPr>
           <p:spPr>
             <a:xfrm>
-              <a:off x="2017821" y="5222219"/>
+              <a:off x="2017880" y="5222196"/>
               <a:ext cx="63761" cy="63761"/>
             </a:xfrm>
             <a:prstGeom prst="ellipse">
@@ -4436,7 +4436,7 @@
           </p:nvSpPr>
           <p:spPr>
             <a:xfrm>
-              <a:off x="2007696" y="5212095"/>
+              <a:off x="2007756" y="5212072"/>
               <a:ext cx="84009" cy="84009"/>
             </a:xfrm>
             <a:prstGeom prst="ellipse">
@@ -4471,7 +4471,7 @@
           </p:nvSpPr>
           <p:spPr>
             <a:xfrm>
-              <a:off x="2208721" y="5282253"/>
+              <a:off x="2208776" y="5282230"/>
               <a:ext cx="63761" cy="63761"/>
             </a:xfrm>
             <a:prstGeom prst="ellipse">
@@ -4506,7 +4506,7 @@
           </p:nvSpPr>
           <p:spPr>
             <a:xfrm>
-              <a:off x="2208721" y="5342286"/>
+              <a:off x="2208776" y="5342263"/>
               <a:ext cx="63761" cy="63761"/>
             </a:xfrm>
             <a:prstGeom prst="ellipse">
@@ -4541,7 +4541,7 @@
           </p:nvSpPr>
           <p:spPr>
             <a:xfrm>
-              <a:off x="1731471" y="5222219"/>
+              <a:off x="1731535" y="5222196"/>
               <a:ext cx="63761" cy="63761"/>
             </a:xfrm>
             <a:prstGeom prst="ellipse">
@@ -4576,7 +4576,7 @@
           </p:nvSpPr>
           <p:spPr>
             <a:xfrm>
-              <a:off x="1826921" y="5222219"/>
+              <a:off x="1826984" y="5222196"/>
               <a:ext cx="63761" cy="63761"/>
             </a:xfrm>
             <a:prstGeom prst="ellipse">
@@ -4611,7 +4611,7 @@
           </p:nvSpPr>
           <p:spPr>
             <a:xfrm>
-              <a:off x="2389497" y="5272128"/>
+              <a:off x="2389548" y="5272105"/>
               <a:ext cx="84009" cy="84009"/>
             </a:xfrm>
             <a:prstGeom prst="ellipse">
@@ -4646,7 +4646,7 @@
           </p:nvSpPr>
           <p:spPr>
             <a:xfrm>
-              <a:off x="2222551" y="5296083"/>
+              <a:off x="2222606" y="5296060"/>
               <a:ext cx="36101" cy="36101"/>
             </a:xfrm>
             <a:prstGeom prst="ellipse">
@@ -4681,7 +4681,7 @@
           </p:nvSpPr>
           <p:spPr>
             <a:xfrm>
-              <a:off x="2495071" y="5342286"/>
+              <a:off x="2495121" y="5342263"/>
               <a:ext cx="63761" cy="63761"/>
             </a:xfrm>
             <a:prstGeom prst="ellipse">
@@ -4716,7 +4716,7 @@
           </p:nvSpPr>
           <p:spPr>
             <a:xfrm>
-              <a:off x="1922371" y="5282253"/>
+              <a:off x="1922432" y="5282230"/>
               <a:ext cx="63761" cy="63761"/>
             </a:xfrm>
             <a:prstGeom prst="ellipse">
@@ -4751,7 +4751,7 @@
           </p:nvSpPr>
           <p:spPr>
             <a:xfrm>
-              <a:off x="2017821" y="5462354"/>
+              <a:off x="2017880" y="5462330"/>
               <a:ext cx="63761" cy="63761"/>
             </a:xfrm>
             <a:prstGeom prst="ellipse">
@@ -4786,7 +4786,7 @@
           </p:nvSpPr>
           <p:spPr>
             <a:xfrm>
-              <a:off x="2495071" y="5402320"/>
+              <a:off x="2495121" y="5402296"/>
               <a:ext cx="63761" cy="63761"/>
             </a:xfrm>
             <a:prstGeom prst="ellipse">
@@ -4821,7 +4821,7 @@
           </p:nvSpPr>
           <p:spPr>
             <a:xfrm>
-              <a:off x="1936201" y="5356116"/>
+              <a:off x="1936262" y="5356093"/>
               <a:ext cx="36101" cy="36101"/>
             </a:xfrm>
             <a:prstGeom prst="ellipse">
@@ -4856,7 +4856,7 @@
           </p:nvSpPr>
           <p:spPr>
             <a:xfrm>
-              <a:off x="1445120" y="5402320"/>
+              <a:off x="1445191" y="5402296"/>
               <a:ext cx="63761" cy="63761"/>
             </a:xfrm>
             <a:prstGeom prst="ellipse">
@@ -4891,7 +4891,7 @@
           </p:nvSpPr>
           <p:spPr>
             <a:xfrm>
-              <a:off x="2113271" y="5282253"/>
+              <a:off x="2113328" y="5282230"/>
               <a:ext cx="63761" cy="63761"/>
             </a:xfrm>
             <a:prstGeom prst="ellipse">
@@ -4926,7 +4926,7 @@
           </p:nvSpPr>
           <p:spPr>
             <a:xfrm>
-              <a:off x="2012092" y="5396591"/>
+              <a:off x="2012151" y="5396568"/>
               <a:ext cx="75218" cy="75218"/>
             </a:xfrm>
             <a:prstGeom prst="ellipse">
@@ -4961,7 +4961,7 @@
           </p:nvSpPr>
           <p:spPr>
             <a:xfrm>
-              <a:off x="1534842" y="5396591"/>
+              <a:off x="1534911" y="5396568"/>
               <a:ext cx="75218" cy="75218"/>
             </a:xfrm>
             <a:prstGeom prst="ellipse">
@@ -4996,7 +4996,7 @@
           </p:nvSpPr>
           <p:spPr>
             <a:xfrm>
-              <a:off x="1445120" y="5402320"/>
+              <a:off x="1445191" y="5402296"/>
               <a:ext cx="63761" cy="63761"/>
             </a:xfrm>
             <a:prstGeom prst="ellipse">
@@ -5031,7 +5031,7 @@
           </p:nvSpPr>
           <p:spPr>
             <a:xfrm>
-              <a:off x="2000726" y="5205124"/>
+              <a:off x="2000785" y="5205101"/>
               <a:ext cx="97951" cy="97951"/>
             </a:xfrm>
             <a:prstGeom prst="ellipse">
@@ -5066,7 +5066,7 @@
           </p:nvSpPr>
           <p:spPr>
             <a:xfrm>
-              <a:off x="2103147" y="5031993"/>
+              <a:off x="2103204" y="5031972"/>
               <a:ext cx="84009" cy="84009"/>
             </a:xfrm>
             <a:prstGeom prst="ellipse">
@@ -5101,7 +5101,7 @@
           </p:nvSpPr>
           <p:spPr>
             <a:xfrm>
-              <a:off x="1821192" y="5336558"/>
+              <a:off x="1821255" y="5336534"/>
               <a:ext cx="75218" cy="75218"/>
             </a:xfrm>
             <a:prstGeom prst="ellipse">
@@ -5136,7 +5136,7 @@
           </p:nvSpPr>
           <p:spPr>
             <a:xfrm>
-              <a:off x="2113271" y="5222219"/>
+              <a:off x="2113328" y="5222196"/>
               <a:ext cx="63761" cy="63761"/>
             </a:xfrm>
             <a:prstGeom prst="ellipse">
@@ -5171,7 +5171,7 @@
           </p:nvSpPr>
           <p:spPr>
             <a:xfrm>
-              <a:off x="1636021" y="5342286"/>
+              <a:off x="1636087" y="5342263"/>
               <a:ext cx="63761" cy="63761"/>
             </a:xfrm>
             <a:prstGeom prst="ellipse">
@@ -5206,7 +5206,7 @@
           </p:nvSpPr>
           <p:spPr>
             <a:xfrm>
-              <a:off x="2304171" y="5282253"/>
+              <a:off x="2304224" y="5282230"/>
               <a:ext cx="63761" cy="63761"/>
             </a:xfrm>
             <a:prstGeom prst="ellipse">
@@ -5241,7 +5241,7 @@
           </p:nvSpPr>
           <p:spPr>
             <a:xfrm>
-              <a:off x="2017821" y="5342286"/>
+              <a:off x="2017880" y="5342263"/>
               <a:ext cx="63761" cy="63761"/>
             </a:xfrm>
             <a:prstGeom prst="ellipse">
@@ -5276,7 +5276,7 @@
           </p:nvSpPr>
           <p:spPr>
             <a:xfrm>
-              <a:off x="3890787" y="3325139"/>
+              <a:off x="3890808" y="3325129"/>
               <a:ext cx="135831" cy="135831"/>
             </a:xfrm>
             <a:prstGeom prst="ellipse">
@@ -5311,7 +5311,7 @@
           </p:nvSpPr>
           <p:spPr>
             <a:xfrm>
-              <a:off x="3316204" y="3443324"/>
+              <a:off x="3316237" y="3443313"/>
               <a:ext cx="139595" cy="139595"/>
             </a:xfrm>
             <a:prstGeom prst="ellipse">
@@ -5346,7 +5346,7 @@
           </p:nvSpPr>
           <p:spPr>
             <a:xfrm>
-              <a:off x="3793455" y="3203189"/>
+              <a:off x="3793477" y="3203180"/>
               <a:ext cx="139595" cy="139595"/>
             </a:xfrm>
             <a:prstGeom prst="ellipse">
@@ -5381,7 +5381,7 @@
           </p:nvSpPr>
           <p:spPr>
             <a:xfrm>
-              <a:off x="2460992" y="3747331"/>
+              <a:off x="2461042" y="3747318"/>
               <a:ext cx="131918" cy="131918"/>
             </a:xfrm>
             <a:prstGeom prst="ellipse">
@@ -5416,7 +5416,7 @@
           </p:nvSpPr>
           <p:spPr>
             <a:xfrm>
-              <a:off x="3411654" y="3383290"/>
+              <a:off x="3411685" y="3383280"/>
               <a:ext cx="139595" cy="139595"/>
             </a:xfrm>
             <a:prstGeom prst="ellipse">
@@ -5451,7 +5451,7 @@
           </p:nvSpPr>
           <p:spPr>
             <a:xfrm>
-              <a:off x="2651893" y="3447163"/>
+              <a:off x="2651938" y="3447152"/>
               <a:ext cx="131918" cy="131918"/>
             </a:xfrm>
             <a:prstGeom prst="ellipse">
@@ -5486,7 +5486,7 @@
           </p:nvSpPr>
           <p:spPr>
             <a:xfrm>
-              <a:off x="3218938" y="3321440"/>
+              <a:off x="3218972" y="3321430"/>
               <a:ext cx="143228" cy="143228"/>
             </a:xfrm>
             <a:prstGeom prst="ellipse">
@@ -5521,7 +5521,7 @@
           </p:nvSpPr>
           <p:spPr>
             <a:xfrm>
-              <a:off x="1894711" y="4173986"/>
+              <a:off x="1894772" y="4173970"/>
               <a:ext cx="119081" cy="119081"/>
             </a:xfrm>
             <a:prstGeom prst="ellipse">
@@ -5556,7 +5556,7 @@
           </p:nvSpPr>
           <p:spPr>
             <a:xfrm>
-              <a:off x="3510943" y="3387129"/>
+              <a:off x="3510971" y="3387119"/>
               <a:ext cx="131918" cy="131918"/>
             </a:xfrm>
             <a:prstGeom prst="ellipse">
@@ -5591,7 +5591,7 @@
           </p:nvSpPr>
           <p:spPr>
             <a:xfrm>
-              <a:off x="2172686" y="3805409"/>
+              <a:off x="2172741" y="3805395"/>
               <a:ext cx="135831" cy="135831"/>
             </a:xfrm>
             <a:prstGeom prst="ellipse">
@@ -5626,7 +5626,7 @@
           </p:nvSpPr>
           <p:spPr>
             <a:xfrm>
-              <a:off x="1990161" y="4053918"/>
+              <a:off x="1990220" y="4053903"/>
               <a:ext cx="119081" cy="119081"/>
             </a:xfrm>
             <a:prstGeom prst="ellipse">
@@ -5661,7 +5661,7 @@
           </p:nvSpPr>
           <p:spPr>
             <a:xfrm>
-              <a:off x="2838954" y="3623425"/>
+              <a:off x="2838996" y="3623413"/>
               <a:ext cx="139595" cy="139595"/>
             </a:xfrm>
             <a:prstGeom prst="ellipse">
@@ -5696,7 +5696,7 @@
           </p:nvSpPr>
           <p:spPr>
             <a:xfrm>
-              <a:off x="2944661" y="3753750"/>
+              <a:off x="2944701" y="3753737"/>
               <a:ext cx="119081" cy="119081"/>
             </a:xfrm>
             <a:prstGeom prst="ellipse">
@@ -5731,7 +5731,7 @@
           </p:nvSpPr>
           <p:spPr>
             <a:xfrm>
-              <a:off x="3031736" y="3325139"/>
+              <a:off x="3031774" y="3325129"/>
               <a:ext cx="135831" cy="135831"/>
             </a:xfrm>
             <a:prstGeom prst="ellipse">
@@ -5766,7 +5766,7 @@
           </p:nvSpPr>
           <p:spPr>
             <a:xfrm>
-              <a:off x="2556442" y="3987466"/>
+              <a:off x="2556490" y="3987452"/>
               <a:ext cx="131918" cy="131918"/>
             </a:xfrm>
             <a:prstGeom prst="ellipse">
@@ -5801,7 +5801,7 @@
           </p:nvSpPr>
           <p:spPr>
             <a:xfrm>
-              <a:off x="3604437" y="3505240"/>
+              <a:off x="3604463" y="3505229"/>
               <a:ext cx="135831" cy="135831"/>
             </a:xfrm>
             <a:prstGeom prst="ellipse">
@@ -5836,7 +5836,7 @@
           </p:nvSpPr>
           <p:spPr>
             <a:xfrm>
-              <a:off x="2552604" y="3443324"/>
+              <a:off x="2552651" y="3443313"/>
               <a:ext cx="139595" cy="139595"/>
             </a:xfrm>
             <a:prstGeom prst="ellipse">
@@ -5871,7 +5871,7 @@
           </p:nvSpPr>
           <p:spPr>
             <a:xfrm>
-              <a:off x="2753761" y="3693716"/>
+              <a:off x="2753805" y="3693704"/>
               <a:ext cx="119081" cy="119081"/>
             </a:xfrm>
             <a:prstGeom prst="ellipse">
@@ -5906,7 +5906,7 @@
           </p:nvSpPr>
           <p:spPr>
             <a:xfrm>
-              <a:off x="3125304" y="3443324"/>
+              <a:off x="3125340" y="3443313"/>
               <a:ext cx="139595" cy="139595"/>
             </a:xfrm>
             <a:prstGeom prst="ellipse">
@@ -5941,7 +5941,7 @@
           </p:nvSpPr>
           <p:spPr>
             <a:xfrm>
-              <a:off x="2560617" y="3811539"/>
+              <a:off x="2560664" y="3811526"/>
               <a:ext cx="123570" cy="123570"/>
             </a:xfrm>
             <a:prstGeom prst="ellipse">
@@ -5976,7 +5976,7 @@
           </p:nvSpPr>
           <p:spPr>
             <a:xfrm>
-              <a:off x="2833679" y="3257947"/>
+              <a:off x="2833720" y="3257938"/>
               <a:ext cx="150146" cy="150146"/>
             </a:xfrm>
             <a:prstGeom prst="ellipse">
@@ -6011,7 +6011,7 @@
           </p:nvSpPr>
           <p:spPr>
             <a:xfrm>
-              <a:off x="3033693" y="3747331"/>
+              <a:off x="3033731" y="3747318"/>
               <a:ext cx="131918" cy="131918"/>
             </a:xfrm>
             <a:prstGeom prst="ellipse">
@@ -6046,7 +6046,7 @@
           </p:nvSpPr>
           <p:spPr>
             <a:xfrm>
-              <a:off x="3220754" y="3203189"/>
+              <a:off x="3220788" y="3203180"/>
               <a:ext cx="139595" cy="139595"/>
             </a:xfrm>
             <a:prstGeom prst="ellipse">
@@ -6081,7 +6081,7 @@
           </p:nvSpPr>
           <p:spPr>
             <a:xfrm>
-              <a:off x="3035732" y="3329135"/>
+              <a:off x="3035770" y="3329125"/>
               <a:ext cx="127839" cy="127839"/>
             </a:xfrm>
             <a:prstGeom prst="ellipse">
@@ -6116,7 +6116,7 @@
           </p:nvSpPr>
           <p:spPr>
             <a:xfrm>
-              <a:off x="3320043" y="3567230"/>
+              <a:off x="3320075" y="3567218"/>
               <a:ext cx="131918" cy="131918"/>
             </a:xfrm>
             <a:prstGeom prst="ellipse">
@@ -6151,7 +6151,7 @@
           </p:nvSpPr>
           <p:spPr>
             <a:xfrm>
-              <a:off x="3508987" y="3505240"/>
+              <a:off x="3509015" y="3505229"/>
               <a:ext cx="135831" cy="135831"/>
             </a:xfrm>
             <a:prstGeom prst="ellipse">
@@ -6186,7 +6186,7 @@
           </p:nvSpPr>
           <p:spPr>
             <a:xfrm>
-              <a:off x="3699887" y="3265105"/>
+              <a:off x="3699911" y="3265096"/>
               <a:ext cx="135831" cy="135831"/>
             </a:xfrm>
             <a:prstGeom prst="ellipse">
@@ -6221,7 +6221,7 @@
           </p:nvSpPr>
           <p:spPr>
             <a:xfrm>
-              <a:off x="3598982" y="3139583"/>
+              <a:off x="3599008" y="3139574"/>
               <a:ext cx="146741" cy="146741"/>
             </a:xfrm>
             <a:prstGeom prst="ellipse">
@@ -6256,7 +6256,7 @@
           </p:nvSpPr>
           <p:spPr>
             <a:xfrm>
-              <a:off x="2934404" y="3443324"/>
+              <a:off x="2934444" y="3443313"/>
               <a:ext cx="139595" cy="139595"/>
             </a:xfrm>
             <a:prstGeom prst="ellipse">
@@ -6291,7 +6291,7 @@
           </p:nvSpPr>
           <p:spPr>
             <a:xfrm>
-              <a:off x="2658311" y="4053918"/>
+              <a:off x="2658357" y="4053903"/>
               <a:ext cx="119081" cy="119081"/>
             </a:xfrm>
             <a:prstGeom prst="ellipse">
@@ -6326,7 +6326,7 @@
           </p:nvSpPr>
           <p:spPr>
             <a:xfrm>
-              <a:off x="2465167" y="3871573"/>
+              <a:off x="2465216" y="3871559"/>
               <a:ext cx="123570" cy="123570"/>
             </a:xfrm>
             <a:prstGeom prst="ellipse">
@@ -6361,7 +6361,7 @@
           </p:nvSpPr>
           <p:spPr>
             <a:xfrm>
-              <a:off x="2467411" y="3933851"/>
+              <a:off x="2467460" y="3933837"/>
               <a:ext cx="119081" cy="119081"/>
             </a:xfrm>
             <a:prstGeom prst="ellipse">
@@ -6396,7 +6396,7 @@
           </p:nvSpPr>
           <p:spPr>
             <a:xfrm>
-              <a:off x="2749382" y="3809404"/>
+              <a:off x="2749426" y="3809391"/>
               <a:ext cx="127839" cy="127839"/>
             </a:xfrm>
             <a:prstGeom prst="ellipse">
@@ -6431,7 +6431,7 @@
           </p:nvSpPr>
           <p:spPr>
             <a:xfrm>
-              <a:off x="2932588" y="3081306"/>
+              <a:off x="2932628" y="3081297"/>
               <a:ext cx="143228" cy="143228"/>
             </a:xfrm>
             <a:prstGeom prst="ellipse">
@@ -6466,7 +6466,7 @@
           </p:nvSpPr>
           <p:spPr>
             <a:xfrm>
-              <a:off x="2361704" y="3443324"/>
+              <a:off x="2361755" y="3443313"/>
               <a:ext cx="139595" cy="139595"/>
             </a:xfrm>
             <a:prstGeom prst="ellipse">
@@ -6501,7 +6501,7 @@
           </p:nvSpPr>
           <p:spPr>
             <a:xfrm>
-              <a:off x="2932588" y="3441508"/>
+              <a:off x="2932628" y="3441497"/>
               <a:ext cx="143228" cy="143228"/>
             </a:xfrm>
             <a:prstGeom prst="ellipse">
@@ -6536,7 +6536,7 @@
           </p:nvSpPr>
           <p:spPr>
             <a:xfrm>
-              <a:off x="3602554" y="3323257"/>
+              <a:off x="3602581" y="3323247"/>
               <a:ext cx="139595" cy="139595"/>
             </a:xfrm>
             <a:prstGeom prst="ellipse">
@@ -6571,7 +6571,7 @@
           </p:nvSpPr>
           <p:spPr>
             <a:xfrm>
-              <a:off x="3224593" y="3507196"/>
+              <a:off x="3224627" y="3507185"/>
               <a:ext cx="131918" cy="131918"/>
             </a:xfrm>
             <a:prstGeom prst="ellipse">
@@ -6606,7 +6606,7 @@
           </p:nvSpPr>
           <p:spPr>
             <a:xfrm>
-              <a:off x="2556442" y="3687297"/>
+              <a:off x="2556490" y="3687285"/>
               <a:ext cx="131918" cy="131918"/>
             </a:xfrm>
             <a:prstGeom prst="ellipse">
@@ -6641,7 +6641,7 @@
           </p:nvSpPr>
           <p:spPr>
             <a:xfrm>
-              <a:off x="2460992" y="3747331"/>
+              <a:off x="2461042" y="3747318"/>
               <a:ext cx="131918" cy="131918"/>
             </a:xfrm>
             <a:prstGeom prst="ellipse">
@@ -6676,7 +6676,7 @@
           </p:nvSpPr>
           <p:spPr>
             <a:xfrm>
-              <a:off x="2463032" y="3509236"/>
+              <a:off x="2463081" y="3509225"/>
               <a:ext cx="127839" cy="127839"/>
             </a:xfrm>
             <a:prstGeom prst="ellipse">
@@ -6711,7 +6711,7 @@
           </p:nvSpPr>
           <p:spPr>
             <a:xfrm>
-              <a:off x="3031736" y="3385173"/>
+              <a:off x="3031774" y="3385162"/>
               <a:ext cx="135831" cy="135831"/>
             </a:xfrm>
             <a:prstGeom prst="ellipse">
@@ -6746,7 +6746,7 @@
           </p:nvSpPr>
           <p:spPr>
             <a:xfrm>
-              <a:off x="2749382" y="3749371"/>
+              <a:off x="2749426" y="3749358"/>
               <a:ext cx="127839" cy="127839"/>
             </a:xfrm>
             <a:prstGeom prst="ellipse">
@@ -6781,7 +6781,7 @@
           </p:nvSpPr>
           <p:spPr>
             <a:xfrm>
-              <a:off x="1990161" y="4173986"/>
+              <a:off x="1990220" y="4173970"/>
               <a:ext cx="119081" cy="119081"/>
             </a:xfrm>
             <a:prstGeom prst="ellipse">
@@ -6816,7 +6816,7 @@
           </p:nvSpPr>
           <p:spPr>
             <a:xfrm>
-              <a:off x="2556442" y="3627264"/>
+              <a:off x="2556490" y="3627252"/>
               <a:ext cx="131918" cy="131918"/>
             </a:xfrm>
             <a:prstGeom prst="ellipse">
@@ -6851,7 +6851,7 @@
           </p:nvSpPr>
           <p:spPr>
             <a:xfrm>
-              <a:off x="2653932" y="3629303"/>
+              <a:off x="2653978" y="3629291"/>
               <a:ext cx="127839" cy="127839"/>
             </a:xfrm>
             <a:prstGeom prst="ellipse">
@@ -6886,7 +6886,7 @@
           </p:nvSpPr>
           <p:spPr>
             <a:xfrm>
-              <a:off x="2651893" y="3627264"/>
+              <a:off x="2651938" y="3627252"/>
               <a:ext cx="131918" cy="131918"/>
             </a:xfrm>
             <a:prstGeom prst="ellipse">
@@ -6921,7 +6921,7 @@
           </p:nvSpPr>
           <p:spPr>
             <a:xfrm>
-              <a:off x="3129143" y="3567230"/>
+              <a:off x="3129179" y="3567218"/>
               <a:ext cx="131918" cy="131918"/>
             </a:xfrm>
             <a:prstGeom prst="ellipse">
@@ -6956,7 +6956,7 @@
           </p:nvSpPr>
           <p:spPr>
             <a:xfrm>
-              <a:off x="2083366" y="4351842"/>
+              <a:off x="2083424" y="4351826"/>
               <a:ext cx="123570" cy="123570"/>
             </a:xfrm>
             <a:prstGeom prst="ellipse">
@@ -6991,7 +6991,7 @@
           </p:nvSpPr>
           <p:spPr>
             <a:xfrm>
-              <a:off x="2651893" y="3687297"/>
+              <a:off x="2651938" y="3687285"/>
               <a:ext cx="131918" cy="131918"/>
             </a:xfrm>
             <a:prstGeom prst="ellipse">
@@ -7026,7 +7026,7 @@
           </p:nvSpPr>
           <p:spPr>
             <a:xfrm>
-              <a:off x="3204748" y="2526813"/>
+              <a:off x="3204783" y="2526808"/>
               <a:ext cx="171607" cy="171607"/>
             </a:xfrm>
             <a:prstGeom prst="ellipse">
@@ -7061,7 +7061,7 @@
           </p:nvSpPr>
           <p:spPr>
             <a:xfrm>
-              <a:off x="2736575" y="3076193"/>
+              <a:off x="2736619" y="3076185"/>
               <a:ext cx="153453" cy="153453"/>
             </a:xfrm>
             <a:prstGeom prst="ellipse">
@@ -7096,7 +7096,7 @@
           </p:nvSpPr>
           <p:spPr>
             <a:xfrm>
-              <a:off x="3974252" y="2592750"/>
+              <a:off x="3974271" y="2592744"/>
               <a:ext cx="159800" cy="159800"/>
             </a:xfrm>
             <a:prstGeom prst="ellipse">
@@ -7131,7 +7131,7 @@
           </p:nvSpPr>
           <p:spPr>
             <a:xfrm>
-              <a:off x="3215479" y="2777678"/>
+              <a:off x="3215513" y="2777671"/>
               <a:ext cx="150146" cy="150146"/>
             </a:xfrm>
             <a:prstGeom prst="ellipse">
@@ -7166,7 +7166,7 @@
           </p:nvSpPr>
           <p:spPr>
             <a:xfrm>
-              <a:off x="3400024" y="2651256"/>
+              <a:off x="3400055" y="2651250"/>
               <a:ext cx="162855" cy="162855"/>
             </a:xfrm>
             <a:prstGeom prst="ellipse">
@@ -7201,7 +7201,7 @@
           </p:nvSpPr>
           <p:spPr>
             <a:xfrm>
-              <a:off x="4451502" y="2172514"/>
+              <a:off x="4451512" y="2172511"/>
               <a:ext cx="159800" cy="159800"/>
             </a:xfrm>
             <a:prstGeom prst="ellipse">
@@ -7236,7 +7236,7 @@
           </p:nvSpPr>
           <p:spPr>
             <a:xfrm>
-              <a:off x="1880881" y="3439751"/>
+              <a:off x="1880942" y="3439740"/>
               <a:ext cx="146741" cy="146741"/>
             </a:xfrm>
             <a:prstGeom prst="ellipse">
@@ -7271,7 +7271,7 @@
           </p:nvSpPr>
           <p:spPr>
             <a:xfrm>
-              <a:off x="4169979" y="2357442"/>
+              <a:off x="4169994" y="2357438"/>
               <a:ext cx="150146" cy="150146"/>
             </a:xfrm>
             <a:prstGeom prst="ellipse">
@@ -7306,7 +7306,7 @@
           </p:nvSpPr>
           <p:spPr>
             <a:xfrm>
-              <a:off x="3597279" y="2657610"/>
+              <a:off x="3597305" y="2657605"/>
               <a:ext cx="150146" cy="150146"/>
             </a:xfrm>
             <a:prstGeom prst="ellipse">
@@ -7341,7 +7341,7 @@
           </p:nvSpPr>
           <p:spPr>
             <a:xfrm>
-              <a:off x="4063799" y="2466779"/>
+              <a:off x="4063816" y="2466774"/>
               <a:ext cx="171607" cy="171607"/>
             </a:xfrm>
             <a:prstGeom prst="ellipse">
@@ -7376,7 +7376,7 @@
           </p:nvSpPr>
           <p:spPr>
             <a:xfrm>
-              <a:off x="3403118" y="3074585"/>
+              <a:off x="3403148" y="3074577"/>
               <a:ext cx="156668" cy="156668"/>
             </a:xfrm>
             <a:prstGeom prst="ellipse">
@@ -7411,7 +7411,7 @@
           </p:nvSpPr>
           <p:spPr>
             <a:xfrm>
-              <a:off x="3309276" y="2956126"/>
+              <a:off x="3309308" y="2956118"/>
               <a:ext cx="153453" cy="153453"/>
             </a:xfrm>
             <a:prstGeom prst="ellipse">
@@ -7446,7 +7446,7 @@
           </p:nvSpPr>
           <p:spPr>
             <a:xfrm>
-              <a:off x="3687902" y="2832884"/>
+              <a:off x="3687926" y="2832878"/>
               <a:ext cx="159800" cy="159800"/>
             </a:xfrm>
             <a:prstGeom prst="ellipse">
@@ -7481,7 +7481,7 @@
           </p:nvSpPr>
           <p:spPr>
             <a:xfrm>
-              <a:off x="2639517" y="3134619"/>
+              <a:off x="2639563" y="3134610"/>
               <a:ext cx="156668" cy="156668"/>
             </a:xfrm>
             <a:prstGeom prst="ellipse">
@@ -7516,7 +7516,7 @@
           </p:nvSpPr>
           <p:spPr>
             <a:xfrm>
-              <a:off x="2728925" y="3068543"/>
+              <a:off x="2728968" y="3068534"/>
               <a:ext cx="168754" cy="168754"/>
             </a:xfrm>
             <a:prstGeom prst="ellipse">
@@ -7551,7 +7551,7 @@
           </p:nvSpPr>
           <p:spPr>
             <a:xfrm>
-              <a:off x="3303083" y="2949933"/>
+              <a:off x="3303115" y="2949925"/>
               <a:ext cx="165838" cy="165838"/>
             </a:xfrm>
             <a:prstGeom prst="ellipse">
@@ -7586,7 +7586,7 @@
           </p:nvSpPr>
           <p:spPr>
             <a:xfrm>
-              <a:off x="3406379" y="2837712"/>
+              <a:off x="3406409" y="2837705"/>
               <a:ext cx="150146" cy="150146"/>
             </a:xfrm>
             <a:prstGeom prst="ellipse">
@@ -7621,7 +7621,7 @@
           </p:nvSpPr>
           <p:spPr>
             <a:xfrm>
-              <a:off x="4545425" y="2110953"/>
+              <a:off x="4545432" y="2110951"/>
               <a:ext cx="162855" cy="162855"/>
             </a:xfrm>
             <a:prstGeom prst="ellipse">
@@ -7656,7 +7656,7 @@
           </p:nvSpPr>
           <p:spPr>
             <a:xfrm>
-              <a:off x="4543934" y="1989394"/>
+              <a:off x="4543941" y="1989392"/>
               <a:ext cx="165838" cy="165838"/>
             </a:xfrm>
             <a:prstGeom prst="ellipse">
@@ -7691,7 +7691,7 @@
           </p:nvSpPr>
           <p:spPr>
             <a:xfrm>
-              <a:off x="2934404" y="3143155"/>
+              <a:off x="2934444" y="3143147"/>
               <a:ext cx="139595" cy="139595"/>
             </a:xfrm>
             <a:prstGeom prst="ellipse">
@@ -7726,7 +7726,7 @@
           </p:nvSpPr>
           <p:spPr>
             <a:xfrm>
-              <a:off x="3780333" y="2709798"/>
+              <a:off x="3780356" y="2709792"/>
               <a:ext cx="165838" cy="165838"/>
             </a:xfrm>
             <a:prstGeom prst="ellipse">
@@ -7761,7 +7761,7 @@
           </p:nvSpPr>
           <p:spPr>
             <a:xfrm>
-              <a:off x="2544067" y="3194653"/>
+              <a:off x="2544115" y="3194644"/>
               <a:ext cx="156668" cy="156668"/>
             </a:xfrm>
             <a:prstGeom prst="ellipse">
@@ -7796,7 +7796,7 @@
           </p:nvSpPr>
           <p:spPr>
             <a:xfrm>
-              <a:off x="4548519" y="2114046"/>
+              <a:off x="4548526" y="2114044"/>
               <a:ext cx="156668" cy="156668"/>
             </a:xfrm>
             <a:prstGeom prst="ellipse">
@@ -7831,7 +7831,7 @@
           </p:nvSpPr>
           <p:spPr>
             <a:xfrm>
-              <a:off x="3215479" y="3197914"/>
+              <a:off x="3215513" y="3197905"/>
               <a:ext cx="150146" cy="150146"/>
             </a:xfrm>
             <a:prstGeom prst="ellipse">
@@ -7866,7 +7866,7 @@
           </p:nvSpPr>
           <p:spPr>
             <a:xfrm>
-              <a:off x="3592452" y="2712817"/>
+              <a:off x="3592478" y="2712811"/>
               <a:ext cx="159800" cy="159800"/>
             </a:xfrm>
             <a:prstGeom prst="ellipse">
@@ -7901,7 +7901,7 @@
           </p:nvSpPr>
           <p:spPr>
             <a:xfrm>
-              <a:off x="4074529" y="2537543"/>
+              <a:off x="4074546" y="2537538"/>
               <a:ext cx="150146" cy="150146"/>
             </a:xfrm>
             <a:prstGeom prst="ellipse">
@@ -7936,7 +7936,7 @@
           </p:nvSpPr>
           <p:spPr>
             <a:xfrm>
-              <a:off x="3120029" y="3257947"/>
+              <a:off x="3120065" y="3257938"/>
               <a:ext cx="150146" cy="150146"/>
             </a:xfrm>
             <a:prstGeom prst="ellipse">
@@ -7971,7 +7971,7 @@
           </p:nvSpPr>
           <p:spPr>
             <a:xfrm>
-              <a:off x="3024579" y="3197914"/>
+              <a:off x="3024617" y="3197905"/>
               <a:ext cx="150146" cy="150146"/>
             </a:xfrm>
             <a:prstGeom prst="ellipse">
@@ -8006,7 +8006,7 @@
           </p:nvSpPr>
           <p:spPr>
             <a:xfrm>
-              <a:off x="3306102" y="2772851"/>
+              <a:off x="3306134" y="2772844"/>
               <a:ext cx="159800" cy="159800"/>
             </a:xfrm>
             <a:prstGeom prst="ellipse">
@@ -8041,7 +8041,7 @@
           </p:nvSpPr>
           <p:spPr>
             <a:xfrm>
-              <a:off x="4077988" y="2661070"/>
+              <a:off x="4078005" y="2661064"/>
               <a:ext cx="143228" cy="143228"/>
             </a:xfrm>
             <a:prstGeom prst="ellipse">
@@ -8076,7 +8076,7 @@
           </p:nvSpPr>
           <p:spPr>
             <a:xfrm>
-              <a:off x="4263776" y="2475856"/>
+              <a:off x="4263789" y="2475852"/>
               <a:ext cx="153453" cy="153453"/>
             </a:xfrm>
             <a:prstGeom prst="ellipse">
@@ -8111,7 +8111,7 @@
           </p:nvSpPr>
           <p:spPr>
             <a:xfrm>
-              <a:off x="4739419" y="2294147"/>
+              <a:off x="4739422" y="2294144"/>
               <a:ext cx="156668" cy="156668"/>
             </a:xfrm>
             <a:prstGeom prst="ellipse">
@@ -8146,7 +8146,7 @@
           </p:nvSpPr>
           <p:spPr>
             <a:xfrm>
-              <a:off x="3304574" y="2771323"/>
+              <a:off x="3304607" y="2771317"/>
               <a:ext cx="162855" cy="162855"/>
             </a:xfrm>
             <a:prstGeom prst="ellipse">
@@ -8181,7 +8181,7 @@
           </p:nvSpPr>
           <p:spPr>
             <a:xfrm>
-              <a:off x="3220754" y="3083122"/>
+              <a:off x="3220788" y="3083113"/>
               <a:ext cx="139595" cy="139595"/>
             </a:xfrm>
             <a:prstGeom prst="ellipse">
@@ -8216,7 +8216,7 @@
           </p:nvSpPr>
           <p:spPr>
             <a:xfrm>
-              <a:off x="3031736" y="2784836"/>
+              <a:off x="3031774" y="2784829"/>
               <a:ext cx="135831" cy="135831"/>
             </a:xfrm>
             <a:prstGeom prst="ellipse">
@@ -8251,7 +8251,7 @@
           </p:nvSpPr>
           <p:spPr>
             <a:xfrm>
-              <a:off x="4543934" y="2469663"/>
+              <a:off x="4543941" y="2469659"/>
               <a:ext cx="165838" cy="165838"/>
             </a:xfrm>
             <a:prstGeom prst="ellipse">
@@ -8286,7 +8286,7 @@
           </p:nvSpPr>
           <p:spPr>
             <a:xfrm>
-              <a:off x="3206175" y="2768374"/>
+              <a:off x="3206209" y="2768368"/>
               <a:ext cx="168754" cy="168754"/>
             </a:xfrm>
             <a:prstGeom prst="ellipse">
@@ -8321,7 +8321,7 @@
           </p:nvSpPr>
           <p:spPr>
             <a:xfrm>
-              <a:off x="3310929" y="2837712"/>
+              <a:off x="3310961" y="2837705"/>
               <a:ext cx="150146" cy="150146"/>
             </a:xfrm>
             <a:prstGeom prst="ellipse">
@@ -8356,7 +8356,7 @@
           </p:nvSpPr>
           <p:spPr>
             <a:xfrm>
-              <a:off x="2929129" y="3257947"/>
+              <a:off x="2929169" y="3257938"/>
               <a:ext cx="150146" cy="150146"/>
             </a:xfrm>
             <a:prstGeom prst="ellipse">
@@ -8391,7 +8391,7 @@
           </p:nvSpPr>
           <p:spPr>
             <a:xfrm>
-              <a:off x="3783352" y="2892918"/>
+              <a:off x="3783375" y="2892911"/>
               <a:ext cx="159800" cy="159800"/>
             </a:xfrm>
             <a:prstGeom prst="ellipse">
@@ -8426,7 +8426,7 @@
           </p:nvSpPr>
           <p:spPr>
             <a:xfrm>
-              <a:off x="3587975" y="2768374"/>
+              <a:off x="3588002" y="2768368"/>
               <a:ext cx="168754" cy="168754"/>
             </a:xfrm>
             <a:prstGeom prst="ellipse">
@@ -8461,7 +8461,7 @@
           </p:nvSpPr>
           <p:spPr>
             <a:xfrm>
-              <a:off x="3780333" y="3070000"/>
+              <a:off x="3780356" y="3069992"/>
               <a:ext cx="165838" cy="165838"/>
             </a:xfrm>
             <a:prstGeom prst="ellipse">
@@ -8496,7 +8496,7 @@
           </p:nvSpPr>
           <p:spPr>
             <a:xfrm>
-              <a:off x="2736575" y="3076193"/>
+              <a:off x="2736619" y="3076185"/>
               <a:ext cx="153453" cy="153453"/>
             </a:xfrm>
             <a:prstGeom prst="ellipse">
@@ -8531,7 +8531,7 @@
           </p:nvSpPr>
           <p:spPr>
             <a:xfrm>
-              <a:off x="3684883" y="2589731"/>
+              <a:off x="3684908" y="2589726"/>
               <a:ext cx="165838" cy="165838"/>
             </a:xfrm>
             <a:prstGeom prst="ellipse">
@@ -8566,7 +8566,7 @@
           </p:nvSpPr>
           <p:spPr>
             <a:xfrm>
-              <a:off x="3586549" y="2706914"/>
+              <a:off x="3586575" y="2706908"/>
               <a:ext cx="171607" cy="171607"/>
             </a:xfrm>
             <a:prstGeom prst="ellipse">
@@ -8601,7 +8601,7 @@
           </p:nvSpPr>
           <p:spPr>
             <a:xfrm>
-              <a:off x="3589433" y="3009967"/>
+              <a:off x="3589460" y="3009959"/>
               <a:ext cx="165838" cy="165838"/>
             </a:xfrm>
             <a:prstGeom prst="ellipse">
@@ -8636,7 +8636,7 @@
           </p:nvSpPr>
           <p:spPr>
             <a:xfrm>
-              <a:off x="3213826" y="3136227"/>
+              <a:off x="3213860" y="3136218"/>
               <a:ext cx="153453" cy="153453"/>
             </a:xfrm>
             <a:prstGeom prst="ellipse">
@@ -8671,7 +8671,7 @@
           </p:nvSpPr>
           <p:spPr>
             <a:xfrm>
-              <a:off x="3403118" y="3014552"/>
+              <a:off x="3403148" y="3014544"/>
               <a:ext cx="156668" cy="156668"/>
             </a:xfrm>
             <a:prstGeom prst="ellipse">
@@ -8706,7 +8706,7 @@
           </p:nvSpPr>
           <p:spPr>
             <a:xfrm>
-              <a:off x="3112183" y="2889899"/>
+              <a:off x="3112219" y="2889892"/>
               <a:ext cx="165838" cy="165838"/>
             </a:xfrm>
             <a:prstGeom prst="ellipse">
@@ -8741,7 +8741,7 @@
           </p:nvSpPr>
           <p:spPr>
             <a:xfrm>
-              <a:off x="2833679" y="3077846"/>
+              <a:off x="2833720" y="3077838"/>
               <a:ext cx="150146" cy="150146"/>
             </a:xfrm>
             <a:prstGeom prst="ellipse">
@@ -8776,8 +8776,8 @@
           </p:nvSpPr>
           <p:spPr>
             <a:xfrm>
-              <a:off x="1090487" y="4977651"/>
-              <a:ext cx="56623" cy="71635"/>
+              <a:off x="1090543" y="4977600"/>
+              <a:ext cx="56643" cy="71650"/>
             </a:xfrm>
             <a:prstGeom prst="rect">
               <a:avLst/>
@@ -8822,8 +8822,8 @@
           </p:nvSpPr>
           <p:spPr>
             <a:xfrm>
-              <a:off x="1090487" y="3777373"/>
-              <a:ext cx="56623" cy="71239"/>
+              <a:off x="1090543" y="3777316"/>
+              <a:ext cx="56643" cy="71268"/>
             </a:xfrm>
             <a:prstGeom prst="rect">
               <a:avLst/>
@@ -8868,8 +8868,8 @@
           </p:nvSpPr>
           <p:spPr>
             <a:xfrm>
-              <a:off x="1090487" y="2575310"/>
-              <a:ext cx="56623" cy="72628"/>
+              <a:off x="1090543" y="2575285"/>
+              <a:ext cx="56643" cy="72633"/>
             </a:xfrm>
             <a:prstGeom prst="rect">
               <a:avLst/>
@@ -8914,7 +8914,7 @@
           </p:nvSpPr>
           <p:spPr>
             <a:xfrm>
-              <a:off x="1174946" y="5013965"/>
+              <a:off x="1175022" y="5013944"/>
               <a:ext cx="34794" cy="0"/>
             </a:xfrm>
             <a:custGeom>
@@ -8954,7 +8954,7 @@
           </p:nvSpPr>
           <p:spPr>
             <a:xfrm>
-              <a:off x="1174946" y="3813290"/>
+              <a:off x="1175022" y="3813278"/>
               <a:ext cx="34794" cy="0"/>
             </a:xfrm>
             <a:custGeom>
@@ -8994,7 +8994,7 @@
           </p:nvSpPr>
           <p:spPr>
             <a:xfrm>
-              <a:off x="1174946" y="2612616"/>
+              <a:off x="1175022" y="2612612"/>
               <a:ext cx="34794" cy="0"/>
             </a:xfrm>
             <a:custGeom>
@@ -9034,7 +9034,7 @@
           </p:nvSpPr>
           <p:spPr>
             <a:xfrm>
-              <a:off x="2049701" y="5791401"/>
+              <a:off x="2049761" y="5791375"/>
               <a:ext cx="0" cy="34794"/>
             </a:xfrm>
             <a:custGeom>
@@ -9074,7 +9074,7 @@
           </p:nvSpPr>
           <p:spPr>
             <a:xfrm>
-              <a:off x="3004202" y="5791401"/>
+              <a:off x="3004242" y="5791375"/>
               <a:ext cx="0" cy="34794"/>
             </a:xfrm>
             <a:custGeom>
@@ -9114,7 +9114,7 @@
           </p:nvSpPr>
           <p:spPr>
             <a:xfrm>
-              <a:off x="3958703" y="5791401"/>
+              <a:off x="3958723" y="5791375"/>
               <a:ext cx="0" cy="34794"/>
             </a:xfrm>
             <a:custGeom>
@@ -9154,7 +9154,7 @@
           </p:nvSpPr>
           <p:spPr>
             <a:xfrm>
-              <a:off x="4913203" y="5791401"/>
+              <a:off x="4913205" y="5791375"/>
               <a:ext cx="0" cy="34794"/>
             </a:xfrm>
             <a:custGeom>
@@ -9194,8 +9194,8 @@
           </p:nvSpPr>
           <p:spPr>
             <a:xfrm>
-              <a:off x="2021390" y="5853039"/>
-              <a:ext cx="56623" cy="71635"/>
+              <a:off x="2021439" y="5852968"/>
+              <a:ext cx="56643" cy="71650"/>
             </a:xfrm>
             <a:prstGeom prst="rect">
               <a:avLst/>
@@ -9240,8 +9240,8 @@
           </p:nvSpPr>
           <p:spPr>
             <a:xfrm>
-              <a:off x="2975890" y="5852047"/>
-              <a:ext cx="56623" cy="72628"/>
+              <a:off x="2975920" y="5851986"/>
+              <a:ext cx="56643" cy="72633"/>
             </a:xfrm>
             <a:prstGeom prst="rect">
               <a:avLst/>
@@ -9286,8 +9286,8 @@
           </p:nvSpPr>
           <p:spPr>
             <a:xfrm>
-              <a:off x="3930391" y="5853634"/>
-              <a:ext cx="56623" cy="71040"/>
+              <a:off x="3930401" y="5853678"/>
+              <a:ext cx="56643" cy="70941"/>
             </a:xfrm>
             <a:prstGeom prst="rect">
               <a:avLst/>
@@ -9332,8 +9332,8 @@
           </p:nvSpPr>
           <p:spPr>
             <a:xfrm>
-              <a:off x="4884891" y="5852047"/>
-              <a:ext cx="56623" cy="72628"/>
+              <a:off x="4884883" y="5851932"/>
+              <a:ext cx="56643" cy="72687"/>
             </a:xfrm>
             <a:prstGeom prst="rect">
               <a:avLst/>
@@ -9378,8 +9378,8 @@
           </p:nvSpPr>
           <p:spPr>
             <a:xfrm>
-              <a:off x="2735191" y="5962713"/>
-              <a:ext cx="728922" cy="119856"/>
+              <a:off x="2735229" y="5962557"/>
+              <a:ext cx="728922" cy="119918"/>
             </a:xfrm>
             <a:prstGeom prst="rect">
               <a:avLst/>
@@ -9424,8 +9424,8 @@
           </p:nvSpPr>
           <p:spPr>
             <a:xfrm rot="-5400000">
-              <a:off x="581015" y="3783379"/>
-              <a:ext cx="710300" cy="119856"/>
+              <a:off x="580946" y="3783335"/>
+              <a:ext cx="710300" cy="119918"/>
             </a:xfrm>
             <a:prstGeom prst="rect">
               <a:avLst/>
@@ -9470,8 +9470,8 @@
           </p:nvSpPr>
           <p:spPr>
             <a:xfrm>
-              <a:off x="5133563" y="2663117"/>
-              <a:ext cx="816647" cy="1299212"/>
+              <a:off x="5133563" y="2663211"/>
+              <a:ext cx="816647" cy="1299017"/>
             </a:xfrm>
             <a:prstGeom prst="rect">
               <a:avLst/>
@@ -9496,8 +9496,8 @@
           </p:nvSpPr>
           <p:spPr>
             <a:xfrm>
-              <a:off x="5205563" y="2727676"/>
-              <a:ext cx="672647" cy="96440"/>
+              <a:off x="5205563" y="2727810"/>
+              <a:ext cx="672647" cy="96316"/>
             </a:xfrm>
             <a:prstGeom prst="rect">
               <a:avLst/>
@@ -9542,7 +9542,7 @@
           </p:nvSpPr>
           <p:spPr>
             <a:xfrm>
-              <a:off x="5205563" y="2869658"/>
+              <a:off x="5205563" y="2869556"/>
               <a:ext cx="215999" cy="201168"/>
             </a:xfrm>
             <a:prstGeom prst="rect">
@@ -9577,7 +9577,7 @@
           </p:nvSpPr>
           <p:spPr>
             <a:xfrm>
-              <a:off x="5267852" y="2924531"/>
+              <a:off x="5267852" y="2924430"/>
               <a:ext cx="91421" cy="91421"/>
             </a:xfrm>
             <a:prstGeom prst="ellipse">
@@ -9612,7 +9612,7 @@
           </p:nvSpPr>
           <p:spPr>
             <a:xfrm>
-              <a:off x="5205563" y="3070826"/>
+              <a:off x="5205563" y="3070724"/>
               <a:ext cx="215999" cy="201168"/>
             </a:xfrm>
             <a:prstGeom prst="rect">
@@ -9647,7 +9647,7 @@
           </p:nvSpPr>
           <p:spPr>
             <a:xfrm>
-              <a:off x="5254022" y="3111869"/>
+              <a:off x="5254022" y="3111767"/>
               <a:ext cx="119081" cy="119081"/>
             </a:xfrm>
             <a:prstGeom prst="ellipse">
@@ -9682,7 +9682,7 @@
           </p:nvSpPr>
           <p:spPr>
             <a:xfrm>
-              <a:off x="5205563" y="3271994"/>
+              <a:off x="5205563" y="3271892"/>
               <a:ext cx="215999" cy="201167"/>
             </a:xfrm>
             <a:prstGeom prst="rect">
@@ -9717,7 +9717,7 @@
           </p:nvSpPr>
           <p:spPr>
             <a:xfrm>
-              <a:off x="5243765" y="3302780"/>
+              <a:off x="5243765" y="3302678"/>
               <a:ext cx="139595" cy="139595"/>
             </a:xfrm>
             <a:prstGeom prst="ellipse">
@@ -9752,8 +9752,8 @@
           </p:nvSpPr>
           <p:spPr>
             <a:xfrm>
-              <a:off x="5205563" y="3473162"/>
-              <a:ext cx="215999" cy="201167"/>
+              <a:off x="5205563" y="3473060"/>
+              <a:ext cx="215999" cy="201168"/>
             </a:xfrm>
             <a:prstGeom prst="rect">
               <a:avLst/>
@@ -9787,7 +9787,7 @@
           </p:nvSpPr>
           <p:spPr>
             <a:xfrm>
-              <a:off x="5235229" y="3495411"/>
+              <a:off x="5235229" y="3495310"/>
               <a:ext cx="156668" cy="156668"/>
             </a:xfrm>
             <a:prstGeom prst="ellipse">
@@ -9822,7 +9822,7 @@
           </p:nvSpPr>
           <p:spPr>
             <a:xfrm>
-              <a:off x="5205563" y="3674330"/>
+              <a:off x="5205563" y="3674228"/>
               <a:ext cx="215999" cy="215999"/>
             </a:xfrm>
             <a:prstGeom prst="rect">
@@ -9857,7 +9857,7 @@
           </p:nvSpPr>
           <p:spPr>
             <a:xfrm>
-              <a:off x="5227759" y="3696526"/>
+              <a:off x="5227759" y="3696424"/>
               <a:ext cx="171607" cy="171607"/>
             </a:xfrm>
             <a:prstGeom prst="ellipse">
@@ -9892,8 +9892,8 @@
           </p:nvSpPr>
           <p:spPr>
             <a:xfrm>
-              <a:off x="5446709" y="2932935"/>
-              <a:ext cx="141450" cy="72628"/>
+              <a:off x="5446709" y="2932760"/>
+              <a:ext cx="141500" cy="72687"/>
             </a:xfrm>
             <a:prstGeom prst="rect">
               <a:avLst/>
@@ -9938,8 +9938,8 @@
           </p:nvSpPr>
           <p:spPr>
             <a:xfrm>
-              <a:off x="5446709" y="3134103"/>
-              <a:ext cx="141450" cy="72628"/>
+              <a:off x="5446709" y="3133928"/>
+              <a:ext cx="141500" cy="72687"/>
             </a:xfrm>
             <a:prstGeom prst="rect">
               <a:avLst/>
@@ -9984,8 +9984,8 @@
           </p:nvSpPr>
           <p:spPr>
             <a:xfrm>
-              <a:off x="5446709" y="3335867"/>
-              <a:ext cx="141450" cy="72032"/>
+              <a:off x="5446709" y="3335641"/>
+              <a:ext cx="141500" cy="72141"/>
             </a:xfrm>
             <a:prstGeom prst="rect">
               <a:avLst/>
@@ -10030,8 +10030,8 @@
           </p:nvSpPr>
           <p:spPr>
             <a:xfrm>
-              <a:off x="5446709" y="3536439"/>
-              <a:ext cx="141450" cy="72628"/>
+              <a:off x="5446709" y="3536264"/>
+              <a:ext cx="141500" cy="72687"/>
             </a:xfrm>
             <a:prstGeom prst="rect">
               <a:avLst/>
@@ -10076,8 +10076,8 @@
           </p:nvSpPr>
           <p:spPr>
             <a:xfrm>
-              <a:off x="5446709" y="3745023"/>
-              <a:ext cx="141450" cy="72628"/>
+              <a:off x="5446709" y="3744848"/>
+              <a:ext cx="141500" cy="72687"/>
             </a:xfrm>
             <a:prstGeom prst="rect">
               <a:avLst/>
@@ -10122,8 +10122,8 @@
           </p:nvSpPr>
           <p:spPr>
             <a:xfrm>
-              <a:off x="5133563" y="4106330"/>
-              <a:ext cx="814304" cy="917168"/>
+              <a:off x="5133563" y="4106228"/>
+              <a:ext cx="814461" cy="917149"/>
             </a:xfrm>
             <a:prstGeom prst="rect">
               <a:avLst/>
@@ -10148,8 +10148,8 @@
           </p:nvSpPr>
           <p:spPr>
             <a:xfrm>
-              <a:off x="5205563" y="4163744"/>
-              <a:ext cx="422374" cy="115292"/>
+              <a:off x="5205563" y="4163562"/>
+              <a:ext cx="422374" cy="115347"/>
             </a:xfrm>
             <a:prstGeom prst="rect">
               <a:avLst/>
@@ -10194,8 +10194,8 @@
           </p:nvSpPr>
           <p:spPr>
             <a:xfrm>
-              <a:off x="5205563" y="4347994"/>
-              <a:ext cx="201167" cy="201168"/>
+              <a:off x="5205563" y="4347874"/>
+              <a:ext cx="201167" cy="201167"/>
             </a:xfrm>
             <a:prstGeom prst="rect">
               <a:avLst/>
@@ -10229,7 +10229,7 @@
           </p:nvSpPr>
           <p:spPr>
             <a:xfrm>
-              <a:off x="5281321" y="4423752"/>
+              <a:off x="5281321" y="4423632"/>
               <a:ext cx="49651" cy="49651"/>
             </a:xfrm>
             <a:prstGeom prst="ellipse">
@@ -10264,8 +10264,8 @@
           </p:nvSpPr>
           <p:spPr>
             <a:xfrm>
-              <a:off x="5205563" y="4549162"/>
-              <a:ext cx="201167" cy="201167"/>
+              <a:off x="5205563" y="4549042"/>
+              <a:ext cx="201167" cy="201168"/>
             </a:xfrm>
             <a:prstGeom prst="rect">
               <a:avLst/>
@@ -10299,7 +10299,7 @@
           </p:nvSpPr>
           <p:spPr>
             <a:xfrm>
-              <a:off x="5281321" y="4624920"/>
+              <a:off x="5281321" y="4624800"/>
               <a:ext cx="49651" cy="49651"/>
             </a:xfrm>
             <a:prstGeom prst="ellipse">
@@ -10334,7 +10334,7 @@
           </p:nvSpPr>
           <p:spPr>
             <a:xfrm>
-              <a:off x="5205563" y="4750330"/>
+              <a:off x="5205563" y="4750210"/>
               <a:ext cx="201167" cy="201167"/>
             </a:xfrm>
             <a:prstGeom prst="rect">
@@ -10369,7 +10369,7 @@
           </p:nvSpPr>
           <p:spPr>
             <a:xfrm>
-              <a:off x="5281321" y="4826088"/>
+              <a:off x="5281321" y="4825968"/>
               <a:ext cx="49651" cy="49651"/>
             </a:xfrm>
             <a:prstGeom prst="ellipse">
@@ -10404,8 +10404,8 @@
           </p:nvSpPr>
           <p:spPr>
             <a:xfrm>
-              <a:off x="5431877" y="4417621"/>
-              <a:ext cx="292829" cy="66278"/>
+              <a:off x="5431877" y="4417407"/>
+              <a:ext cx="292933" cy="66357"/>
             </a:xfrm>
             <a:prstGeom prst="rect">
               <a:avLst/>
@@ -10450,8 +10450,8 @@
           </p:nvSpPr>
           <p:spPr>
             <a:xfrm>
-              <a:off x="5431877" y="4608074"/>
-              <a:ext cx="443990" cy="76993"/>
+              <a:off x="5431877" y="4607879"/>
+              <a:ext cx="444147" cy="77053"/>
             </a:xfrm>
             <a:prstGeom prst="rect">
               <a:avLst/>
@@ -10496,8 +10496,8 @@
           </p:nvSpPr>
           <p:spPr>
             <a:xfrm>
-              <a:off x="5431877" y="4793962"/>
-              <a:ext cx="378365" cy="92273"/>
+              <a:off x="5431877" y="4793768"/>
+              <a:ext cx="378499" cy="92332"/>
             </a:xfrm>
             <a:prstGeom prst="rect">
               <a:avLst/>
